--- a/N_Obhajoba_darsamar.pptx
+++ b/N_Obhajoba_darsamar.pptx
@@ -5,12 +5,16 @@
     <p:sldMasterId id="2147483648" r:id="rId1"/>
   </p:sldMasterIdLst>
   <p:notesMasterIdLst>
-    <p:notesMasterId r:id="rId5"/>
+    <p:notesMasterId r:id="rId9"/>
   </p:notesMasterIdLst>
   <p:sldIdLst>
     <p:sldId id="256" r:id="rId2"/>
     <p:sldId id="257" r:id="rId3"/>
     <p:sldId id="258" r:id="rId4"/>
+    <p:sldId id="259" r:id="rId5"/>
+    <p:sldId id="261" r:id="rId6"/>
+    <p:sldId id="262" r:id="rId7"/>
+    <p:sldId id="260" r:id="rId8"/>
   </p:sldIdLst>
   <p:sldSz cx="12192000" cy="6858000"/>
   <p:notesSz cx="6858000" cy="9144000"/>
@@ -117,6 +121,81 @@
 </p:presentation>
 </file>
 
+<file path=ppt/authors.xml><?xml version="1.0" encoding="utf-8"?>
+<p188:authorLst xmlns:a="http://schemas.openxmlformats.org/drawingml/2006/main" xmlns:r="http://schemas.openxmlformats.org/officeDocument/2006/relationships" xmlns:p188="http://schemas.microsoft.com/office/powerpoint/2018/8/main">
+  <p188:author id="{6529B679-E021-05CF-90FB-DF191BF6397B}" name="Darsa, Marek" initials="MD" userId="S::darsamar@cvut.cz::fb559a9e-4025-4efc-8d87-aaebcb22956f" providerId="AD"/>
+</p188:authorLst>
+</file>
+
+<file path=ppt/comments/modernComment_102_D917F120.xml><?xml version="1.0" encoding="utf-8"?>
+<p188:cmLst xmlns:a="http://schemas.openxmlformats.org/drawingml/2006/main" xmlns:r="http://schemas.openxmlformats.org/officeDocument/2006/relationships" xmlns:p188="http://schemas.microsoft.com/office/powerpoint/2018/8/main">
+  <p188:cm id="{BEBD5912-78CC-46DA-A2A1-34BFD08185E2}" authorId="{6529B679-E021-05CF-90FB-DF191BF6397B}" created="2024-06-05T12:07:46.412">
+    <ac:txMkLst xmlns:ac="http://schemas.microsoft.com/office/drawing/2013/main/command">
+      <pc:docMk xmlns:pc="http://schemas.microsoft.com/office/powerpoint/2013/main/command"/>
+      <pc:sldMk xmlns:pc="http://schemas.microsoft.com/office/powerpoint/2013/main/command" cId="3642224928" sldId="258"/>
+      <ac:spMk id="3" creationId="{51B7A8D0-2327-E3C4-E06A-26E3BA452092}"/>
+      <ac:txMk cp="131" len="56">
+        <ac:context len="189" hash="2500654031"/>
+      </ac:txMk>
+    </ac:txMkLst>
+    <p188:pos x="9236133" y="3214007"/>
+    <p188:txBody>
+      <a:bodyPr/>
+      <a:lstStyle/>
+      <a:p>
+        <a:r>
+          <a:rPr lang="cs-CZ"/>
+          <a:t>No to je takové odvážné tvrzení
+</a:t>
+        </a:r>
+      </a:p>
+    </p188:txBody>
+  </p188:cm>
+  <p188:cm id="{93EA5229-8C77-40A5-A5A1-74F5E9FB3B3F}" authorId="{6529B679-E021-05CF-90FB-DF191BF6397B}" created="2024-06-05T12:10:38.756">
+    <ac:txMkLst xmlns:ac="http://schemas.microsoft.com/office/drawing/2013/main/command">
+      <pc:docMk xmlns:pc="http://schemas.microsoft.com/office/powerpoint/2013/main/command"/>
+      <pc:sldMk xmlns:pc="http://schemas.microsoft.com/office/powerpoint/2013/main/command" cId="3642224928" sldId="258"/>
+      <ac:spMk id="3" creationId="{51B7A8D0-2327-E3C4-E06A-26E3BA452092}"/>
+      <ac:txMk cp="0" len="43">
+        <ac:context len="189" hash="2500654031"/>
+      </ac:txMk>
+    </ac:txMkLst>
+    <p188:pos x="7407333" y="270782"/>
+    <p188:txBody>
+      <a:bodyPr/>
+      <a:lstStyle/>
+      <a:p>
+        <a:r>
+          <a:rPr lang="cs-CZ"/>
+          <a:t>Tady nevím jestli to náhodou ještě nerozvést</a:t>
+        </a:r>
+      </a:p>
+    </p188:txBody>
+  </p188:cm>
+  <p188:cm id="{5097D067-2B40-45D1-8034-5111F4C4F4EC}" authorId="{6529B679-E021-05CF-90FB-DF191BF6397B}" created="2024-06-05T12:15:35.132">
+    <ac:txMkLst xmlns:ac="http://schemas.microsoft.com/office/drawing/2013/main/command">
+      <pc:docMk xmlns:pc="http://schemas.microsoft.com/office/powerpoint/2013/main/command"/>
+      <pc:sldMk xmlns:pc="http://schemas.microsoft.com/office/powerpoint/2013/main/command" cId="3642224928" sldId="258"/>
+      <ac:spMk id="3" creationId="{51B7A8D0-2327-E3C4-E06A-26E3BA452092}"/>
+      <ac:txMk cp="44" len="83">
+        <ac:context len="189" hash="2500654031"/>
+      </ac:txMk>
+    </ac:txMkLst>
+    <p188:pos x="6692958" y="613682"/>
+    <p188:txBody>
+      <a:bodyPr/>
+      <a:lstStyle/>
+      <a:p>
+        <a:r>
+          <a:rPr lang="cs-CZ"/>
+          <a:t>Tohle si nejsem uplně jistej kam to přesně dát jelikož mluvím chvilku o soustavě a pak moje práce a pak zase soustava</a:t>
+        </a:r>
+      </a:p>
+    </p188:txBody>
+  </p188:cm>
+</p188:cmLst>
+</file>
+
 <file path=ppt/notesMasters/notesMaster1.xml><?xml version="1.0" encoding="utf-8"?>
 <p:notesMaster xmlns:a="http://schemas.openxmlformats.org/drawingml/2006/main" xmlns:r="http://schemas.openxmlformats.org/officeDocument/2006/relationships" xmlns:p="http://schemas.openxmlformats.org/presentationml/2006/main">
   <p:cSld>
@@ -466,6 +545,90 @@
 </p:notesMaster>
 </file>
 
+<file path=ppt/notesSlides/notesSlide1.xml><?xml version="1.0" encoding="utf-8"?>
+<p:notes xmlns:a="http://schemas.openxmlformats.org/drawingml/2006/main" xmlns:r="http://schemas.openxmlformats.org/officeDocument/2006/relationships" xmlns:p="http://schemas.openxmlformats.org/presentationml/2006/main">
+  <p:cSld>
+    <p:spTree>
+      <p:nvGrpSpPr>
+        <p:cNvPr id="1" name=""/>
+        <p:cNvGrpSpPr/>
+        <p:nvPr/>
+      </p:nvGrpSpPr>
+      <p:grpSpPr>
+        <a:xfrm>
+          <a:off x="0" y="0"/>
+          <a:ext cx="0" cy="0"/>
+          <a:chOff x="0" y="0"/>
+          <a:chExt cx="0" cy="0"/>
+        </a:xfrm>
+      </p:grpSpPr>
+      <p:sp>
+        <p:nvSpPr>
+          <p:cNvPr id="2" name="Zástupný symbol pro obrázek snímku 1"/>
+          <p:cNvSpPr>
+            <a:spLocks noGrp="1" noRot="1" noChangeAspect="1"/>
+          </p:cNvSpPr>
+          <p:nvPr>
+            <p:ph type="sldImg"/>
+          </p:nvPr>
+        </p:nvSpPr>
+        <p:spPr/>
+      </p:sp>
+      <p:sp>
+        <p:nvSpPr>
+          <p:cNvPr id="3" name="Zástupný symbol pro poznámky 2"/>
+          <p:cNvSpPr>
+            <a:spLocks noGrp="1"/>
+          </p:cNvSpPr>
+          <p:nvPr>
+            <p:ph type="body" idx="1"/>
+          </p:nvPr>
+        </p:nvSpPr>
+        <p:spPr/>
+        <p:txBody>
+          <a:bodyPr/>
+          <a:lstStyle/>
+          <a:p>
+            <a:endParaRPr lang="cs-CZ"/>
+          </a:p>
+        </p:txBody>
+      </p:sp>
+      <p:sp>
+        <p:nvSpPr>
+          <p:cNvPr id="4" name="Zástupný symbol pro číslo snímku 3"/>
+          <p:cNvSpPr>
+            <a:spLocks noGrp="1"/>
+          </p:cNvSpPr>
+          <p:nvPr>
+            <p:ph type="sldNum" sz="quarter" idx="5"/>
+          </p:nvPr>
+        </p:nvSpPr>
+        <p:spPr/>
+        <p:txBody>
+          <a:bodyPr/>
+          <a:lstStyle/>
+          <a:p>
+            <a:fld id="{B1477A6B-1536-4F7E-8CD5-4930B8A7F513}" type="slidenum">
+              <a:rPr lang="cs-CZ" smtClean="0"/>
+              <a:t>2</a:t>
+            </a:fld>
+            <a:endParaRPr lang="cs-CZ"/>
+          </a:p>
+        </p:txBody>
+      </p:sp>
+    </p:spTree>
+    <p:extLst>
+      <p:ext uri="{BB962C8B-B14F-4D97-AF65-F5344CB8AC3E}">
+        <p14:creationId xmlns:p14="http://schemas.microsoft.com/office/powerpoint/2010/main" val="3440286525"/>
+      </p:ext>
+    </p:extLst>
+  </p:cSld>
+  <p:clrMapOvr>
+    <a:masterClrMapping/>
+  </p:clrMapOvr>
+</p:notes>
+</file>
+
 <file path=ppt/slideLayouts/slideLayout1.xml><?xml version="1.0" encoding="utf-8"?>
 <p:sldLayout xmlns:a="http://schemas.openxmlformats.org/drawingml/2006/main" xmlns:r="http://schemas.openxmlformats.org/officeDocument/2006/relationships" xmlns:p="http://schemas.openxmlformats.org/presentationml/2006/main" type="title" preserve="1">
   <p:cSld name="Úvodní snímek">
@@ -611,11 +774,10 @@
           <a:bodyPr/>
           <a:lstStyle/>
           <a:p>
-            <a:fld id="{15AC0C6A-3C3B-4A48-BB65-F74B13AB0FD4}" type="datetime1">
-              <a:rPr lang="cs-CZ" smtClean="0"/>
-              <a:t>05.06.2024</a:t>
-            </a:fld>
-            <a:endParaRPr lang="cs-CZ"/>
+            <a:r>
+              <a:rPr lang="cs-CZ"/>
+              <a:t>12.06.2024</a:t>
+            </a:r>
           </a:p>
         </p:txBody>
       </p:sp>
@@ -812,11 +974,10 @@
           <a:bodyPr/>
           <a:lstStyle/>
           <a:p>
-            <a:fld id="{C89A0EF3-6D52-4D4A-AA17-FE0EB3DF6461}" type="datetime1">
-              <a:rPr lang="cs-CZ" smtClean="0"/>
-              <a:t>05.06.2024</a:t>
-            </a:fld>
-            <a:endParaRPr lang="cs-CZ"/>
+            <a:r>
+              <a:rPr lang="cs-CZ"/>
+              <a:t>12.06.2024</a:t>
+            </a:r>
           </a:p>
         </p:txBody>
       </p:sp>
@@ -1023,11 +1184,10 @@
           <a:bodyPr/>
           <a:lstStyle/>
           <a:p>
-            <a:fld id="{7151F4A6-26F6-48A1-BAB0-5CB41370AA9A}" type="datetime1">
-              <a:rPr lang="cs-CZ" smtClean="0"/>
-              <a:t>05.06.2024</a:t>
-            </a:fld>
-            <a:endParaRPr lang="cs-CZ"/>
+            <a:r>
+              <a:rPr lang="cs-CZ"/>
+              <a:t>12.06.2024</a:t>
+            </a:r>
           </a:p>
         </p:txBody>
       </p:sp>
@@ -1136,8 +1296,8 @@
         </p:nvSpPr>
         <p:spPr>
           <a:xfrm>
-            <a:off x="838200" y="1066686"/>
-            <a:ext cx="10515600" cy="1325563"/>
+            <a:off x="1136591" y="1066686"/>
+            <a:ext cx="10217209" cy="1325563"/>
           </a:xfrm>
         </p:spPr>
         <p:txBody>
@@ -1145,7 +1305,7 @@
           <a:lstStyle/>
           <a:p>
             <a:r>
-              <a:rPr lang="cs-CZ"/>
+              <a:rPr lang="cs-CZ" dirty="0"/>
               <a:t>Kliknutím lze upravit styl.</a:t>
             </a:r>
           </a:p>
@@ -1169,8 +1329,8 @@
         </p:nvSpPr>
         <p:spPr>
           <a:xfrm>
-            <a:off x="838200" y="2481943"/>
-            <a:ext cx="10515600" cy="3695020"/>
+            <a:off x="1136592" y="2481943"/>
+            <a:ext cx="10217208" cy="3695020"/>
           </a:xfrm>
         </p:spPr>
         <p:txBody>
@@ -1234,11 +1394,10 @@
           <a:bodyPr/>
           <a:lstStyle/>
           <a:p>
-            <a:fld id="{CA55E6B5-CE67-45FD-8E51-60BE18DB94FF}" type="datetime1">
-              <a:rPr lang="cs-CZ" smtClean="0"/>
-              <a:t>05.06.2024</a:t>
-            </a:fld>
-            <a:endParaRPr lang="cs-CZ"/>
+            <a:r>
+              <a:rPr lang="cs-CZ"/>
+              <a:t>12.06.2024</a:t>
+            </a:r>
           </a:p>
         </p:txBody>
       </p:sp>
@@ -1569,10 +1728,10 @@
           <a:bodyPr/>
           <a:lstStyle/>
           <a:p>
-            <a:fld id="{EC07C5D6-A577-4D80-BCD8-030394B90B53}" type="datetime1">
-              <a:rPr lang="cs-CZ" smtClean="0"/>
-              <a:t>05.06.2024</a:t>
-            </a:fld>
+            <a:r>
+              <a:rPr lang="cs-CZ"/>
+              <a:t>12.06.2024</a:t>
+            </a:r>
             <a:endParaRPr lang="cs-CZ" dirty="0"/>
           </a:p>
         </p:txBody>
@@ -1637,10 +1796,10 @@
       </p:sp>
       <p:pic>
         <p:nvPicPr>
-          <p:cNvPr id="7" name="Obrázek 6">
-            <a:extLst>
-              <a:ext uri="{FF2B5EF4-FFF2-40B4-BE49-F238E27FC236}">
-                <a16:creationId xmlns:a16="http://schemas.microsoft.com/office/drawing/2014/main" id="{B4A42120-17B7-1AB4-CC04-DB4E105896DD}"/>
+          <p:cNvPr id="8" name="Obrázek 7">
+            <a:extLst>
+              <a:ext uri="{FF2B5EF4-FFF2-40B4-BE49-F238E27FC236}">
+                <a16:creationId xmlns:a16="http://schemas.microsoft.com/office/drawing/2014/main" id="{81628420-DA0E-3275-D709-64E0E0153345}"/>
               </a:ext>
             </a:extLst>
           </p:cNvPr>
@@ -1663,7 +1822,7 @@
         </p:blipFill>
         <p:spPr>
           <a:xfrm>
-            <a:off x="364007" y="281099"/>
+            <a:off x="270003" y="274320"/>
             <a:ext cx="1773814" cy="863526"/>
           </a:xfrm>
           <a:prstGeom prst="rect">
@@ -1874,10 +2033,10 @@
           <a:bodyPr/>
           <a:lstStyle/>
           <a:p>
-            <a:fld id="{2956D9B6-9A56-4B6A-A452-F2875198935B}" type="datetime1">
-              <a:rPr lang="cs-CZ" smtClean="0"/>
-              <a:t>05.06.2024</a:t>
-            </a:fld>
+            <a:r>
+              <a:rPr lang="cs-CZ"/>
+              <a:t>12.06.2024</a:t>
+            </a:r>
             <a:endParaRPr lang="cs-CZ" dirty="0"/>
           </a:p>
         </p:txBody>
@@ -2290,11 +2449,10 @@
           <a:bodyPr/>
           <a:lstStyle/>
           <a:p>
-            <a:fld id="{DD4E923C-175C-40C9-8483-F4624BD52505}" type="datetime1">
-              <a:rPr lang="cs-CZ" smtClean="0"/>
-              <a:t>05.06.2024</a:t>
-            </a:fld>
-            <a:endParaRPr lang="cs-CZ"/>
+            <a:r>
+              <a:rPr lang="cs-CZ"/>
+              <a:t>12.06.2024</a:t>
+            </a:r>
           </a:p>
         </p:txBody>
       </p:sp>
@@ -2434,11 +2592,10 @@
           <a:bodyPr/>
           <a:lstStyle/>
           <a:p>
-            <a:fld id="{24CA4BDB-2890-4D01-9160-F97184FD6042}" type="datetime1">
-              <a:rPr lang="cs-CZ" smtClean="0"/>
-              <a:t>05.06.2024</a:t>
-            </a:fld>
-            <a:endParaRPr lang="cs-CZ"/>
+            <a:r>
+              <a:rPr lang="cs-CZ"/>
+              <a:t>12.06.2024</a:t>
+            </a:r>
           </a:p>
         </p:txBody>
       </p:sp>
@@ -2550,11 +2707,10 @@
           <a:bodyPr/>
           <a:lstStyle/>
           <a:p>
-            <a:fld id="{2433A83F-44B3-4370-B9D7-2CB58A1DE8CF}" type="datetime1">
-              <a:rPr lang="cs-CZ" smtClean="0"/>
-              <a:t>05.06.2024</a:t>
-            </a:fld>
-            <a:endParaRPr lang="cs-CZ"/>
+            <a:r>
+              <a:rPr lang="cs-CZ"/>
+              <a:t>12.06.2024</a:t>
+            </a:r>
           </a:p>
         </p:txBody>
       </p:sp>
@@ -2864,11 +3020,10 @@
           <a:bodyPr/>
           <a:lstStyle/>
           <a:p>
-            <a:fld id="{7ACECEC2-4078-4F08-BE3D-FB15010CB95A}" type="datetime1">
-              <a:rPr lang="cs-CZ" smtClean="0"/>
-              <a:t>05.06.2024</a:t>
-            </a:fld>
-            <a:endParaRPr lang="cs-CZ"/>
+            <a:r>
+              <a:rPr lang="cs-CZ"/>
+              <a:t>12.06.2024</a:t>
+            </a:r>
           </a:p>
         </p:txBody>
       </p:sp>
@@ -3155,11 +3310,10 @@
           <a:bodyPr/>
           <a:lstStyle/>
           <a:p>
-            <a:fld id="{813D882A-D86B-4C48-8116-6ECE05DBF377}" type="datetime1">
-              <a:rPr lang="cs-CZ" smtClean="0"/>
-              <a:t>05.06.2024</a:t>
-            </a:fld>
-            <a:endParaRPr lang="cs-CZ"/>
+            <a:r>
+              <a:rPr lang="cs-CZ"/>
+              <a:t>12.06.2024</a:t>
+            </a:r>
           </a:p>
         </p:txBody>
       </p:sp>
@@ -3399,11 +3553,10 @@
             </a:lvl1pPr>
           </a:lstStyle>
           <a:p>
-            <a:fld id="{10D1C70C-6AF4-4A8E-B381-BD3D846E2EED}" type="datetime1">
-              <a:rPr lang="cs-CZ" smtClean="0"/>
-              <a:t>05.06.2024</a:t>
-            </a:fld>
-            <a:endParaRPr lang="cs-CZ"/>
+            <a:r>
+              <a:rPr lang="cs-CZ"/>
+              <a:t>12.06.2024</a:t>
+            </a:r>
           </a:p>
         </p:txBody>
       </p:sp>
@@ -3902,7 +4055,7 @@
           <a:lstStyle/>
           <a:p>
             <a:pPr algn="ctr"/>
-            <a:endParaRPr lang="en-US"/>
+            <a:endParaRPr lang="en-US" dirty="0"/>
           </a:p>
         </p:txBody>
       </p:sp>
@@ -3975,7 +4128,7 @@
           <a:lstStyle/>
           <a:p>
             <a:pPr algn="ctr"/>
-            <a:endParaRPr lang="en-US"/>
+            <a:endParaRPr lang="en-US" dirty="0"/>
           </a:p>
         </p:txBody>
       </p:sp>
@@ -4051,7 +4204,7 @@
           <a:lstStyle/>
           <a:p>
             <a:pPr algn="ctr"/>
-            <a:endParaRPr lang="en-US"/>
+            <a:endParaRPr lang="en-US" dirty="0"/>
           </a:p>
         </p:txBody>
       </p:sp>
@@ -4127,7 +4280,7 @@
           <a:lstStyle/>
           <a:p>
             <a:pPr algn="ctr"/>
-            <a:endParaRPr lang="en-US"/>
+            <a:endParaRPr lang="en-US" dirty="0"/>
           </a:p>
         </p:txBody>
       </p:sp>
@@ -4226,8 +4379,8 @@
         </p:nvSpPr>
         <p:spPr>
           <a:xfrm>
-            <a:off x="2599718" y="954418"/>
-            <a:ext cx="6596245" cy="3268520"/>
+            <a:off x="2797876" y="1099040"/>
+            <a:ext cx="6596245" cy="2801544"/>
           </a:xfrm>
         </p:spPr>
         <p:txBody>
@@ -4236,12 +4389,14 @@
           </a:bodyPr>
           <a:lstStyle/>
           <a:p>
-            <a:pPr algn="r"/>
-            <a:endParaRPr lang="cs-CZ" sz="4800" dirty="0">
-              <a:solidFill>
-                <a:srgbClr val="FFFFFF"/>
-              </a:solidFill>
-            </a:endParaRPr>
+            <a:r>
+              <a:rPr lang="cs-CZ" sz="4800" dirty="0">
+                <a:solidFill>
+                  <a:srgbClr val="FFFFFF"/>
+                </a:solidFill>
+              </a:rPr>
+              <a:t>Ovládací software pro nezávislé ovládání pěti pneumatických svalů v robotické struktuře</a:t>
+            </a:r>
           </a:p>
         </p:txBody>
       </p:sp>
@@ -4317,7 +4472,7 @@
           <a:lstStyle/>
           <a:p>
             <a:pPr algn="ctr"/>
-            <a:endParaRPr lang="en-US"/>
+            <a:endParaRPr lang="en-US" dirty="0"/>
           </a:p>
         </p:txBody>
       </p:sp>
@@ -4339,8 +4494,8 @@
         </p:nvSpPr>
         <p:spPr>
           <a:xfrm>
-            <a:off x="2599717" y="4869616"/>
-            <a:ext cx="6596245" cy="1241828"/>
+            <a:off x="2599718" y="4114723"/>
+            <a:ext cx="6596245" cy="2210860"/>
           </a:xfrm>
         </p:spPr>
         <p:txBody>
@@ -4349,12 +4504,76 @@
           </a:bodyPr>
           <a:lstStyle/>
           <a:p>
-            <a:pPr algn="r"/>
-            <a:endParaRPr lang="cs-CZ" dirty="0">
-              <a:solidFill>
-                <a:srgbClr val="FFFFFF"/>
-              </a:solidFill>
-            </a:endParaRPr>
+            <a:r>
+              <a:rPr lang="cs-CZ" dirty="0">
+                <a:solidFill>
+                  <a:srgbClr val="FFFFFF"/>
+                </a:solidFill>
+              </a:rPr>
+              <a:t>Marek Darsa</a:t>
+            </a:r>
+          </a:p>
+          <a:p>
+            <a:r>
+              <a:rPr lang="cs-CZ" dirty="0">
+                <a:solidFill>
+                  <a:srgbClr val="FFFFFF"/>
+                </a:solidFill>
+              </a:rPr>
+              <a:t>Bakalářská Práce</a:t>
+            </a:r>
+          </a:p>
+          <a:p>
+            <a:r>
+              <a:rPr lang="cs-CZ" dirty="0">
+                <a:solidFill>
+                  <a:srgbClr val="FFFFFF"/>
+                </a:solidFill>
+              </a:rPr>
+              <a:t>Vedoucí : Ing. Martin Bejtic</a:t>
+            </a:r>
+          </a:p>
+          <a:p>
+            <a:r>
+              <a:rPr lang="cs-CZ" dirty="0">
+                <a:solidFill>
+                  <a:srgbClr val="FFFFFF"/>
+                </a:solidFill>
+              </a:rPr>
+              <a:t>Konzultant: Ing. Jan </a:t>
+            </a:r>
+            <a:r>
+              <a:rPr lang="cs-CZ" dirty="0" err="1">
+                <a:solidFill>
+                  <a:srgbClr val="FFFFFF"/>
+                </a:solidFill>
+              </a:rPr>
+              <a:t>Kauler</a:t>
+            </a:r>
+            <a:r>
+              <a:rPr lang="cs-CZ" dirty="0">
+                <a:solidFill>
+                  <a:srgbClr val="FFFFFF"/>
+                </a:solidFill>
+              </a:rPr>
+              <a:t>, </a:t>
+            </a:r>
+            <a:r>
+              <a:rPr lang="cs-CZ" dirty="0" err="1">
+                <a:solidFill>
+                  <a:srgbClr val="FFFFFF"/>
+                </a:solidFill>
+              </a:rPr>
+              <a:t>Ph</a:t>
+            </a:r>
+            <a:r>
+              <a:rPr lang="cs-CZ" dirty="0">
+                <a:solidFill>
+                  <a:srgbClr val="FFFFFF"/>
+                </a:solidFill>
+              </a:rPr>
+              <a:t>. D.</a:t>
+            </a:r>
           </a:p>
         </p:txBody>
       </p:sp>
@@ -4551,7 +4770,28 @@
           <a:p>
             <a:r>
               <a:rPr lang="cs-CZ" dirty="0"/>
-              <a:t>Téma bakalářské práce</a:t>
+              <a:t>Proč soustava vůbec vznikla</a:t>
+            </a:r>
+          </a:p>
+          <a:p>
+            <a:r>
+              <a:rPr lang="cs-CZ" dirty="0"/>
+              <a:t>Pneumatická</a:t>
+            </a:r>
+            <a:r>
+              <a:rPr lang="en-US" dirty="0"/>
+              <a:t> </a:t>
+            </a:r>
+            <a:r>
+              <a:rPr lang="cs-CZ" dirty="0"/>
+              <a:t>soustava</a:t>
+            </a:r>
+            <a:endParaRPr lang="en-US" dirty="0"/>
+          </a:p>
+          <a:p>
+            <a:r>
+              <a:rPr lang="cs-CZ" dirty="0"/>
+              <a:t>Pneumatické Svaly</a:t>
             </a:r>
             <a:endParaRPr lang="en-US" dirty="0"/>
           </a:p>
@@ -4565,10 +4805,22 @@
               <a:t> </a:t>
             </a:r>
             <a:r>
-              <a:rPr lang="cs-CZ"/>
+              <a:rPr lang="cs-CZ" dirty="0"/>
               <a:t>práce</a:t>
             </a:r>
           </a:p>
+          <a:p>
+            <a:r>
+              <a:rPr lang="cs-CZ" dirty="0"/>
+              <a:t>Metodika</a:t>
+            </a:r>
+          </a:p>
+          <a:p>
+            <a:r>
+              <a:rPr lang="cs-CZ" dirty="0"/>
+              <a:t>Závěr</a:t>
+            </a:r>
+          </a:p>
         </p:txBody>
       </p:sp>
       <p:sp>
@@ -4592,10 +4844,10 @@
           <a:bodyPr/>
           <a:lstStyle/>
           <a:p>
-            <a:fld id="{849FFFD2-8252-413F-8927-832DAC2B4CF0}" type="datetime1">
-              <a:rPr lang="cs-CZ" smtClean="0"/>
-              <a:t>05.06.2024</a:t>
-            </a:fld>
+            <a:r>
+              <a:rPr lang="cs-CZ"/>
+              <a:t>12.06.2024</a:t>
+            </a:r>
             <a:endParaRPr lang="cs-CZ" dirty="0"/>
           </a:p>
         </p:txBody>
@@ -4709,6 +4961,10 @@
           <a:bodyPr/>
           <a:lstStyle/>
           <a:p>
+            <a:r>
+              <a:rPr lang="cs-CZ"/>
+              <a:t>Proč soustava vůbec vznikla</a:t>
+            </a:r>
             <a:endParaRPr lang="cs-CZ" dirty="0"/>
           </a:p>
         </p:txBody>
@@ -4731,10 +4987,71 @@
         </p:nvSpPr>
         <p:spPr/>
         <p:txBody>
-          <a:bodyPr/>
-          <a:lstStyle/>
-          <a:p>
-            <a:endParaRPr lang="cs-CZ"/>
+          <a:bodyPr>
+            <a:normAutofit fontScale="92500" lnSpcReduction="20000"/>
+          </a:bodyPr>
+          <a:lstStyle/>
+          <a:p>
+            <a:r>
+              <a:rPr lang="cs-CZ" sz="3000" dirty="0"/>
+              <a:t>Nemožnost správného nastavení </a:t>
+            </a:r>
+            <a:br>
+              <a:rPr lang="en-US" sz="3000" dirty="0"/>
+            </a:br>
+            <a:r>
+              <a:rPr lang="cs-CZ" sz="3000" dirty="0"/>
+              <a:t>polohy hlavy</a:t>
+            </a:r>
+            <a:endParaRPr lang="en-US" sz="3000" dirty="0"/>
+          </a:p>
+          <a:p>
+            <a:r>
+              <a:rPr lang="cs-CZ" sz="3000" dirty="0"/>
+              <a:t>Soustava postrádala ovládací </a:t>
+            </a:r>
+            <a:br>
+              <a:rPr lang="en-US" sz="3000" dirty="0"/>
+            </a:br>
+            <a:r>
+              <a:rPr lang="en-US" sz="3000" dirty="0"/>
+              <a:t>software,</a:t>
+            </a:r>
+            <a:r>
+              <a:rPr lang="cs-CZ" sz="3000" dirty="0"/>
+              <a:t>který by byl schopen</a:t>
+            </a:r>
+            <a:br>
+              <a:rPr lang="en-US" sz="3000" dirty="0"/>
+            </a:br>
+            <a:r>
+              <a:rPr lang="cs-CZ" sz="3000" dirty="0"/>
+              <a:t>provádět komplexní akce</a:t>
+            </a:r>
+          </a:p>
+          <a:p>
+            <a:pPr marL="0" indent="0">
+              <a:buNone/>
+            </a:pPr>
+            <a:endParaRPr lang="en-US" sz="3000" dirty="0"/>
+          </a:p>
+          <a:p>
+            <a:endParaRPr lang="en-US" sz="3000" dirty="0"/>
+          </a:p>
+          <a:p>
+            <a:endParaRPr lang="en-US" sz="3000" dirty="0"/>
+          </a:p>
+          <a:p>
+            <a:r>
+              <a:rPr lang="cs-CZ" sz="3000" dirty="0"/>
+              <a:t>Nutnost přesných pohybů bez zanesení artefaktů do snímků</a:t>
+            </a:r>
+          </a:p>
+          <a:p>
+            <a:pPr marL="0" indent="0">
+              <a:buNone/>
+            </a:pPr>
+            <a:endParaRPr lang="cs-CZ" dirty="0"/>
           </a:p>
         </p:txBody>
       </p:sp>
@@ -4759,11 +5076,10 @@
           <a:bodyPr/>
           <a:lstStyle/>
           <a:p>
-            <a:fld id="{F59CBBF6-F75F-4AAD-A675-8AF669FDE3BA}" type="datetime1">
-              <a:rPr lang="cs-CZ" smtClean="0"/>
-              <a:t>05.06.2024</a:t>
-            </a:fld>
-            <a:endParaRPr lang="cs-CZ"/>
+            <a:r>
+              <a:rPr lang="cs-CZ"/>
+              <a:t>12.06.2024</a:t>
+            </a:r>
           </a:p>
         </p:txBody>
       </p:sp>
@@ -4825,10 +5141,1174 @@
           </a:p>
         </p:txBody>
       </p:sp>
+      <p:pic>
+        <p:nvPicPr>
+          <p:cNvPr id="8" name="Obrázek 7" descr="Obsah obrázku Lékařské vybavení, lékařský, zdravotní péče, nemocnice&#10;&#10;Popis byl vytvořen automaticky">
+            <a:extLst>
+              <a:ext uri="{FF2B5EF4-FFF2-40B4-BE49-F238E27FC236}">
+                <a16:creationId xmlns:a16="http://schemas.microsoft.com/office/drawing/2014/main" id="{50A87DDA-97B8-3DB9-E1F6-B6B62F1162B7}"/>
+              </a:ext>
+            </a:extLst>
+          </p:cNvPr>
+          <p:cNvPicPr>
+            <a:picLocks noChangeAspect="1"/>
+          </p:cNvPicPr>
+          <p:nvPr/>
+        </p:nvPicPr>
+        <p:blipFill>
+          <a:blip r:embed="rId3">
+            <a:extLst>
+              <a:ext uri="{28A0092B-C50C-407E-A947-70E740481C1C}">
+                <a14:useLocalDpi xmlns:a14="http://schemas.microsoft.com/office/drawing/2010/main" val="0"/>
+              </a:ext>
+            </a:extLst>
+          </a:blip>
+          <a:stretch>
+            <a:fillRect/>
+          </a:stretch>
+        </p:blipFill>
+        <p:spPr>
+          <a:xfrm>
+            <a:off x="7193322" y="2250068"/>
+            <a:ext cx="4128654" cy="2677726"/>
+          </a:xfrm>
+          <a:prstGeom prst="rect">
+            <a:avLst/>
+          </a:prstGeom>
+        </p:spPr>
+      </p:pic>
+      <p:sp>
+        <p:nvSpPr>
+          <p:cNvPr id="9" name="TextovéPole 8">
+            <a:extLst>
+              <a:ext uri="{FF2B5EF4-FFF2-40B4-BE49-F238E27FC236}">
+                <a16:creationId xmlns:a16="http://schemas.microsoft.com/office/drawing/2014/main" id="{5786AEB2-F494-1244-3192-9901FB9FAB85}"/>
+              </a:ext>
+            </a:extLst>
+          </p:cNvPr>
+          <p:cNvSpPr txBox="1"/>
+          <p:nvPr/>
+        </p:nvSpPr>
+        <p:spPr>
+          <a:xfrm>
+            <a:off x="7193322" y="4998380"/>
+            <a:ext cx="4065006" cy="369332"/>
+          </a:xfrm>
+          <a:prstGeom prst="rect">
+            <a:avLst/>
+          </a:prstGeom>
+          <a:noFill/>
+        </p:spPr>
+        <p:txBody>
+          <a:bodyPr wrap="square" rtlCol="0">
+            <a:spAutoFit/>
+          </a:bodyPr>
+          <a:lstStyle/>
+          <a:p>
+            <a:r>
+              <a:rPr lang="cs-CZ" dirty="0"/>
+              <a:t>Obr</a:t>
+            </a:r>
+            <a:r>
+              <a:rPr lang="en-US" dirty="0"/>
+              <a:t>. 1 </a:t>
+            </a:r>
+            <a:r>
+              <a:rPr lang="cs-CZ" dirty="0"/>
+              <a:t>Pacient v magnetické rezonanci</a:t>
+            </a:r>
+          </a:p>
+        </p:txBody>
+      </p:sp>
     </p:spTree>
     <p:extLst>
       <p:ext uri="{BB962C8B-B14F-4D97-AF65-F5344CB8AC3E}">
         <p14:creationId xmlns:p14="http://schemas.microsoft.com/office/powerpoint/2010/main" val="3642224928"/>
+      </p:ext>
+    </p:extLst>
+  </p:cSld>
+  <p:clrMapOvr>
+    <a:masterClrMapping/>
+  </p:clrMapOvr>
+  <p:extLst>
+    <p:ext uri="{6950BFC3-D8DA-4A85-94F7-54DA5524770B}">
+      <p188:commentRel xmlns:p188="http://schemas.microsoft.com/office/powerpoint/2018/8/main" r:id="rId2"/>
+    </p:ext>
+  </p:extLst>
+</p:sld>
+</file>
+
+<file path=ppt/slides/slide4.xml><?xml version="1.0" encoding="utf-8"?>
+<p:sld xmlns:a="http://schemas.openxmlformats.org/drawingml/2006/main" xmlns:r="http://schemas.openxmlformats.org/officeDocument/2006/relationships" xmlns:p="http://schemas.openxmlformats.org/presentationml/2006/main">
+  <p:cSld>
+    <p:spTree>
+      <p:nvGrpSpPr>
+        <p:cNvPr id="1" name=""/>
+        <p:cNvGrpSpPr/>
+        <p:nvPr/>
+      </p:nvGrpSpPr>
+      <p:grpSpPr>
+        <a:xfrm>
+          <a:off x="0" y="0"/>
+          <a:ext cx="0" cy="0"/>
+          <a:chOff x="0" y="0"/>
+          <a:chExt cx="0" cy="0"/>
+        </a:xfrm>
+      </p:grpSpPr>
+      <p:sp>
+        <p:nvSpPr>
+          <p:cNvPr id="2" name="Nadpis 1">
+            <a:extLst>
+              <a:ext uri="{FF2B5EF4-FFF2-40B4-BE49-F238E27FC236}">
+                <a16:creationId xmlns:a16="http://schemas.microsoft.com/office/drawing/2014/main" id="{9B4C31B2-97E5-E043-892A-672F98C5E96B}"/>
+              </a:ext>
+            </a:extLst>
+          </p:cNvPr>
+          <p:cNvSpPr>
+            <a:spLocks noGrp="1"/>
+          </p:cNvSpPr>
+          <p:nvPr>
+            <p:ph type="title"/>
+          </p:nvPr>
+        </p:nvSpPr>
+        <p:spPr/>
+        <p:txBody>
+          <a:bodyPr/>
+          <a:lstStyle/>
+          <a:p>
+            <a:r>
+              <a:rPr lang="cs-CZ" dirty="0"/>
+              <a:t>Pneumatická soustava</a:t>
+            </a:r>
+          </a:p>
+        </p:txBody>
+      </p:sp>
+      <p:sp>
+        <p:nvSpPr>
+          <p:cNvPr id="3" name="Zástupný obsah 2">
+            <a:extLst>
+              <a:ext uri="{FF2B5EF4-FFF2-40B4-BE49-F238E27FC236}">
+                <a16:creationId xmlns:a16="http://schemas.microsoft.com/office/drawing/2014/main" id="{6663B713-59B8-5319-3C78-BEE08CB1E71F}"/>
+              </a:ext>
+            </a:extLst>
+          </p:cNvPr>
+          <p:cNvSpPr>
+            <a:spLocks noGrp="1"/>
+          </p:cNvSpPr>
+          <p:nvPr>
+            <p:ph idx="1"/>
+          </p:nvPr>
+        </p:nvSpPr>
+        <p:spPr/>
+        <p:txBody>
+          <a:bodyPr/>
+          <a:lstStyle/>
+          <a:p>
+            <a:r>
+              <a:rPr lang="cs-CZ" dirty="0"/>
+              <a:t>Soustava byla na zakázku vytvořena </a:t>
+            </a:r>
+            <a:br>
+              <a:rPr lang="cs-CZ" dirty="0"/>
+            </a:br>
+            <a:r>
+              <a:rPr lang="cs-CZ" dirty="0"/>
+              <a:t>firmou Prokyber, </a:t>
+            </a:r>
+            <a:br>
+              <a:rPr lang="cs-CZ" dirty="0"/>
+            </a:br>
+            <a:r>
+              <a:rPr lang="cs-CZ" dirty="0"/>
+              <a:t>která k této soustavě </a:t>
+            </a:r>
+            <a:br>
+              <a:rPr lang="cs-CZ" dirty="0"/>
+            </a:br>
+            <a:r>
+              <a:rPr lang="cs-CZ" dirty="0"/>
+              <a:t>dodala i základní ovládací funkce</a:t>
+            </a:r>
+          </a:p>
+          <a:p>
+            <a:r>
+              <a:rPr lang="cs-CZ" dirty="0"/>
+              <a:t>Design od Ing. Martina </a:t>
+            </a:r>
+            <a:r>
+              <a:rPr lang="cs-CZ" dirty="0" err="1"/>
+              <a:t>Bejtice</a:t>
+            </a:r>
+            <a:r>
+              <a:rPr lang="cs-CZ" dirty="0"/>
+              <a:t> </a:t>
+            </a:r>
+            <a:br>
+              <a:rPr lang="cs-CZ" dirty="0"/>
+            </a:br>
+            <a:r>
+              <a:rPr lang="cs-CZ" dirty="0"/>
+              <a:t>spolupracujícího </a:t>
+            </a:r>
+            <a:br>
+              <a:rPr lang="cs-CZ" dirty="0"/>
+            </a:br>
+            <a:r>
+              <a:rPr lang="cs-CZ" dirty="0"/>
+              <a:t>v týmu s Ing. Jan </a:t>
+            </a:r>
+            <a:r>
+              <a:rPr lang="cs-CZ" dirty="0" err="1"/>
+              <a:t>Kauler</a:t>
+            </a:r>
+            <a:r>
+              <a:rPr lang="cs-CZ" dirty="0"/>
+              <a:t>, </a:t>
+            </a:r>
+            <a:r>
+              <a:rPr lang="cs-CZ" dirty="0" err="1"/>
+              <a:t>Ph</a:t>
+            </a:r>
+            <a:r>
+              <a:rPr lang="cs-CZ" dirty="0"/>
+              <a:t>. D.</a:t>
+            </a:r>
+          </a:p>
+          <a:p>
+            <a:endParaRPr lang="cs-CZ" dirty="0"/>
+          </a:p>
+        </p:txBody>
+      </p:sp>
+      <p:sp>
+        <p:nvSpPr>
+          <p:cNvPr id="4" name="Zástupný symbol pro datum 3">
+            <a:extLst>
+              <a:ext uri="{FF2B5EF4-FFF2-40B4-BE49-F238E27FC236}">
+                <a16:creationId xmlns:a16="http://schemas.microsoft.com/office/drawing/2014/main" id="{0D40369F-FE10-774A-FC16-49DD676D65EE}"/>
+              </a:ext>
+            </a:extLst>
+          </p:cNvPr>
+          <p:cNvSpPr>
+            <a:spLocks noGrp="1"/>
+          </p:cNvSpPr>
+          <p:nvPr>
+            <p:ph type="dt" sz="half" idx="10"/>
+          </p:nvPr>
+        </p:nvSpPr>
+        <p:spPr/>
+        <p:txBody>
+          <a:bodyPr/>
+          <a:lstStyle/>
+          <a:p>
+            <a:r>
+              <a:rPr lang="cs-CZ"/>
+              <a:t>12.06.2024</a:t>
+            </a:r>
+          </a:p>
+        </p:txBody>
+      </p:sp>
+      <p:sp>
+        <p:nvSpPr>
+          <p:cNvPr id="5" name="Zástupný symbol pro zápatí 4">
+            <a:extLst>
+              <a:ext uri="{FF2B5EF4-FFF2-40B4-BE49-F238E27FC236}">
+                <a16:creationId xmlns:a16="http://schemas.microsoft.com/office/drawing/2014/main" id="{18D65306-B260-2832-8A69-BDFAC3AF8A4B}"/>
+              </a:ext>
+            </a:extLst>
+          </p:cNvPr>
+          <p:cNvSpPr>
+            <a:spLocks noGrp="1"/>
+          </p:cNvSpPr>
+          <p:nvPr>
+            <p:ph type="ftr" sz="quarter" idx="11"/>
+          </p:nvPr>
+        </p:nvSpPr>
+        <p:spPr/>
+        <p:txBody>
+          <a:bodyPr/>
+          <a:lstStyle/>
+          <a:p>
+            <a:r>
+              <a:rPr lang="en-US"/>
+              <a:t>Marek Darsa</a:t>
+            </a:r>
+            <a:endParaRPr lang="en-US" dirty="0"/>
+          </a:p>
+        </p:txBody>
+      </p:sp>
+      <p:sp>
+        <p:nvSpPr>
+          <p:cNvPr id="6" name="Zástupný symbol pro číslo snímku 5">
+            <a:extLst>
+              <a:ext uri="{FF2B5EF4-FFF2-40B4-BE49-F238E27FC236}">
+                <a16:creationId xmlns:a16="http://schemas.microsoft.com/office/drawing/2014/main" id="{E0954643-1B66-CBBB-DB35-F7405E377296}"/>
+              </a:ext>
+            </a:extLst>
+          </p:cNvPr>
+          <p:cNvSpPr>
+            <a:spLocks noGrp="1"/>
+          </p:cNvSpPr>
+          <p:nvPr>
+            <p:ph type="sldNum" sz="quarter" idx="12"/>
+          </p:nvPr>
+        </p:nvSpPr>
+        <p:spPr/>
+        <p:txBody>
+          <a:bodyPr/>
+          <a:lstStyle/>
+          <a:p>
+            <a:fld id="{34496689-AAC1-49FF-8CFC-AFE655D342DD}" type="slidenum">
+              <a:rPr lang="cs-CZ" smtClean="0"/>
+              <a:t>4</a:t>
+            </a:fld>
+            <a:endParaRPr lang="cs-CZ"/>
+          </a:p>
+        </p:txBody>
+      </p:sp>
+      <p:pic>
+        <p:nvPicPr>
+          <p:cNvPr id="7" name="Content Placeholder 5" descr="A close-up of a machine&#10;&#10;Description automatically generated">
+            <a:extLst>
+              <a:ext uri="{FF2B5EF4-FFF2-40B4-BE49-F238E27FC236}">
+                <a16:creationId xmlns:a16="http://schemas.microsoft.com/office/drawing/2014/main" id="{10845681-C36B-9F75-61E3-C4BF451B10FF}"/>
+              </a:ext>
+            </a:extLst>
+          </p:cNvPr>
+          <p:cNvPicPr>
+            <a:picLocks noChangeAspect="1"/>
+          </p:cNvPicPr>
+          <p:nvPr/>
+        </p:nvPicPr>
+        <p:blipFill rotWithShape="1">
+          <a:blip r:embed="rId2" cstate="print">
+            <a:extLst>
+              <a:ext uri="{28A0092B-C50C-407E-A947-70E740481C1C}">
+                <a14:useLocalDpi xmlns:a14="http://schemas.microsoft.com/office/drawing/2010/main" val="0"/>
+              </a:ext>
+            </a:extLst>
+          </a:blip>
+          <a:srcRect t="9722" b="7334"/>
+          <a:stretch/>
+        </p:blipFill>
+        <p:spPr>
+          <a:xfrm>
+            <a:off x="7025765" y="2255903"/>
+            <a:ext cx="4946276" cy="3076964"/>
+          </a:xfrm>
+          <a:prstGeom prst="rect">
+            <a:avLst/>
+          </a:prstGeom>
+          <a:noFill/>
+        </p:spPr>
+      </p:pic>
+      <p:sp>
+        <p:nvSpPr>
+          <p:cNvPr id="8" name="TextovéPole 7">
+            <a:extLst>
+              <a:ext uri="{FF2B5EF4-FFF2-40B4-BE49-F238E27FC236}">
+                <a16:creationId xmlns:a16="http://schemas.microsoft.com/office/drawing/2014/main" id="{E7E01D83-EE01-C861-38F8-E0BA54D6A68B}"/>
+              </a:ext>
+            </a:extLst>
+          </p:cNvPr>
+          <p:cNvSpPr txBox="1"/>
+          <p:nvPr/>
+        </p:nvSpPr>
+        <p:spPr>
+          <a:xfrm>
+            <a:off x="6951213" y="5475276"/>
+            <a:ext cx="5095380" cy="369332"/>
+          </a:xfrm>
+          <a:prstGeom prst="rect">
+            <a:avLst/>
+          </a:prstGeom>
+          <a:noFill/>
+        </p:spPr>
+        <p:txBody>
+          <a:bodyPr wrap="square" rtlCol="0">
+            <a:spAutoFit/>
+          </a:bodyPr>
+          <a:lstStyle/>
+          <a:p>
+            <a:r>
+              <a:rPr lang="cs-CZ" dirty="0"/>
+              <a:t>Obr 2. Krokový motor, hřídel a pneumatický ventil</a:t>
+            </a:r>
+          </a:p>
+        </p:txBody>
+      </p:sp>
+    </p:spTree>
+    <p:extLst>
+      <p:ext uri="{BB962C8B-B14F-4D97-AF65-F5344CB8AC3E}">
+        <p14:creationId xmlns:p14="http://schemas.microsoft.com/office/powerpoint/2010/main" val="3464834876"/>
+      </p:ext>
+    </p:extLst>
+  </p:cSld>
+  <p:clrMapOvr>
+    <a:masterClrMapping/>
+  </p:clrMapOvr>
+</p:sld>
+</file>
+
+<file path=ppt/slides/slide5.xml><?xml version="1.0" encoding="utf-8"?>
+<p:sld xmlns:a="http://schemas.openxmlformats.org/drawingml/2006/main" xmlns:r="http://schemas.openxmlformats.org/officeDocument/2006/relationships" xmlns:p="http://schemas.openxmlformats.org/presentationml/2006/main">
+  <p:cSld>
+    <p:spTree>
+      <p:nvGrpSpPr>
+        <p:cNvPr id="1" name=""/>
+        <p:cNvGrpSpPr/>
+        <p:nvPr/>
+      </p:nvGrpSpPr>
+      <p:grpSpPr>
+        <a:xfrm>
+          <a:off x="0" y="0"/>
+          <a:ext cx="0" cy="0"/>
+          <a:chOff x="0" y="0"/>
+          <a:chExt cx="0" cy="0"/>
+        </a:xfrm>
+      </p:grpSpPr>
+      <p:sp>
+        <p:nvSpPr>
+          <p:cNvPr id="2" name="Nadpis 1">
+            <a:extLst>
+              <a:ext uri="{FF2B5EF4-FFF2-40B4-BE49-F238E27FC236}">
+                <a16:creationId xmlns:a16="http://schemas.microsoft.com/office/drawing/2014/main" id="{B465F215-5740-6312-B108-98241214B9CF}"/>
+              </a:ext>
+            </a:extLst>
+          </p:cNvPr>
+          <p:cNvSpPr>
+            <a:spLocks noGrp="1"/>
+          </p:cNvSpPr>
+          <p:nvPr>
+            <p:ph type="title"/>
+          </p:nvPr>
+        </p:nvSpPr>
+        <p:spPr/>
+        <p:txBody>
+          <a:bodyPr/>
+          <a:lstStyle/>
+          <a:p>
+            <a:r>
+              <a:rPr lang="cs-CZ" dirty="0"/>
+              <a:t>Pneumatické svaly</a:t>
+            </a:r>
+          </a:p>
+        </p:txBody>
+      </p:sp>
+      <p:sp>
+        <p:nvSpPr>
+          <p:cNvPr id="3" name="Zástupný obsah 2">
+            <a:extLst>
+              <a:ext uri="{FF2B5EF4-FFF2-40B4-BE49-F238E27FC236}">
+                <a16:creationId xmlns:a16="http://schemas.microsoft.com/office/drawing/2014/main" id="{40E84423-743A-E69C-0503-05421962DDF3}"/>
+              </a:ext>
+            </a:extLst>
+          </p:cNvPr>
+          <p:cNvSpPr>
+            <a:spLocks noGrp="1"/>
+          </p:cNvSpPr>
+          <p:nvPr>
+            <p:ph idx="1"/>
+          </p:nvPr>
+        </p:nvSpPr>
+        <p:spPr/>
+        <p:txBody>
+          <a:bodyPr/>
+          <a:lstStyle/>
+          <a:p>
+            <a:r>
+              <a:rPr lang="cs-CZ" dirty="0"/>
+              <a:t>V soustavě se využívají svaly,</a:t>
+            </a:r>
+            <a:br>
+              <a:rPr lang="en-US" dirty="0"/>
+            </a:br>
+            <a:r>
+              <a:rPr lang="cs-CZ" dirty="0"/>
+              <a:t> které byly speciálně vytvořeny</a:t>
+            </a:r>
+            <a:br>
+              <a:rPr lang="en-US" dirty="0"/>
+            </a:br>
+            <a:r>
+              <a:rPr lang="cs-CZ" dirty="0"/>
+              <a:t> pro tuto soustavu</a:t>
+            </a:r>
+          </a:p>
+          <a:p>
+            <a:r>
+              <a:rPr lang="cs-CZ" dirty="0"/>
+              <a:t>Svaly se odlévají ze silikonu</a:t>
+            </a:r>
+            <a:endParaRPr lang="en-US" dirty="0"/>
+          </a:p>
+          <a:p>
+            <a:pPr marL="0" indent="0">
+              <a:buNone/>
+            </a:pPr>
+            <a:endParaRPr lang="cs-CZ" dirty="0"/>
+          </a:p>
+        </p:txBody>
+      </p:sp>
+      <p:sp>
+        <p:nvSpPr>
+          <p:cNvPr id="4" name="Zástupný symbol pro datum 3">
+            <a:extLst>
+              <a:ext uri="{FF2B5EF4-FFF2-40B4-BE49-F238E27FC236}">
+                <a16:creationId xmlns:a16="http://schemas.microsoft.com/office/drawing/2014/main" id="{7BC5E788-8C7E-AFBE-9012-0F6070ED08D5}"/>
+              </a:ext>
+            </a:extLst>
+          </p:cNvPr>
+          <p:cNvSpPr>
+            <a:spLocks noGrp="1"/>
+          </p:cNvSpPr>
+          <p:nvPr>
+            <p:ph type="dt" sz="half" idx="10"/>
+          </p:nvPr>
+        </p:nvSpPr>
+        <p:spPr/>
+        <p:txBody>
+          <a:bodyPr/>
+          <a:lstStyle/>
+          <a:p>
+            <a:r>
+              <a:rPr lang="cs-CZ"/>
+              <a:t>12.06.2024</a:t>
+            </a:r>
+          </a:p>
+        </p:txBody>
+      </p:sp>
+      <p:sp>
+        <p:nvSpPr>
+          <p:cNvPr id="5" name="Zástupný symbol pro zápatí 4">
+            <a:extLst>
+              <a:ext uri="{FF2B5EF4-FFF2-40B4-BE49-F238E27FC236}">
+                <a16:creationId xmlns:a16="http://schemas.microsoft.com/office/drawing/2014/main" id="{E5C118EF-A000-58AF-5D1C-D4EFE7C8CDF4}"/>
+              </a:ext>
+            </a:extLst>
+          </p:cNvPr>
+          <p:cNvSpPr>
+            <a:spLocks noGrp="1"/>
+          </p:cNvSpPr>
+          <p:nvPr>
+            <p:ph type="ftr" sz="quarter" idx="11"/>
+          </p:nvPr>
+        </p:nvSpPr>
+        <p:spPr/>
+        <p:txBody>
+          <a:bodyPr/>
+          <a:lstStyle/>
+          <a:p>
+            <a:r>
+              <a:rPr lang="en-US"/>
+              <a:t>Marek Darsa</a:t>
+            </a:r>
+            <a:endParaRPr lang="en-US" dirty="0"/>
+          </a:p>
+        </p:txBody>
+      </p:sp>
+      <p:sp>
+        <p:nvSpPr>
+          <p:cNvPr id="6" name="Zástupný symbol pro číslo snímku 5">
+            <a:extLst>
+              <a:ext uri="{FF2B5EF4-FFF2-40B4-BE49-F238E27FC236}">
+                <a16:creationId xmlns:a16="http://schemas.microsoft.com/office/drawing/2014/main" id="{8C5D5CC2-9508-EAD9-F434-2EA09C3FB465}"/>
+              </a:ext>
+            </a:extLst>
+          </p:cNvPr>
+          <p:cNvSpPr>
+            <a:spLocks noGrp="1"/>
+          </p:cNvSpPr>
+          <p:nvPr>
+            <p:ph type="sldNum" sz="quarter" idx="12"/>
+          </p:nvPr>
+        </p:nvSpPr>
+        <p:spPr/>
+        <p:txBody>
+          <a:bodyPr/>
+          <a:lstStyle/>
+          <a:p>
+            <a:fld id="{34496689-AAC1-49FF-8CFC-AFE655D342DD}" type="slidenum">
+              <a:rPr lang="cs-CZ" smtClean="0"/>
+              <a:t>5</a:t>
+            </a:fld>
+            <a:endParaRPr lang="cs-CZ" dirty="0"/>
+          </a:p>
+        </p:txBody>
+      </p:sp>
+      <p:pic>
+        <p:nvPicPr>
+          <p:cNvPr id="7" name="Zástupný obsah 5" descr="Obsah obrázku stolička, interiér, bílé, umění&#10;&#10;Popis byl vytvořen automaticky">
+            <a:extLst>
+              <a:ext uri="{FF2B5EF4-FFF2-40B4-BE49-F238E27FC236}">
+                <a16:creationId xmlns:a16="http://schemas.microsoft.com/office/drawing/2014/main" id="{C349035A-EE58-D011-5AE3-FD5E89C3D986}"/>
+              </a:ext>
+            </a:extLst>
+          </p:cNvPr>
+          <p:cNvPicPr>
+            <a:picLocks noChangeAspect="1"/>
+          </p:cNvPicPr>
+          <p:nvPr/>
+        </p:nvPicPr>
+        <p:blipFill>
+          <a:blip r:embed="rId2">
+            <a:extLst>
+              <a:ext uri="{28A0092B-C50C-407E-A947-70E740481C1C}">
+                <a14:useLocalDpi xmlns:a14="http://schemas.microsoft.com/office/drawing/2010/main" val="0"/>
+              </a:ext>
+            </a:extLst>
+          </a:blip>
+          <a:stretch>
+            <a:fillRect/>
+          </a:stretch>
+        </p:blipFill>
+        <p:spPr>
+          <a:xfrm>
+            <a:off x="6123863" y="2297794"/>
+            <a:ext cx="2527148" cy="3121782"/>
+          </a:xfrm>
+          <a:prstGeom prst="rect">
+            <a:avLst/>
+          </a:prstGeom>
+        </p:spPr>
+      </p:pic>
+      <p:pic>
+        <p:nvPicPr>
+          <p:cNvPr id="9" name="Obrázek 8" descr="Obsah obrázku interiér, kabel, elektronika, Elektrické vedení&#10;&#10;Popis byl vytvořen automaticky">
+            <a:extLst>
+              <a:ext uri="{FF2B5EF4-FFF2-40B4-BE49-F238E27FC236}">
+                <a16:creationId xmlns:a16="http://schemas.microsoft.com/office/drawing/2014/main" id="{0C2453E0-9EB5-8856-94D8-E904AFAC57B1}"/>
+              </a:ext>
+            </a:extLst>
+          </p:cNvPr>
+          <p:cNvPicPr>
+            <a:picLocks noChangeAspect="1"/>
+          </p:cNvPicPr>
+          <p:nvPr/>
+        </p:nvPicPr>
+        <p:blipFill>
+          <a:blip r:embed="rId3">
+            <a:extLst>
+              <a:ext uri="{28A0092B-C50C-407E-A947-70E740481C1C}">
+                <a14:useLocalDpi xmlns:a14="http://schemas.microsoft.com/office/drawing/2010/main" val="0"/>
+              </a:ext>
+            </a:extLst>
+          </a:blip>
+          <a:stretch>
+            <a:fillRect/>
+          </a:stretch>
+        </p:blipFill>
+        <p:spPr>
+          <a:xfrm>
+            <a:off x="8878982" y="2316720"/>
+            <a:ext cx="3041555" cy="3101393"/>
+          </a:xfrm>
+          <a:prstGeom prst="rect">
+            <a:avLst/>
+          </a:prstGeom>
+        </p:spPr>
+      </p:pic>
+      <p:sp>
+        <p:nvSpPr>
+          <p:cNvPr id="10" name="TextovéPole 9">
+            <a:extLst>
+              <a:ext uri="{FF2B5EF4-FFF2-40B4-BE49-F238E27FC236}">
+                <a16:creationId xmlns:a16="http://schemas.microsoft.com/office/drawing/2014/main" id="{6C8108B6-4A23-5DCD-6717-7D5BA14C34E6}"/>
+              </a:ext>
+            </a:extLst>
+          </p:cNvPr>
+          <p:cNvSpPr txBox="1"/>
+          <p:nvPr/>
+        </p:nvSpPr>
+        <p:spPr>
+          <a:xfrm>
+            <a:off x="6096000" y="5530632"/>
+            <a:ext cx="2555011" cy="646331"/>
+          </a:xfrm>
+          <a:prstGeom prst="rect">
+            <a:avLst/>
+          </a:prstGeom>
+          <a:noFill/>
+        </p:spPr>
+        <p:txBody>
+          <a:bodyPr wrap="square" rtlCol="0">
+            <a:spAutoFit/>
+          </a:bodyPr>
+          <a:lstStyle/>
+          <a:p>
+            <a:r>
+              <a:rPr lang="cs-CZ" dirty="0"/>
+              <a:t>Obr. 3 Pneumatický sval  v základní formě</a:t>
+            </a:r>
+          </a:p>
+        </p:txBody>
+      </p:sp>
+      <p:sp>
+        <p:nvSpPr>
+          <p:cNvPr id="11" name="TextovéPole 10">
+            <a:extLst>
+              <a:ext uri="{FF2B5EF4-FFF2-40B4-BE49-F238E27FC236}">
+                <a16:creationId xmlns:a16="http://schemas.microsoft.com/office/drawing/2014/main" id="{3C531747-C93D-836C-CD92-5645A1D3A18C}"/>
+              </a:ext>
+            </a:extLst>
+          </p:cNvPr>
+          <p:cNvSpPr txBox="1"/>
+          <p:nvPr/>
+        </p:nvSpPr>
+        <p:spPr>
+          <a:xfrm>
+            <a:off x="8878982" y="5468148"/>
+            <a:ext cx="3041555" cy="646331"/>
+          </a:xfrm>
+          <a:prstGeom prst="rect">
+            <a:avLst/>
+          </a:prstGeom>
+          <a:noFill/>
+        </p:spPr>
+        <p:txBody>
+          <a:bodyPr wrap="square" rtlCol="0">
+            <a:spAutoFit/>
+          </a:bodyPr>
+          <a:lstStyle/>
+          <a:p>
+            <a:r>
+              <a:rPr lang="cs-CZ" dirty="0"/>
+              <a:t>Obr. </a:t>
+            </a:r>
+            <a:r>
+              <a:rPr lang="en-US" dirty="0"/>
+              <a:t>4</a:t>
+            </a:r>
+            <a:r>
+              <a:rPr lang="cs-CZ" dirty="0"/>
+              <a:t> Pneumatické</a:t>
+            </a:r>
+            <a:r>
+              <a:rPr lang="en-US" dirty="0"/>
+              <a:t> </a:t>
+            </a:r>
+            <a:r>
+              <a:rPr lang="cs-CZ" dirty="0"/>
+              <a:t>svaly během pracovního procesu</a:t>
+            </a:r>
+          </a:p>
+        </p:txBody>
+      </p:sp>
+    </p:spTree>
+    <p:extLst>
+      <p:ext uri="{BB962C8B-B14F-4D97-AF65-F5344CB8AC3E}">
+        <p14:creationId xmlns:p14="http://schemas.microsoft.com/office/powerpoint/2010/main" val="4066906607"/>
+      </p:ext>
+    </p:extLst>
+  </p:cSld>
+  <p:clrMapOvr>
+    <a:masterClrMapping/>
+  </p:clrMapOvr>
+</p:sld>
+</file>
+
+<file path=ppt/slides/slide6.xml><?xml version="1.0" encoding="utf-8"?>
+<p:sld xmlns:a="http://schemas.openxmlformats.org/drawingml/2006/main" xmlns:r="http://schemas.openxmlformats.org/officeDocument/2006/relationships" xmlns:p="http://schemas.openxmlformats.org/presentationml/2006/main">
+  <p:cSld>
+    <p:spTree>
+      <p:nvGrpSpPr>
+        <p:cNvPr id="1" name=""/>
+        <p:cNvGrpSpPr/>
+        <p:nvPr/>
+      </p:nvGrpSpPr>
+      <p:grpSpPr>
+        <a:xfrm>
+          <a:off x="0" y="0"/>
+          <a:ext cx="0" cy="0"/>
+          <a:chOff x="0" y="0"/>
+          <a:chExt cx="0" cy="0"/>
+        </a:xfrm>
+      </p:grpSpPr>
+      <p:sp>
+        <p:nvSpPr>
+          <p:cNvPr id="2" name="Nadpis 1">
+            <a:extLst>
+              <a:ext uri="{FF2B5EF4-FFF2-40B4-BE49-F238E27FC236}">
+                <a16:creationId xmlns:a16="http://schemas.microsoft.com/office/drawing/2014/main" id="{32459102-A111-7CC3-E887-BD28AB0919EF}"/>
+              </a:ext>
+            </a:extLst>
+          </p:cNvPr>
+          <p:cNvSpPr>
+            <a:spLocks noGrp="1"/>
+          </p:cNvSpPr>
+          <p:nvPr>
+            <p:ph type="title"/>
+          </p:nvPr>
+        </p:nvSpPr>
+        <p:spPr/>
+        <p:txBody>
+          <a:bodyPr/>
+          <a:lstStyle/>
+          <a:p>
+            <a:r>
+              <a:rPr lang="cs-CZ" dirty="0"/>
+              <a:t>Cíle práce</a:t>
+            </a:r>
+          </a:p>
+        </p:txBody>
+      </p:sp>
+      <p:sp>
+        <p:nvSpPr>
+          <p:cNvPr id="3" name="Zástupný obsah 2">
+            <a:extLst>
+              <a:ext uri="{FF2B5EF4-FFF2-40B4-BE49-F238E27FC236}">
+                <a16:creationId xmlns:a16="http://schemas.microsoft.com/office/drawing/2014/main" id="{0D05342C-269A-EF94-C94E-40A315596FC0}"/>
+              </a:ext>
+            </a:extLst>
+          </p:cNvPr>
+          <p:cNvSpPr>
+            <a:spLocks noGrp="1"/>
+          </p:cNvSpPr>
+          <p:nvPr>
+            <p:ph idx="1"/>
+          </p:nvPr>
+        </p:nvSpPr>
+        <p:spPr/>
+        <p:txBody>
+          <a:bodyPr>
+            <a:normAutofit fontScale="92500" lnSpcReduction="10000"/>
+          </a:bodyPr>
+          <a:lstStyle/>
+          <a:p>
+            <a:pPr marL="0" indent="0">
+              <a:buNone/>
+            </a:pPr>
+            <a:r>
+              <a:rPr lang="cs-CZ" dirty="0"/>
+              <a:t>Vytvoření grafického uživatelské prostředí a ovládacího softwaru pro ovládání pneumatické soustavy o 5 na sobě nezávislých pneumatických svalech</a:t>
+            </a:r>
+            <a:endParaRPr lang="en-US" dirty="0"/>
+          </a:p>
+          <a:p>
+            <a:r>
+              <a:rPr lang="cs-CZ" dirty="0"/>
+              <a:t>Vytvoření GUI</a:t>
+            </a:r>
+          </a:p>
+          <a:p>
+            <a:r>
+              <a:rPr lang="cs-CZ" dirty="0"/>
+              <a:t>Navrhnutí a vytvoření možnosti uživatelských rolí</a:t>
+            </a:r>
+          </a:p>
+          <a:p>
+            <a:r>
+              <a:rPr lang="cs-CZ" dirty="0"/>
+              <a:t>Vytvoření metody pro ovládání jednotlivých svalů</a:t>
+            </a:r>
+          </a:p>
+          <a:p>
+            <a:r>
+              <a:rPr lang="cs-CZ" dirty="0"/>
+              <a:t>Možnost provést měření na svalu a </a:t>
+            </a:r>
+            <a:r>
+              <a:rPr lang="cs-CZ" dirty="0" err="1"/>
+              <a:t>dale</a:t>
+            </a:r>
+            <a:r>
+              <a:rPr lang="cs-CZ" dirty="0"/>
+              <a:t> s tímto měřením pracovat</a:t>
+            </a:r>
+          </a:p>
+          <a:p>
+            <a:r>
+              <a:rPr lang="cs-CZ" dirty="0"/>
+              <a:t>Možnost nastavit pro každý sval různé parametry a tyto parametry mít možnost měnit</a:t>
+            </a:r>
+          </a:p>
+          <a:p>
+            <a:endParaRPr lang="cs-CZ" dirty="0"/>
+          </a:p>
+          <a:p>
+            <a:pPr marL="0" indent="0">
+              <a:buNone/>
+            </a:pPr>
+            <a:endParaRPr lang="cs-CZ" dirty="0"/>
+          </a:p>
+        </p:txBody>
+      </p:sp>
+      <p:sp>
+        <p:nvSpPr>
+          <p:cNvPr id="4" name="Zástupný symbol pro datum 3">
+            <a:extLst>
+              <a:ext uri="{FF2B5EF4-FFF2-40B4-BE49-F238E27FC236}">
+                <a16:creationId xmlns:a16="http://schemas.microsoft.com/office/drawing/2014/main" id="{AF621E49-C82A-D95E-4F6B-241739C68C09}"/>
+              </a:ext>
+            </a:extLst>
+          </p:cNvPr>
+          <p:cNvSpPr>
+            <a:spLocks noGrp="1"/>
+          </p:cNvSpPr>
+          <p:nvPr>
+            <p:ph type="dt" sz="half" idx="10"/>
+          </p:nvPr>
+        </p:nvSpPr>
+        <p:spPr/>
+        <p:txBody>
+          <a:bodyPr/>
+          <a:lstStyle/>
+          <a:p>
+            <a:r>
+              <a:rPr lang="cs-CZ"/>
+              <a:t>12.06.2024</a:t>
+            </a:r>
+          </a:p>
+        </p:txBody>
+      </p:sp>
+      <p:sp>
+        <p:nvSpPr>
+          <p:cNvPr id="5" name="Zástupný symbol pro zápatí 4">
+            <a:extLst>
+              <a:ext uri="{FF2B5EF4-FFF2-40B4-BE49-F238E27FC236}">
+                <a16:creationId xmlns:a16="http://schemas.microsoft.com/office/drawing/2014/main" id="{DA4527D7-B68D-72A2-49DA-BFE952B9BF53}"/>
+              </a:ext>
+            </a:extLst>
+          </p:cNvPr>
+          <p:cNvSpPr>
+            <a:spLocks noGrp="1"/>
+          </p:cNvSpPr>
+          <p:nvPr>
+            <p:ph type="ftr" sz="quarter" idx="11"/>
+          </p:nvPr>
+        </p:nvSpPr>
+        <p:spPr/>
+        <p:txBody>
+          <a:bodyPr/>
+          <a:lstStyle/>
+          <a:p>
+            <a:r>
+              <a:rPr lang="en-US"/>
+              <a:t>Marek Darsa</a:t>
+            </a:r>
+            <a:endParaRPr lang="en-US" dirty="0"/>
+          </a:p>
+        </p:txBody>
+      </p:sp>
+      <p:sp>
+        <p:nvSpPr>
+          <p:cNvPr id="6" name="Zástupný symbol pro číslo snímku 5">
+            <a:extLst>
+              <a:ext uri="{FF2B5EF4-FFF2-40B4-BE49-F238E27FC236}">
+                <a16:creationId xmlns:a16="http://schemas.microsoft.com/office/drawing/2014/main" id="{86847DF4-527D-2E9B-283D-4720C60353C2}"/>
+              </a:ext>
+            </a:extLst>
+          </p:cNvPr>
+          <p:cNvSpPr>
+            <a:spLocks noGrp="1"/>
+          </p:cNvSpPr>
+          <p:nvPr>
+            <p:ph type="sldNum" sz="quarter" idx="12"/>
+          </p:nvPr>
+        </p:nvSpPr>
+        <p:spPr/>
+        <p:txBody>
+          <a:bodyPr/>
+          <a:lstStyle/>
+          <a:p>
+            <a:fld id="{34496689-AAC1-49FF-8CFC-AFE655D342DD}" type="slidenum">
+              <a:rPr lang="cs-CZ" smtClean="0"/>
+              <a:t>6</a:t>
+            </a:fld>
+            <a:endParaRPr lang="cs-CZ"/>
+          </a:p>
+        </p:txBody>
+      </p:sp>
+    </p:spTree>
+    <p:extLst>
+      <p:ext uri="{BB962C8B-B14F-4D97-AF65-F5344CB8AC3E}">
+        <p14:creationId xmlns:p14="http://schemas.microsoft.com/office/powerpoint/2010/main" val="3000321373"/>
+      </p:ext>
+    </p:extLst>
+  </p:cSld>
+  <p:clrMapOvr>
+    <a:masterClrMapping/>
+  </p:clrMapOvr>
+</p:sld>
+</file>
+
+<file path=ppt/slides/slide7.xml><?xml version="1.0" encoding="utf-8"?>
+<p:sld xmlns:a="http://schemas.openxmlformats.org/drawingml/2006/main" xmlns:r="http://schemas.openxmlformats.org/officeDocument/2006/relationships" xmlns:p="http://schemas.openxmlformats.org/presentationml/2006/main">
+  <p:cSld>
+    <p:spTree>
+      <p:nvGrpSpPr>
+        <p:cNvPr id="1" name=""/>
+        <p:cNvGrpSpPr/>
+        <p:nvPr/>
+      </p:nvGrpSpPr>
+      <p:grpSpPr>
+        <a:xfrm>
+          <a:off x="0" y="0"/>
+          <a:ext cx="0" cy="0"/>
+          <a:chOff x="0" y="0"/>
+          <a:chExt cx="0" cy="0"/>
+        </a:xfrm>
+      </p:grpSpPr>
+      <p:sp>
+        <p:nvSpPr>
+          <p:cNvPr id="2" name="Nadpis 1">
+            <a:extLst>
+              <a:ext uri="{FF2B5EF4-FFF2-40B4-BE49-F238E27FC236}">
+                <a16:creationId xmlns:a16="http://schemas.microsoft.com/office/drawing/2014/main" id="{34C66974-0CAF-902D-8D24-ED7988C473E7}"/>
+              </a:ext>
+            </a:extLst>
+          </p:cNvPr>
+          <p:cNvSpPr>
+            <a:spLocks noGrp="1"/>
+          </p:cNvSpPr>
+          <p:nvPr>
+            <p:ph type="title"/>
+          </p:nvPr>
+        </p:nvSpPr>
+        <p:spPr/>
+        <p:txBody>
+          <a:bodyPr/>
+          <a:lstStyle/>
+          <a:p>
+            <a:r>
+              <a:rPr lang="en-US" dirty="0" err="1"/>
+              <a:t>Zdroje</a:t>
+            </a:r>
+            <a:endParaRPr lang="cs-CZ" dirty="0"/>
+          </a:p>
+        </p:txBody>
+      </p:sp>
+      <p:sp>
+        <p:nvSpPr>
+          <p:cNvPr id="3" name="Zástupný obsah 2">
+            <a:extLst>
+              <a:ext uri="{FF2B5EF4-FFF2-40B4-BE49-F238E27FC236}">
+                <a16:creationId xmlns:a16="http://schemas.microsoft.com/office/drawing/2014/main" id="{69094F4A-4641-23B5-0B6A-C0CCE3995E0F}"/>
+              </a:ext>
+            </a:extLst>
+          </p:cNvPr>
+          <p:cNvSpPr>
+            <a:spLocks noGrp="1"/>
+          </p:cNvSpPr>
+          <p:nvPr>
+            <p:ph idx="1"/>
+          </p:nvPr>
+        </p:nvSpPr>
+        <p:spPr/>
+        <p:txBody>
+          <a:bodyPr/>
+          <a:lstStyle/>
+          <a:p>
+            <a:r>
+              <a:rPr lang="en-US" dirty="0" err="1"/>
+              <a:t>Obr</a:t>
+            </a:r>
+            <a:r>
+              <a:rPr lang="en-US" dirty="0"/>
+              <a:t>. 1 - </a:t>
+            </a:r>
+            <a:r>
+              <a:rPr lang="en-US" dirty="0">
+                <a:hlinkClick r:id="rId2"/>
+              </a:rPr>
+              <a:t>https://salisburyhealthcarehistory.uk/wp-content/uploads/2016.475_patient_dcanner.jpg</a:t>
+            </a:r>
+            <a:endParaRPr lang="en-US" dirty="0"/>
+          </a:p>
+          <a:p>
+            <a:endParaRPr lang="cs-CZ" dirty="0"/>
+          </a:p>
+        </p:txBody>
+      </p:sp>
+      <p:sp>
+        <p:nvSpPr>
+          <p:cNvPr id="4" name="Zástupný symbol pro datum 3">
+            <a:extLst>
+              <a:ext uri="{FF2B5EF4-FFF2-40B4-BE49-F238E27FC236}">
+                <a16:creationId xmlns:a16="http://schemas.microsoft.com/office/drawing/2014/main" id="{AAAA4DC2-F549-812B-E49C-24FB610B8CEF}"/>
+              </a:ext>
+            </a:extLst>
+          </p:cNvPr>
+          <p:cNvSpPr>
+            <a:spLocks noGrp="1"/>
+          </p:cNvSpPr>
+          <p:nvPr>
+            <p:ph type="dt" sz="half" idx="10"/>
+          </p:nvPr>
+        </p:nvSpPr>
+        <p:spPr/>
+        <p:txBody>
+          <a:bodyPr/>
+          <a:lstStyle/>
+          <a:p>
+            <a:r>
+              <a:rPr lang="cs-CZ"/>
+              <a:t>12.06.2024</a:t>
+            </a:r>
+          </a:p>
+        </p:txBody>
+      </p:sp>
+      <p:sp>
+        <p:nvSpPr>
+          <p:cNvPr id="5" name="Zástupný symbol pro zápatí 4">
+            <a:extLst>
+              <a:ext uri="{FF2B5EF4-FFF2-40B4-BE49-F238E27FC236}">
+                <a16:creationId xmlns:a16="http://schemas.microsoft.com/office/drawing/2014/main" id="{18180310-BA9E-3057-6185-5B3469DDD635}"/>
+              </a:ext>
+            </a:extLst>
+          </p:cNvPr>
+          <p:cNvSpPr>
+            <a:spLocks noGrp="1"/>
+          </p:cNvSpPr>
+          <p:nvPr>
+            <p:ph type="ftr" sz="quarter" idx="11"/>
+          </p:nvPr>
+        </p:nvSpPr>
+        <p:spPr/>
+        <p:txBody>
+          <a:bodyPr/>
+          <a:lstStyle/>
+          <a:p>
+            <a:r>
+              <a:rPr lang="en-US"/>
+              <a:t>Marek Darsa</a:t>
+            </a:r>
+            <a:endParaRPr lang="en-US" dirty="0"/>
+          </a:p>
+        </p:txBody>
+      </p:sp>
+      <p:sp>
+        <p:nvSpPr>
+          <p:cNvPr id="6" name="Zástupný symbol pro číslo snímku 5">
+            <a:extLst>
+              <a:ext uri="{FF2B5EF4-FFF2-40B4-BE49-F238E27FC236}">
+                <a16:creationId xmlns:a16="http://schemas.microsoft.com/office/drawing/2014/main" id="{FB60B863-9957-6F9A-6111-7728084952D5}"/>
+              </a:ext>
+            </a:extLst>
+          </p:cNvPr>
+          <p:cNvSpPr>
+            <a:spLocks noGrp="1"/>
+          </p:cNvSpPr>
+          <p:nvPr>
+            <p:ph type="sldNum" sz="quarter" idx="12"/>
+          </p:nvPr>
+        </p:nvSpPr>
+        <p:spPr/>
+        <p:txBody>
+          <a:bodyPr/>
+          <a:lstStyle/>
+          <a:p>
+            <a:fld id="{34496689-AAC1-49FF-8CFC-AFE655D342DD}" type="slidenum">
+              <a:rPr lang="cs-CZ" smtClean="0"/>
+              <a:t>7</a:t>
+            </a:fld>
+            <a:endParaRPr lang="cs-CZ"/>
+          </a:p>
+        </p:txBody>
+      </p:sp>
+    </p:spTree>
+    <p:extLst>
+      <p:ext uri="{BB962C8B-B14F-4D97-AF65-F5344CB8AC3E}">
+        <p14:creationId xmlns:p14="http://schemas.microsoft.com/office/powerpoint/2010/main" val="1677117700"/>
       </p:ext>
     </p:extLst>
   </p:cSld>

--- a/N_Obhajoba_darsamar.pptx
+++ b/N_Obhajoba_darsamar.pptx
@@ -5,7 +5,7 @@
     <p:sldMasterId id="2147483648" r:id="rId1"/>
   </p:sldMasterIdLst>
   <p:notesMasterIdLst>
-    <p:notesMasterId r:id="rId9"/>
+    <p:notesMasterId r:id="rId20"/>
   </p:notesMasterIdLst>
   <p:sldIdLst>
     <p:sldId id="256" r:id="rId2"/>
@@ -14,7 +14,18 @@
     <p:sldId id="259" r:id="rId5"/>
     <p:sldId id="261" r:id="rId6"/>
     <p:sldId id="262" r:id="rId7"/>
-    <p:sldId id="260" r:id="rId8"/>
+    <p:sldId id="263" r:id="rId8"/>
+    <p:sldId id="264" r:id="rId9"/>
+    <p:sldId id="265" r:id="rId10"/>
+    <p:sldId id="266" r:id="rId11"/>
+    <p:sldId id="267" r:id="rId12"/>
+    <p:sldId id="268" r:id="rId13"/>
+    <p:sldId id="269" r:id="rId14"/>
+    <p:sldId id="270" r:id="rId15"/>
+    <p:sldId id="271" r:id="rId16"/>
+    <p:sldId id="272" r:id="rId17"/>
+    <p:sldId id="273" r:id="rId18"/>
+    <p:sldId id="260" r:id="rId19"/>
   </p:sldIdLst>
   <p:sldSz cx="12192000" cy="6858000"/>
   <p:notesSz cx="6858000" cy="9144000"/>
@@ -189,6 +200,28 @@
         <a:r>
           <a:rPr lang="cs-CZ"/>
           <a:t>Tohle si nejsem uplně jistej kam to přesně dát jelikož mluvím chvilku o soustavě a pak moje práce a pak zase soustava</a:t>
+        </a:r>
+      </a:p>
+    </p188:txBody>
+  </p188:cm>
+</p188:cmLst>
+</file>
+
+<file path=ppt/comments/modernComment_107_49A2D389.xml><?xml version="1.0" encoding="utf-8"?>
+<p188:cmLst xmlns:a="http://schemas.openxmlformats.org/drawingml/2006/main" xmlns:r="http://schemas.openxmlformats.org/officeDocument/2006/relationships" xmlns:p188="http://schemas.microsoft.com/office/powerpoint/2018/8/main">
+  <p188:cm id="{053580FC-3D8D-43B0-9E70-CA68930D5869}" authorId="{6529B679-E021-05CF-90FB-DF191BF6397B}" created="2024-06-05T12:38:59.451">
+    <pc:sldMkLst xmlns:pc="http://schemas.microsoft.com/office/powerpoint/2013/main/command">
+      <pc:docMk/>
+      <pc:sldMk cId="1235407753" sldId="263"/>
+    </pc:sldMkLst>
+    <p188:txBody>
+      <a:bodyPr/>
+      <a:lstStyle/>
+      <a:p>
+        <a:r>
+          <a:rPr lang="cs-CZ"/>
+          <a:t>No asi bych to uděla ltakhle 
+</a:t>
         </a:r>
       </a:p>
     </p188:txBody>
@@ -4702,6 +4735,1708 @@
 </p:sld>
 </file>
 
+<file path=ppt/slides/slide10.xml><?xml version="1.0" encoding="utf-8"?>
+<p:sld xmlns:a="http://schemas.openxmlformats.org/drawingml/2006/main" xmlns:r="http://schemas.openxmlformats.org/officeDocument/2006/relationships" xmlns:p="http://schemas.openxmlformats.org/presentationml/2006/main">
+  <p:cSld>
+    <p:spTree>
+      <p:nvGrpSpPr>
+        <p:cNvPr id="1" name=""/>
+        <p:cNvGrpSpPr/>
+        <p:nvPr/>
+      </p:nvGrpSpPr>
+      <p:grpSpPr>
+        <a:xfrm>
+          <a:off x="0" y="0"/>
+          <a:ext cx="0" cy="0"/>
+          <a:chOff x="0" y="0"/>
+          <a:chExt cx="0" cy="0"/>
+        </a:xfrm>
+      </p:grpSpPr>
+      <p:sp>
+        <p:nvSpPr>
+          <p:cNvPr id="2" name="Nadpis 1">
+            <a:extLst>
+              <a:ext uri="{FF2B5EF4-FFF2-40B4-BE49-F238E27FC236}">
+                <a16:creationId xmlns:a16="http://schemas.microsoft.com/office/drawing/2014/main" id="{7906D561-D6FA-F9BF-6080-29016461E941}"/>
+              </a:ext>
+            </a:extLst>
+          </p:cNvPr>
+          <p:cNvSpPr>
+            <a:spLocks noGrp="1"/>
+          </p:cNvSpPr>
+          <p:nvPr>
+            <p:ph type="title"/>
+          </p:nvPr>
+        </p:nvSpPr>
+        <p:spPr/>
+        <p:txBody>
+          <a:bodyPr/>
+          <a:lstStyle/>
+          <a:p>
+            <a:r>
+              <a:rPr lang="cs-CZ" dirty="0"/>
+              <a:t>Návrh uživatelských rolí</a:t>
+            </a:r>
+          </a:p>
+        </p:txBody>
+      </p:sp>
+      <p:sp>
+        <p:nvSpPr>
+          <p:cNvPr id="3" name="Zástupný obsah 2">
+            <a:extLst>
+              <a:ext uri="{FF2B5EF4-FFF2-40B4-BE49-F238E27FC236}">
+                <a16:creationId xmlns:a16="http://schemas.microsoft.com/office/drawing/2014/main" id="{7BCF3521-17B4-9F91-703A-4C6528B68201}"/>
+              </a:ext>
+            </a:extLst>
+          </p:cNvPr>
+          <p:cNvSpPr>
+            <a:spLocks noGrp="1"/>
+          </p:cNvSpPr>
+          <p:nvPr>
+            <p:ph idx="1"/>
+          </p:nvPr>
+        </p:nvSpPr>
+        <p:spPr/>
+        <p:txBody>
+          <a:bodyPr/>
+          <a:lstStyle/>
+          <a:p>
+            <a:endParaRPr lang="cs-CZ"/>
+          </a:p>
+        </p:txBody>
+      </p:sp>
+      <p:sp>
+        <p:nvSpPr>
+          <p:cNvPr id="4" name="Zástupný symbol pro datum 3">
+            <a:extLst>
+              <a:ext uri="{FF2B5EF4-FFF2-40B4-BE49-F238E27FC236}">
+                <a16:creationId xmlns:a16="http://schemas.microsoft.com/office/drawing/2014/main" id="{3D730137-50D9-C812-543E-BC8FAAC6EE49}"/>
+              </a:ext>
+            </a:extLst>
+          </p:cNvPr>
+          <p:cNvSpPr>
+            <a:spLocks noGrp="1"/>
+          </p:cNvSpPr>
+          <p:nvPr>
+            <p:ph type="dt" sz="half" idx="10"/>
+          </p:nvPr>
+        </p:nvSpPr>
+        <p:spPr/>
+        <p:txBody>
+          <a:bodyPr/>
+          <a:lstStyle/>
+          <a:p>
+            <a:r>
+              <a:rPr lang="cs-CZ"/>
+              <a:t>12.06.2024</a:t>
+            </a:r>
+          </a:p>
+        </p:txBody>
+      </p:sp>
+      <p:sp>
+        <p:nvSpPr>
+          <p:cNvPr id="5" name="Zástupný symbol pro zápatí 4">
+            <a:extLst>
+              <a:ext uri="{FF2B5EF4-FFF2-40B4-BE49-F238E27FC236}">
+                <a16:creationId xmlns:a16="http://schemas.microsoft.com/office/drawing/2014/main" id="{64EFB3F1-52BF-6743-5FAE-E998B6118DBD}"/>
+              </a:ext>
+            </a:extLst>
+          </p:cNvPr>
+          <p:cNvSpPr>
+            <a:spLocks noGrp="1"/>
+          </p:cNvSpPr>
+          <p:nvPr>
+            <p:ph type="ftr" sz="quarter" idx="11"/>
+          </p:nvPr>
+        </p:nvSpPr>
+        <p:spPr/>
+        <p:txBody>
+          <a:bodyPr/>
+          <a:lstStyle/>
+          <a:p>
+            <a:r>
+              <a:rPr lang="en-US"/>
+              <a:t>Marek Darsa</a:t>
+            </a:r>
+            <a:endParaRPr lang="en-US" dirty="0"/>
+          </a:p>
+        </p:txBody>
+      </p:sp>
+      <p:sp>
+        <p:nvSpPr>
+          <p:cNvPr id="6" name="Zástupný symbol pro číslo snímku 5">
+            <a:extLst>
+              <a:ext uri="{FF2B5EF4-FFF2-40B4-BE49-F238E27FC236}">
+                <a16:creationId xmlns:a16="http://schemas.microsoft.com/office/drawing/2014/main" id="{B14AA1C6-4713-C827-2433-064ADC3C4743}"/>
+              </a:ext>
+            </a:extLst>
+          </p:cNvPr>
+          <p:cNvSpPr>
+            <a:spLocks noGrp="1"/>
+          </p:cNvSpPr>
+          <p:nvPr>
+            <p:ph type="sldNum" sz="quarter" idx="12"/>
+          </p:nvPr>
+        </p:nvSpPr>
+        <p:spPr/>
+        <p:txBody>
+          <a:bodyPr/>
+          <a:lstStyle/>
+          <a:p>
+            <a:fld id="{34496689-AAC1-49FF-8CFC-AFE655D342DD}" type="slidenum">
+              <a:rPr lang="cs-CZ" smtClean="0"/>
+              <a:t>10</a:t>
+            </a:fld>
+            <a:endParaRPr lang="cs-CZ"/>
+          </a:p>
+        </p:txBody>
+      </p:sp>
+    </p:spTree>
+    <p:extLst>
+      <p:ext uri="{BB962C8B-B14F-4D97-AF65-F5344CB8AC3E}">
+        <p14:creationId xmlns:p14="http://schemas.microsoft.com/office/powerpoint/2010/main" val="245248999"/>
+      </p:ext>
+    </p:extLst>
+  </p:cSld>
+  <p:clrMapOvr>
+    <a:masterClrMapping/>
+  </p:clrMapOvr>
+</p:sld>
+</file>
+
+<file path=ppt/slides/slide11.xml><?xml version="1.0" encoding="utf-8"?>
+<p:sld xmlns:a="http://schemas.openxmlformats.org/drawingml/2006/main" xmlns:r="http://schemas.openxmlformats.org/officeDocument/2006/relationships" xmlns:p="http://schemas.openxmlformats.org/presentationml/2006/main">
+  <p:cSld>
+    <p:spTree>
+      <p:nvGrpSpPr>
+        <p:cNvPr id="1" name=""/>
+        <p:cNvGrpSpPr/>
+        <p:nvPr/>
+      </p:nvGrpSpPr>
+      <p:grpSpPr>
+        <a:xfrm>
+          <a:off x="0" y="0"/>
+          <a:ext cx="0" cy="0"/>
+          <a:chOff x="0" y="0"/>
+          <a:chExt cx="0" cy="0"/>
+        </a:xfrm>
+      </p:grpSpPr>
+      <p:sp>
+        <p:nvSpPr>
+          <p:cNvPr id="4" name="Zástupný symbol pro datum 3">
+            <a:extLst>
+              <a:ext uri="{FF2B5EF4-FFF2-40B4-BE49-F238E27FC236}">
+                <a16:creationId xmlns:a16="http://schemas.microsoft.com/office/drawing/2014/main" id="{BE611645-8A93-880D-B34D-590786091930}"/>
+              </a:ext>
+            </a:extLst>
+          </p:cNvPr>
+          <p:cNvSpPr>
+            <a:spLocks noGrp="1"/>
+          </p:cNvSpPr>
+          <p:nvPr>
+            <p:ph type="dt" sz="half" idx="10"/>
+          </p:nvPr>
+        </p:nvSpPr>
+        <p:spPr/>
+        <p:txBody>
+          <a:bodyPr/>
+          <a:lstStyle/>
+          <a:p>
+            <a:r>
+              <a:rPr lang="cs-CZ"/>
+              <a:t>12.06.2024</a:t>
+            </a:r>
+          </a:p>
+        </p:txBody>
+      </p:sp>
+      <p:sp>
+        <p:nvSpPr>
+          <p:cNvPr id="5" name="Zástupný symbol pro zápatí 4">
+            <a:extLst>
+              <a:ext uri="{FF2B5EF4-FFF2-40B4-BE49-F238E27FC236}">
+                <a16:creationId xmlns:a16="http://schemas.microsoft.com/office/drawing/2014/main" id="{908DCEE5-BF52-29F2-3D50-06A25F22375D}"/>
+              </a:ext>
+            </a:extLst>
+          </p:cNvPr>
+          <p:cNvSpPr>
+            <a:spLocks noGrp="1"/>
+          </p:cNvSpPr>
+          <p:nvPr>
+            <p:ph type="ftr" sz="quarter" idx="11"/>
+          </p:nvPr>
+        </p:nvSpPr>
+        <p:spPr/>
+        <p:txBody>
+          <a:bodyPr/>
+          <a:lstStyle/>
+          <a:p>
+            <a:r>
+              <a:rPr lang="en-US"/>
+              <a:t>Marek Darsa</a:t>
+            </a:r>
+            <a:endParaRPr lang="en-US" dirty="0"/>
+          </a:p>
+        </p:txBody>
+      </p:sp>
+      <p:sp>
+        <p:nvSpPr>
+          <p:cNvPr id="6" name="Zástupný symbol pro číslo snímku 5">
+            <a:extLst>
+              <a:ext uri="{FF2B5EF4-FFF2-40B4-BE49-F238E27FC236}">
+                <a16:creationId xmlns:a16="http://schemas.microsoft.com/office/drawing/2014/main" id="{1BEFCF1A-B60E-15D8-B5AB-42994CC701E8}"/>
+              </a:ext>
+            </a:extLst>
+          </p:cNvPr>
+          <p:cNvSpPr>
+            <a:spLocks noGrp="1"/>
+          </p:cNvSpPr>
+          <p:nvPr>
+            <p:ph type="sldNum" sz="quarter" idx="12"/>
+          </p:nvPr>
+        </p:nvSpPr>
+        <p:spPr/>
+        <p:txBody>
+          <a:bodyPr/>
+          <a:lstStyle/>
+          <a:p>
+            <a:fld id="{34496689-AAC1-49FF-8CFC-AFE655D342DD}" type="slidenum">
+              <a:rPr lang="cs-CZ" smtClean="0"/>
+              <a:t>11</a:t>
+            </a:fld>
+            <a:endParaRPr lang="cs-CZ"/>
+          </a:p>
+        </p:txBody>
+      </p:sp>
+      <p:pic>
+        <p:nvPicPr>
+          <p:cNvPr id="7" name="Content Placeholder 5" descr="A screenshot of a computer&#10;&#10;Description automatically generated">
+            <a:extLst>
+              <a:ext uri="{FF2B5EF4-FFF2-40B4-BE49-F238E27FC236}">
+                <a16:creationId xmlns:a16="http://schemas.microsoft.com/office/drawing/2014/main" id="{0F849A72-DACE-8563-ED0E-4B7A59399E2B}"/>
+              </a:ext>
+            </a:extLst>
+          </p:cNvPr>
+          <p:cNvPicPr>
+            <a:picLocks noGrp="1" noChangeAspect="1"/>
+          </p:cNvPicPr>
+          <p:nvPr>
+            <p:ph idx="1"/>
+          </p:nvPr>
+        </p:nvPicPr>
+        <p:blipFill>
+          <a:blip r:embed="rId2">
+            <a:extLst>
+              <a:ext uri="{28A0092B-C50C-407E-A947-70E740481C1C}">
+                <a14:useLocalDpi xmlns:a14="http://schemas.microsoft.com/office/drawing/2010/main" val="0"/>
+              </a:ext>
+            </a:extLst>
+          </a:blip>
+          <a:stretch>
+            <a:fillRect/>
+          </a:stretch>
+        </p:blipFill>
+        <p:spPr>
+          <a:xfrm>
+            <a:off x="2247600" y="1273896"/>
+            <a:ext cx="7696800" cy="4310208"/>
+          </a:xfrm>
+          <a:noFill/>
+        </p:spPr>
+      </p:pic>
+      <p:sp>
+        <p:nvSpPr>
+          <p:cNvPr id="8" name="TextovéPole 7">
+            <a:extLst>
+              <a:ext uri="{FF2B5EF4-FFF2-40B4-BE49-F238E27FC236}">
+                <a16:creationId xmlns:a16="http://schemas.microsoft.com/office/drawing/2014/main" id="{46AA63A0-8961-35F5-E184-17D986DF9039}"/>
+              </a:ext>
+            </a:extLst>
+          </p:cNvPr>
+          <p:cNvSpPr txBox="1"/>
+          <p:nvPr/>
+        </p:nvSpPr>
+        <p:spPr>
+          <a:xfrm>
+            <a:off x="4237653" y="5710916"/>
+            <a:ext cx="3716694" cy="369332"/>
+          </a:xfrm>
+          <a:prstGeom prst="rect">
+            <a:avLst/>
+          </a:prstGeom>
+          <a:noFill/>
+        </p:spPr>
+        <p:txBody>
+          <a:bodyPr wrap="square" rtlCol="0">
+            <a:spAutoFit/>
+          </a:bodyPr>
+          <a:lstStyle/>
+          <a:p>
+            <a:r>
+              <a:rPr lang="cs-CZ" dirty="0"/>
+              <a:t>Obr. 9 Hlavní administrátorské okno</a:t>
+            </a:r>
+          </a:p>
+        </p:txBody>
+      </p:sp>
+    </p:spTree>
+    <p:extLst>
+      <p:ext uri="{BB962C8B-B14F-4D97-AF65-F5344CB8AC3E}">
+        <p14:creationId xmlns:p14="http://schemas.microsoft.com/office/powerpoint/2010/main" val="252883728"/>
+      </p:ext>
+    </p:extLst>
+  </p:cSld>
+  <p:clrMapOvr>
+    <a:masterClrMapping/>
+  </p:clrMapOvr>
+</p:sld>
+</file>
+
+<file path=ppt/slides/slide12.xml><?xml version="1.0" encoding="utf-8"?>
+<p:sld xmlns:a="http://schemas.openxmlformats.org/drawingml/2006/main" xmlns:r="http://schemas.openxmlformats.org/officeDocument/2006/relationships" xmlns:p="http://schemas.openxmlformats.org/presentationml/2006/main">
+  <p:cSld>
+    <p:spTree>
+      <p:nvGrpSpPr>
+        <p:cNvPr id="1" name=""/>
+        <p:cNvGrpSpPr/>
+        <p:nvPr/>
+      </p:nvGrpSpPr>
+      <p:grpSpPr>
+        <a:xfrm>
+          <a:off x="0" y="0"/>
+          <a:ext cx="0" cy="0"/>
+          <a:chOff x="0" y="0"/>
+          <a:chExt cx="0" cy="0"/>
+        </a:xfrm>
+      </p:grpSpPr>
+      <p:sp>
+        <p:nvSpPr>
+          <p:cNvPr id="4" name="Zástupný symbol pro datum 3">
+            <a:extLst>
+              <a:ext uri="{FF2B5EF4-FFF2-40B4-BE49-F238E27FC236}">
+                <a16:creationId xmlns:a16="http://schemas.microsoft.com/office/drawing/2014/main" id="{93B18AC5-200E-ACB7-E026-AA581B7F72EB}"/>
+              </a:ext>
+            </a:extLst>
+          </p:cNvPr>
+          <p:cNvSpPr>
+            <a:spLocks noGrp="1"/>
+          </p:cNvSpPr>
+          <p:nvPr>
+            <p:ph type="dt" sz="half" idx="10"/>
+          </p:nvPr>
+        </p:nvSpPr>
+        <p:spPr/>
+        <p:txBody>
+          <a:bodyPr/>
+          <a:lstStyle/>
+          <a:p>
+            <a:r>
+              <a:rPr lang="cs-CZ"/>
+              <a:t>12.06.2024</a:t>
+            </a:r>
+          </a:p>
+        </p:txBody>
+      </p:sp>
+      <p:sp>
+        <p:nvSpPr>
+          <p:cNvPr id="5" name="Zástupný symbol pro zápatí 4">
+            <a:extLst>
+              <a:ext uri="{FF2B5EF4-FFF2-40B4-BE49-F238E27FC236}">
+                <a16:creationId xmlns:a16="http://schemas.microsoft.com/office/drawing/2014/main" id="{292E5DAD-9805-6AB3-D9FF-E20C2EC34408}"/>
+              </a:ext>
+            </a:extLst>
+          </p:cNvPr>
+          <p:cNvSpPr>
+            <a:spLocks noGrp="1"/>
+          </p:cNvSpPr>
+          <p:nvPr>
+            <p:ph type="ftr" sz="quarter" idx="11"/>
+          </p:nvPr>
+        </p:nvSpPr>
+        <p:spPr/>
+        <p:txBody>
+          <a:bodyPr/>
+          <a:lstStyle/>
+          <a:p>
+            <a:r>
+              <a:rPr lang="en-US"/>
+              <a:t>Marek Darsa</a:t>
+            </a:r>
+            <a:endParaRPr lang="en-US" dirty="0"/>
+          </a:p>
+        </p:txBody>
+      </p:sp>
+      <p:sp>
+        <p:nvSpPr>
+          <p:cNvPr id="6" name="Zástupný symbol pro číslo snímku 5">
+            <a:extLst>
+              <a:ext uri="{FF2B5EF4-FFF2-40B4-BE49-F238E27FC236}">
+                <a16:creationId xmlns:a16="http://schemas.microsoft.com/office/drawing/2014/main" id="{96BD289C-ECA8-D739-22F9-5A8D128AB0EA}"/>
+              </a:ext>
+            </a:extLst>
+          </p:cNvPr>
+          <p:cNvSpPr>
+            <a:spLocks noGrp="1"/>
+          </p:cNvSpPr>
+          <p:nvPr>
+            <p:ph type="sldNum" sz="quarter" idx="12"/>
+          </p:nvPr>
+        </p:nvSpPr>
+        <p:spPr/>
+        <p:txBody>
+          <a:bodyPr/>
+          <a:lstStyle/>
+          <a:p>
+            <a:fld id="{34496689-AAC1-49FF-8CFC-AFE655D342DD}" type="slidenum">
+              <a:rPr lang="cs-CZ" smtClean="0"/>
+              <a:t>12</a:t>
+            </a:fld>
+            <a:endParaRPr lang="cs-CZ"/>
+          </a:p>
+        </p:txBody>
+      </p:sp>
+      <p:pic>
+        <p:nvPicPr>
+          <p:cNvPr id="7" name="Content Placeholder 3" descr="A screenshot of a computer&#10;&#10;Description automatically generated">
+            <a:extLst>
+              <a:ext uri="{FF2B5EF4-FFF2-40B4-BE49-F238E27FC236}">
+                <a16:creationId xmlns:a16="http://schemas.microsoft.com/office/drawing/2014/main" id="{5DFE33F8-9806-3623-423D-B990DBB125E2}"/>
+              </a:ext>
+            </a:extLst>
+          </p:cNvPr>
+          <p:cNvPicPr>
+            <a:picLocks noGrp="1" noChangeAspect="1"/>
+          </p:cNvPicPr>
+          <p:nvPr>
+            <p:ph idx="1"/>
+          </p:nvPr>
+        </p:nvPicPr>
+        <p:blipFill>
+          <a:blip r:embed="rId2">
+            <a:extLst>
+              <a:ext uri="{28A0092B-C50C-407E-A947-70E740481C1C}">
+                <a14:useLocalDpi xmlns:a14="http://schemas.microsoft.com/office/drawing/2010/main" val="0"/>
+              </a:ext>
+            </a:extLst>
+          </a:blip>
+          <a:stretch>
+            <a:fillRect/>
+          </a:stretch>
+        </p:blipFill>
+        <p:spPr>
+          <a:xfrm>
+            <a:off x="2247600" y="1206549"/>
+            <a:ext cx="7696800" cy="4444902"/>
+          </a:xfrm>
+          <a:noFill/>
+        </p:spPr>
+      </p:pic>
+      <p:sp>
+        <p:nvSpPr>
+          <p:cNvPr id="8" name="TextovéPole 7">
+            <a:extLst>
+              <a:ext uri="{FF2B5EF4-FFF2-40B4-BE49-F238E27FC236}">
+                <a16:creationId xmlns:a16="http://schemas.microsoft.com/office/drawing/2014/main" id="{1684AE1C-D21B-4E12-E03B-1E77A39C7B14}"/>
+              </a:ext>
+            </a:extLst>
+          </p:cNvPr>
+          <p:cNvSpPr txBox="1"/>
+          <p:nvPr/>
+        </p:nvSpPr>
+        <p:spPr>
+          <a:xfrm>
+            <a:off x="2461726" y="5823441"/>
+            <a:ext cx="7268547" cy="369332"/>
+          </a:xfrm>
+          <a:prstGeom prst="rect">
+            <a:avLst/>
+          </a:prstGeom>
+          <a:noFill/>
+        </p:spPr>
+        <p:txBody>
+          <a:bodyPr wrap="square" rtlCol="0">
+            <a:spAutoFit/>
+          </a:bodyPr>
+          <a:lstStyle/>
+          <a:p>
+            <a:r>
+              <a:rPr lang="cs-CZ" dirty="0"/>
+              <a:t>Obr. 10 Okno pro měření technických parametrů pneumatického svalu</a:t>
+            </a:r>
+          </a:p>
+        </p:txBody>
+      </p:sp>
+    </p:spTree>
+    <p:extLst>
+      <p:ext uri="{BB962C8B-B14F-4D97-AF65-F5344CB8AC3E}">
+        <p14:creationId xmlns:p14="http://schemas.microsoft.com/office/powerpoint/2010/main" val="3191891715"/>
+      </p:ext>
+    </p:extLst>
+  </p:cSld>
+  <p:clrMapOvr>
+    <a:masterClrMapping/>
+  </p:clrMapOvr>
+</p:sld>
+</file>
+
+<file path=ppt/slides/slide13.xml><?xml version="1.0" encoding="utf-8"?>
+<p:sld xmlns:a="http://schemas.openxmlformats.org/drawingml/2006/main" xmlns:r="http://schemas.openxmlformats.org/officeDocument/2006/relationships" xmlns:p="http://schemas.openxmlformats.org/presentationml/2006/main">
+  <p:cSld>
+    <p:spTree>
+      <p:nvGrpSpPr>
+        <p:cNvPr id="1" name=""/>
+        <p:cNvGrpSpPr/>
+        <p:nvPr/>
+      </p:nvGrpSpPr>
+      <p:grpSpPr>
+        <a:xfrm>
+          <a:off x="0" y="0"/>
+          <a:ext cx="0" cy="0"/>
+          <a:chOff x="0" y="0"/>
+          <a:chExt cx="0" cy="0"/>
+        </a:xfrm>
+      </p:grpSpPr>
+      <p:sp>
+        <p:nvSpPr>
+          <p:cNvPr id="4" name="Zástupný symbol pro datum 3">
+            <a:extLst>
+              <a:ext uri="{FF2B5EF4-FFF2-40B4-BE49-F238E27FC236}">
+                <a16:creationId xmlns:a16="http://schemas.microsoft.com/office/drawing/2014/main" id="{BE611645-8A93-880D-B34D-590786091930}"/>
+              </a:ext>
+            </a:extLst>
+          </p:cNvPr>
+          <p:cNvSpPr>
+            <a:spLocks noGrp="1"/>
+          </p:cNvSpPr>
+          <p:nvPr>
+            <p:ph type="dt" sz="half" idx="10"/>
+          </p:nvPr>
+        </p:nvSpPr>
+        <p:spPr/>
+        <p:txBody>
+          <a:bodyPr/>
+          <a:lstStyle/>
+          <a:p>
+            <a:r>
+              <a:rPr lang="cs-CZ"/>
+              <a:t>12.06.2024</a:t>
+            </a:r>
+          </a:p>
+        </p:txBody>
+      </p:sp>
+      <p:sp>
+        <p:nvSpPr>
+          <p:cNvPr id="5" name="Zástupný symbol pro zápatí 4">
+            <a:extLst>
+              <a:ext uri="{FF2B5EF4-FFF2-40B4-BE49-F238E27FC236}">
+                <a16:creationId xmlns:a16="http://schemas.microsoft.com/office/drawing/2014/main" id="{908DCEE5-BF52-29F2-3D50-06A25F22375D}"/>
+              </a:ext>
+            </a:extLst>
+          </p:cNvPr>
+          <p:cNvSpPr>
+            <a:spLocks noGrp="1"/>
+          </p:cNvSpPr>
+          <p:nvPr>
+            <p:ph type="ftr" sz="quarter" idx="11"/>
+          </p:nvPr>
+        </p:nvSpPr>
+        <p:spPr/>
+        <p:txBody>
+          <a:bodyPr/>
+          <a:lstStyle/>
+          <a:p>
+            <a:r>
+              <a:rPr lang="en-US"/>
+              <a:t>Marek Darsa</a:t>
+            </a:r>
+            <a:endParaRPr lang="en-US" dirty="0"/>
+          </a:p>
+        </p:txBody>
+      </p:sp>
+      <p:sp>
+        <p:nvSpPr>
+          <p:cNvPr id="6" name="Zástupný symbol pro číslo snímku 5">
+            <a:extLst>
+              <a:ext uri="{FF2B5EF4-FFF2-40B4-BE49-F238E27FC236}">
+                <a16:creationId xmlns:a16="http://schemas.microsoft.com/office/drawing/2014/main" id="{1BEFCF1A-B60E-15D8-B5AB-42994CC701E8}"/>
+              </a:ext>
+            </a:extLst>
+          </p:cNvPr>
+          <p:cNvSpPr>
+            <a:spLocks noGrp="1"/>
+          </p:cNvSpPr>
+          <p:nvPr>
+            <p:ph type="sldNum" sz="quarter" idx="12"/>
+          </p:nvPr>
+        </p:nvSpPr>
+        <p:spPr/>
+        <p:txBody>
+          <a:bodyPr/>
+          <a:lstStyle/>
+          <a:p>
+            <a:fld id="{34496689-AAC1-49FF-8CFC-AFE655D342DD}" type="slidenum">
+              <a:rPr lang="cs-CZ" smtClean="0"/>
+              <a:t>13</a:t>
+            </a:fld>
+            <a:endParaRPr lang="cs-CZ"/>
+          </a:p>
+        </p:txBody>
+      </p:sp>
+      <p:pic>
+        <p:nvPicPr>
+          <p:cNvPr id="7" name="Content Placeholder 5" descr="A screenshot of a computer&#10;&#10;Description automatically generated">
+            <a:extLst>
+              <a:ext uri="{FF2B5EF4-FFF2-40B4-BE49-F238E27FC236}">
+                <a16:creationId xmlns:a16="http://schemas.microsoft.com/office/drawing/2014/main" id="{0F849A72-DACE-8563-ED0E-4B7A59399E2B}"/>
+              </a:ext>
+            </a:extLst>
+          </p:cNvPr>
+          <p:cNvPicPr>
+            <a:picLocks noGrp="1" noChangeAspect="1"/>
+          </p:cNvPicPr>
+          <p:nvPr>
+            <p:ph idx="1"/>
+          </p:nvPr>
+        </p:nvPicPr>
+        <p:blipFill>
+          <a:blip r:embed="rId2">
+            <a:extLst>
+              <a:ext uri="{28A0092B-C50C-407E-A947-70E740481C1C}">
+                <a14:useLocalDpi xmlns:a14="http://schemas.microsoft.com/office/drawing/2010/main" val="0"/>
+              </a:ext>
+            </a:extLst>
+          </a:blip>
+          <a:stretch>
+            <a:fillRect/>
+          </a:stretch>
+        </p:blipFill>
+        <p:spPr>
+          <a:xfrm>
+            <a:off x="2247600" y="1273896"/>
+            <a:ext cx="7696800" cy="4310208"/>
+          </a:xfrm>
+          <a:noFill/>
+        </p:spPr>
+      </p:pic>
+      <p:sp>
+        <p:nvSpPr>
+          <p:cNvPr id="8" name="TextovéPole 7">
+            <a:extLst>
+              <a:ext uri="{FF2B5EF4-FFF2-40B4-BE49-F238E27FC236}">
+                <a16:creationId xmlns:a16="http://schemas.microsoft.com/office/drawing/2014/main" id="{46AA63A0-8961-35F5-E184-17D986DF9039}"/>
+              </a:ext>
+            </a:extLst>
+          </p:cNvPr>
+          <p:cNvSpPr txBox="1"/>
+          <p:nvPr/>
+        </p:nvSpPr>
+        <p:spPr>
+          <a:xfrm>
+            <a:off x="4237653" y="5710916"/>
+            <a:ext cx="3716694" cy="369332"/>
+          </a:xfrm>
+          <a:prstGeom prst="rect">
+            <a:avLst/>
+          </a:prstGeom>
+          <a:noFill/>
+        </p:spPr>
+        <p:txBody>
+          <a:bodyPr wrap="square" rtlCol="0">
+            <a:spAutoFit/>
+          </a:bodyPr>
+          <a:lstStyle/>
+          <a:p>
+            <a:r>
+              <a:rPr lang="cs-CZ" dirty="0"/>
+              <a:t>Obr. 9 Hlavní administrátorské okno</a:t>
+            </a:r>
+          </a:p>
+        </p:txBody>
+      </p:sp>
+    </p:spTree>
+    <p:extLst>
+      <p:ext uri="{BB962C8B-B14F-4D97-AF65-F5344CB8AC3E}">
+        <p14:creationId xmlns:p14="http://schemas.microsoft.com/office/powerpoint/2010/main" val="4293163655"/>
+      </p:ext>
+    </p:extLst>
+  </p:cSld>
+  <p:clrMapOvr>
+    <a:masterClrMapping/>
+  </p:clrMapOvr>
+</p:sld>
+</file>
+
+<file path=ppt/slides/slide14.xml><?xml version="1.0" encoding="utf-8"?>
+<p:sld xmlns:a="http://schemas.openxmlformats.org/drawingml/2006/main" xmlns:r="http://schemas.openxmlformats.org/officeDocument/2006/relationships" xmlns:p="http://schemas.openxmlformats.org/presentationml/2006/main">
+  <p:cSld>
+    <p:spTree>
+      <p:nvGrpSpPr>
+        <p:cNvPr id="1" name=""/>
+        <p:cNvGrpSpPr/>
+        <p:nvPr/>
+      </p:nvGrpSpPr>
+      <p:grpSpPr>
+        <a:xfrm>
+          <a:off x="0" y="0"/>
+          <a:ext cx="0" cy="0"/>
+          <a:chOff x="0" y="0"/>
+          <a:chExt cx="0" cy="0"/>
+        </a:xfrm>
+      </p:grpSpPr>
+      <p:sp>
+        <p:nvSpPr>
+          <p:cNvPr id="4" name="Zástupný symbol pro datum 3">
+            <a:extLst>
+              <a:ext uri="{FF2B5EF4-FFF2-40B4-BE49-F238E27FC236}">
+                <a16:creationId xmlns:a16="http://schemas.microsoft.com/office/drawing/2014/main" id="{A1699056-EC27-91A0-8982-2EF90D9844FE}"/>
+              </a:ext>
+            </a:extLst>
+          </p:cNvPr>
+          <p:cNvSpPr>
+            <a:spLocks noGrp="1"/>
+          </p:cNvSpPr>
+          <p:nvPr>
+            <p:ph type="dt" sz="half" idx="10"/>
+          </p:nvPr>
+        </p:nvSpPr>
+        <p:spPr/>
+        <p:txBody>
+          <a:bodyPr/>
+          <a:lstStyle/>
+          <a:p>
+            <a:r>
+              <a:rPr lang="cs-CZ"/>
+              <a:t>12.06.2024</a:t>
+            </a:r>
+          </a:p>
+        </p:txBody>
+      </p:sp>
+      <p:sp>
+        <p:nvSpPr>
+          <p:cNvPr id="5" name="Zástupný symbol pro zápatí 4">
+            <a:extLst>
+              <a:ext uri="{FF2B5EF4-FFF2-40B4-BE49-F238E27FC236}">
+                <a16:creationId xmlns:a16="http://schemas.microsoft.com/office/drawing/2014/main" id="{AD4FF626-7DF5-C23D-7714-39E5D9C0811F}"/>
+              </a:ext>
+            </a:extLst>
+          </p:cNvPr>
+          <p:cNvSpPr>
+            <a:spLocks noGrp="1"/>
+          </p:cNvSpPr>
+          <p:nvPr>
+            <p:ph type="ftr" sz="quarter" idx="11"/>
+          </p:nvPr>
+        </p:nvSpPr>
+        <p:spPr/>
+        <p:txBody>
+          <a:bodyPr/>
+          <a:lstStyle/>
+          <a:p>
+            <a:r>
+              <a:rPr lang="en-US"/>
+              <a:t>Marek Darsa</a:t>
+            </a:r>
+            <a:endParaRPr lang="en-US" dirty="0"/>
+          </a:p>
+        </p:txBody>
+      </p:sp>
+      <p:sp>
+        <p:nvSpPr>
+          <p:cNvPr id="6" name="Zástupný symbol pro číslo snímku 5">
+            <a:extLst>
+              <a:ext uri="{FF2B5EF4-FFF2-40B4-BE49-F238E27FC236}">
+                <a16:creationId xmlns:a16="http://schemas.microsoft.com/office/drawing/2014/main" id="{31981F2E-E64B-2F9F-1071-5DBA85AFB31A}"/>
+              </a:ext>
+            </a:extLst>
+          </p:cNvPr>
+          <p:cNvSpPr>
+            <a:spLocks noGrp="1"/>
+          </p:cNvSpPr>
+          <p:nvPr>
+            <p:ph type="sldNum" sz="quarter" idx="12"/>
+          </p:nvPr>
+        </p:nvSpPr>
+        <p:spPr/>
+        <p:txBody>
+          <a:bodyPr/>
+          <a:lstStyle/>
+          <a:p>
+            <a:fld id="{34496689-AAC1-49FF-8CFC-AFE655D342DD}" type="slidenum">
+              <a:rPr lang="cs-CZ" smtClean="0"/>
+              <a:t>14</a:t>
+            </a:fld>
+            <a:endParaRPr lang="cs-CZ"/>
+          </a:p>
+        </p:txBody>
+      </p:sp>
+      <p:pic>
+        <p:nvPicPr>
+          <p:cNvPr id="7" name="Content Placeholder 5" descr="A screenshot of a computer&#10;&#10;Description automatically generated">
+            <a:extLst>
+              <a:ext uri="{FF2B5EF4-FFF2-40B4-BE49-F238E27FC236}">
+                <a16:creationId xmlns:a16="http://schemas.microsoft.com/office/drawing/2014/main" id="{8BFA8092-8E42-E408-D85C-D9B6EB7CB8EF}"/>
+              </a:ext>
+            </a:extLst>
+          </p:cNvPr>
+          <p:cNvPicPr>
+            <a:picLocks noGrp="1" noChangeAspect="1"/>
+          </p:cNvPicPr>
+          <p:nvPr>
+            <p:ph idx="1"/>
+          </p:nvPr>
+        </p:nvPicPr>
+        <p:blipFill>
+          <a:blip r:embed="rId2">
+            <a:extLst>
+              <a:ext uri="{28A0092B-C50C-407E-A947-70E740481C1C}">
+                <a14:useLocalDpi xmlns:a14="http://schemas.microsoft.com/office/drawing/2010/main" val="0"/>
+              </a:ext>
+            </a:extLst>
+          </a:blip>
+          <a:stretch>
+            <a:fillRect/>
+          </a:stretch>
+        </p:blipFill>
+        <p:spPr>
+          <a:xfrm>
+            <a:off x="727788" y="1231641"/>
+            <a:ext cx="10626012" cy="4238293"/>
+          </a:xfrm>
+        </p:spPr>
+      </p:pic>
+      <p:sp>
+        <p:nvSpPr>
+          <p:cNvPr id="8" name="TextovéPole 7">
+            <a:extLst>
+              <a:ext uri="{FF2B5EF4-FFF2-40B4-BE49-F238E27FC236}">
+                <a16:creationId xmlns:a16="http://schemas.microsoft.com/office/drawing/2014/main" id="{698BE0A0-DCA5-C105-680A-4C9E0DFD866A}"/>
+              </a:ext>
+            </a:extLst>
+          </p:cNvPr>
+          <p:cNvSpPr txBox="1"/>
+          <p:nvPr/>
+        </p:nvSpPr>
+        <p:spPr>
+          <a:xfrm>
+            <a:off x="4211216" y="5543810"/>
+            <a:ext cx="3769567" cy="369332"/>
+          </a:xfrm>
+          <a:prstGeom prst="rect">
+            <a:avLst/>
+          </a:prstGeom>
+          <a:noFill/>
+        </p:spPr>
+        <p:txBody>
+          <a:bodyPr wrap="square" rtlCol="0">
+            <a:spAutoFit/>
+          </a:bodyPr>
+          <a:lstStyle/>
+          <a:p>
+            <a:r>
+              <a:rPr lang="cs-CZ" dirty="0"/>
+              <a:t>Obr. 11 Grafické zobrazení databáze</a:t>
+            </a:r>
+          </a:p>
+        </p:txBody>
+      </p:sp>
+    </p:spTree>
+    <p:extLst>
+      <p:ext uri="{BB962C8B-B14F-4D97-AF65-F5344CB8AC3E}">
+        <p14:creationId xmlns:p14="http://schemas.microsoft.com/office/powerpoint/2010/main" val="59538860"/>
+      </p:ext>
+    </p:extLst>
+  </p:cSld>
+  <p:clrMapOvr>
+    <a:masterClrMapping/>
+  </p:clrMapOvr>
+</p:sld>
+</file>
+
+<file path=ppt/slides/slide15.xml><?xml version="1.0" encoding="utf-8"?>
+<p:sld xmlns:a="http://schemas.openxmlformats.org/drawingml/2006/main" xmlns:r="http://schemas.openxmlformats.org/officeDocument/2006/relationships" xmlns:p="http://schemas.openxmlformats.org/presentationml/2006/main">
+  <p:cSld>
+    <p:spTree>
+      <p:nvGrpSpPr>
+        <p:cNvPr id="1" name=""/>
+        <p:cNvGrpSpPr/>
+        <p:nvPr/>
+      </p:nvGrpSpPr>
+      <p:grpSpPr>
+        <a:xfrm>
+          <a:off x="0" y="0"/>
+          <a:ext cx="0" cy="0"/>
+          <a:chOff x="0" y="0"/>
+          <a:chExt cx="0" cy="0"/>
+        </a:xfrm>
+      </p:grpSpPr>
+      <p:sp>
+        <p:nvSpPr>
+          <p:cNvPr id="4" name="Zástupný symbol pro datum 3">
+            <a:extLst>
+              <a:ext uri="{FF2B5EF4-FFF2-40B4-BE49-F238E27FC236}">
+                <a16:creationId xmlns:a16="http://schemas.microsoft.com/office/drawing/2014/main" id="{21105B4B-22FB-1704-AECB-96DDCCC354EA}"/>
+              </a:ext>
+            </a:extLst>
+          </p:cNvPr>
+          <p:cNvSpPr>
+            <a:spLocks noGrp="1"/>
+          </p:cNvSpPr>
+          <p:nvPr>
+            <p:ph type="dt" sz="half" idx="10"/>
+          </p:nvPr>
+        </p:nvSpPr>
+        <p:spPr/>
+        <p:txBody>
+          <a:bodyPr/>
+          <a:lstStyle/>
+          <a:p>
+            <a:r>
+              <a:rPr lang="cs-CZ"/>
+              <a:t>12.06.2024</a:t>
+            </a:r>
+          </a:p>
+        </p:txBody>
+      </p:sp>
+      <p:sp>
+        <p:nvSpPr>
+          <p:cNvPr id="5" name="Zástupný symbol pro zápatí 4">
+            <a:extLst>
+              <a:ext uri="{FF2B5EF4-FFF2-40B4-BE49-F238E27FC236}">
+                <a16:creationId xmlns:a16="http://schemas.microsoft.com/office/drawing/2014/main" id="{3C8B8A3E-3B6F-D6C9-B80C-07FB2517A92A}"/>
+              </a:ext>
+            </a:extLst>
+          </p:cNvPr>
+          <p:cNvSpPr>
+            <a:spLocks noGrp="1"/>
+          </p:cNvSpPr>
+          <p:nvPr>
+            <p:ph type="ftr" sz="quarter" idx="11"/>
+          </p:nvPr>
+        </p:nvSpPr>
+        <p:spPr/>
+        <p:txBody>
+          <a:bodyPr/>
+          <a:lstStyle/>
+          <a:p>
+            <a:r>
+              <a:rPr lang="en-US"/>
+              <a:t>Marek Darsa</a:t>
+            </a:r>
+            <a:endParaRPr lang="en-US" dirty="0"/>
+          </a:p>
+        </p:txBody>
+      </p:sp>
+      <p:sp>
+        <p:nvSpPr>
+          <p:cNvPr id="6" name="Zástupný symbol pro číslo snímku 5">
+            <a:extLst>
+              <a:ext uri="{FF2B5EF4-FFF2-40B4-BE49-F238E27FC236}">
+                <a16:creationId xmlns:a16="http://schemas.microsoft.com/office/drawing/2014/main" id="{C78CCB27-F0A8-9259-9FD2-C66B9EDE2A01}"/>
+              </a:ext>
+            </a:extLst>
+          </p:cNvPr>
+          <p:cNvSpPr>
+            <a:spLocks noGrp="1"/>
+          </p:cNvSpPr>
+          <p:nvPr>
+            <p:ph type="sldNum" sz="quarter" idx="12"/>
+          </p:nvPr>
+        </p:nvSpPr>
+        <p:spPr/>
+        <p:txBody>
+          <a:bodyPr/>
+          <a:lstStyle/>
+          <a:p>
+            <a:fld id="{34496689-AAC1-49FF-8CFC-AFE655D342DD}" type="slidenum">
+              <a:rPr lang="cs-CZ" smtClean="0"/>
+              <a:t>15</a:t>
+            </a:fld>
+            <a:endParaRPr lang="cs-CZ"/>
+          </a:p>
+        </p:txBody>
+      </p:sp>
+      <p:pic>
+        <p:nvPicPr>
+          <p:cNvPr id="7" name="Content Placeholder 10" descr="A screenshot of a computer&#10;&#10;Description automatically generated">
+            <a:extLst>
+              <a:ext uri="{FF2B5EF4-FFF2-40B4-BE49-F238E27FC236}">
+                <a16:creationId xmlns:a16="http://schemas.microsoft.com/office/drawing/2014/main" id="{55C2AC96-2DE2-6D75-44CC-EDF2C55B3A63}"/>
+              </a:ext>
+            </a:extLst>
+          </p:cNvPr>
+          <p:cNvPicPr>
+            <a:picLocks noGrp="1" noChangeAspect="1"/>
+          </p:cNvPicPr>
+          <p:nvPr>
+            <p:ph idx="1"/>
+          </p:nvPr>
+        </p:nvPicPr>
+        <p:blipFill>
+          <a:blip r:embed="rId2">
+            <a:extLst>
+              <a:ext uri="{28A0092B-C50C-407E-A947-70E740481C1C}">
+                <a14:useLocalDpi xmlns:a14="http://schemas.microsoft.com/office/drawing/2010/main" val="0"/>
+              </a:ext>
+            </a:extLst>
+          </a:blip>
+          <a:stretch>
+            <a:fillRect/>
+          </a:stretch>
+        </p:blipFill>
+        <p:spPr>
+          <a:xfrm>
+            <a:off x="653143" y="1268963"/>
+            <a:ext cx="11038114" cy="3993793"/>
+          </a:xfrm>
+        </p:spPr>
+      </p:pic>
+      <p:sp>
+        <p:nvSpPr>
+          <p:cNvPr id="8" name="TextovéPole 7">
+            <a:extLst>
+              <a:ext uri="{FF2B5EF4-FFF2-40B4-BE49-F238E27FC236}">
+                <a16:creationId xmlns:a16="http://schemas.microsoft.com/office/drawing/2014/main" id="{0B96ACBC-518F-F6FA-92D9-D9764289D6BB}"/>
+              </a:ext>
+            </a:extLst>
+          </p:cNvPr>
+          <p:cNvSpPr txBox="1"/>
+          <p:nvPr/>
+        </p:nvSpPr>
+        <p:spPr>
+          <a:xfrm>
+            <a:off x="4758612" y="5337691"/>
+            <a:ext cx="2674776" cy="369332"/>
+          </a:xfrm>
+          <a:prstGeom prst="rect">
+            <a:avLst/>
+          </a:prstGeom>
+          <a:noFill/>
+        </p:spPr>
+        <p:txBody>
+          <a:bodyPr wrap="square" rtlCol="0">
+            <a:spAutoFit/>
+          </a:bodyPr>
+          <a:lstStyle/>
+          <a:p>
+            <a:r>
+              <a:rPr lang="cs-CZ" dirty="0"/>
+              <a:t>Obr. 1</a:t>
+            </a:r>
+            <a:r>
+              <a:rPr lang="en-US" dirty="0"/>
+              <a:t>2</a:t>
+            </a:r>
+            <a:r>
+              <a:rPr lang="cs-CZ" dirty="0"/>
+              <a:t> Uživatelské okno</a:t>
+            </a:r>
+          </a:p>
+        </p:txBody>
+      </p:sp>
+    </p:spTree>
+    <p:extLst>
+      <p:ext uri="{BB962C8B-B14F-4D97-AF65-F5344CB8AC3E}">
+        <p14:creationId xmlns:p14="http://schemas.microsoft.com/office/powerpoint/2010/main" val="2264664549"/>
+      </p:ext>
+    </p:extLst>
+  </p:cSld>
+  <p:clrMapOvr>
+    <a:masterClrMapping/>
+  </p:clrMapOvr>
+</p:sld>
+</file>
+
+<file path=ppt/slides/slide16.xml><?xml version="1.0" encoding="utf-8"?>
+<p:sld xmlns:a="http://schemas.openxmlformats.org/drawingml/2006/main" xmlns:r="http://schemas.openxmlformats.org/officeDocument/2006/relationships" xmlns:p="http://schemas.openxmlformats.org/presentationml/2006/main">
+  <p:cSld>
+    <p:spTree>
+      <p:nvGrpSpPr>
+        <p:cNvPr id="1" name=""/>
+        <p:cNvGrpSpPr/>
+        <p:nvPr/>
+      </p:nvGrpSpPr>
+      <p:grpSpPr>
+        <a:xfrm>
+          <a:off x="0" y="0"/>
+          <a:ext cx="0" cy="0"/>
+          <a:chOff x="0" y="0"/>
+          <a:chExt cx="0" cy="0"/>
+        </a:xfrm>
+      </p:grpSpPr>
+      <p:sp>
+        <p:nvSpPr>
+          <p:cNvPr id="2" name="Nadpis 1">
+            <a:extLst>
+              <a:ext uri="{FF2B5EF4-FFF2-40B4-BE49-F238E27FC236}">
+                <a16:creationId xmlns:a16="http://schemas.microsoft.com/office/drawing/2014/main" id="{0CB26F04-5BB8-8107-5F67-813CC162F6CB}"/>
+              </a:ext>
+            </a:extLst>
+          </p:cNvPr>
+          <p:cNvSpPr>
+            <a:spLocks noGrp="1"/>
+          </p:cNvSpPr>
+          <p:nvPr>
+            <p:ph type="title"/>
+          </p:nvPr>
+        </p:nvSpPr>
+        <p:spPr/>
+        <p:txBody>
+          <a:bodyPr/>
+          <a:lstStyle/>
+          <a:p>
+            <a:r>
+              <a:rPr lang="en-US" dirty="0" err="1"/>
+              <a:t>Závěr</a:t>
+            </a:r>
+            <a:endParaRPr lang="cs-CZ" dirty="0"/>
+          </a:p>
+        </p:txBody>
+      </p:sp>
+      <p:sp>
+        <p:nvSpPr>
+          <p:cNvPr id="3" name="Zástupný obsah 2">
+            <a:extLst>
+              <a:ext uri="{FF2B5EF4-FFF2-40B4-BE49-F238E27FC236}">
+                <a16:creationId xmlns:a16="http://schemas.microsoft.com/office/drawing/2014/main" id="{FD0C7936-6792-FCDA-29C2-D6EEF89FBA1F}"/>
+              </a:ext>
+            </a:extLst>
+          </p:cNvPr>
+          <p:cNvSpPr>
+            <a:spLocks noGrp="1"/>
+          </p:cNvSpPr>
+          <p:nvPr>
+            <p:ph idx="1"/>
+          </p:nvPr>
+        </p:nvSpPr>
+        <p:spPr/>
+        <p:txBody>
+          <a:bodyPr/>
+          <a:lstStyle/>
+          <a:p>
+            <a:pPr>
+              <a:buFont typeface="Wingdings" panose="05000000000000000000" pitchFamily="2" charset="2"/>
+              <a:buChar char="ü"/>
+            </a:pPr>
+            <a:r>
+              <a:rPr lang="cs-CZ" dirty="0"/>
+              <a:t>Vytvoření GUI</a:t>
+            </a:r>
+          </a:p>
+          <a:p>
+            <a:pPr>
+              <a:buFont typeface="Wingdings" panose="05000000000000000000" pitchFamily="2" charset="2"/>
+              <a:buChar char="ü"/>
+            </a:pPr>
+            <a:r>
+              <a:rPr lang="cs-CZ" dirty="0"/>
+              <a:t>Navrhnutí a vytvoření možnosti uživatelských rolí</a:t>
+            </a:r>
+          </a:p>
+          <a:p>
+            <a:pPr>
+              <a:buFont typeface="Wingdings" panose="05000000000000000000" pitchFamily="2" charset="2"/>
+              <a:buChar char="ü"/>
+            </a:pPr>
+            <a:r>
+              <a:rPr lang="cs-CZ" dirty="0"/>
+              <a:t>Vytvoření metody pro ovládání jednotlivých svalů</a:t>
+            </a:r>
+          </a:p>
+          <a:p>
+            <a:pPr>
+              <a:buFont typeface="Wingdings" panose="05000000000000000000" pitchFamily="2" charset="2"/>
+              <a:buChar char="ü"/>
+            </a:pPr>
+            <a:r>
+              <a:rPr lang="cs-CZ" dirty="0"/>
+              <a:t>Možnost provést měření na svalu a </a:t>
+            </a:r>
+            <a:r>
+              <a:rPr lang="cs-CZ" dirty="0" err="1"/>
+              <a:t>dale</a:t>
+            </a:r>
+            <a:r>
+              <a:rPr lang="cs-CZ" dirty="0"/>
+              <a:t> s tímto měřením pracovat</a:t>
+            </a:r>
+          </a:p>
+          <a:p>
+            <a:pPr>
+              <a:buFont typeface="Wingdings" panose="05000000000000000000" pitchFamily="2" charset="2"/>
+              <a:buChar char="ü"/>
+            </a:pPr>
+            <a:r>
+              <a:rPr lang="cs-CZ" dirty="0"/>
+              <a:t>Možnost nastavit pro každý sval různé parametry a tyto parametry mít možnost měnit</a:t>
+            </a:r>
+          </a:p>
+          <a:p>
+            <a:endParaRPr lang="cs-CZ" dirty="0"/>
+          </a:p>
+        </p:txBody>
+      </p:sp>
+      <p:sp>
+        <p:nvSpPr>
+          <p:cNvPr id="4" name="Zástupný symbol pro datum 3">
+            <a:extLst>
+              <a:ext uri="{FF2B5EF4-FFF2-40B4-BE49-F238E27FC236}">
+                <a16:creationId xmlns:a16="http://schemas.microsoft.com/office/drawing/2014/main" id="{D2B91E1E-1F11-BE8A-44F2-6E4CFBD5D654}"/>
+              </a:ext>
+            </a:extLst>
+          </p:cNvPr>
+          <p:cNvSpPr>
+            <a:spLocks noGrp="1"/>
+          </p:cNvSpPr>
+          <p:nvPr>
+            <p:ph type="dt" sz="half" idx="10"/>
+          </p:nvPr>
+        </p:nvSpPr>
+        <p:spPr/>
+        <p:txBody>
+          <a:bodyPr/>
+          <a:lstStyle/>
+          <a:p>
+            <a:r>
+              <a:rPr lang="cs-CZ"/>
+              <a:t>12.06.2024</a:t>
+            </a:r>
+          </a:p>
+        </p:txBody>
+      </p:sp>
+      <p:sp>
+        <p:nvSpPr>
+          <p:cNvPr id="5" name="Zástupný symbol pro zápatí 4">
+            <a:extLst>
+              <a:ext uri="{FF2B5EF4-FFF2-40B4-BE49-F238E27FC236}">
+                <a16:creationId xmlns:a16="http://schemas.microsoft.com/office/drawing/2014/main" id="{4B51D1CE-A4E3-04E5-25A0-677E55816CE8}"/>
+              </a:ext>
+            </a:extLst>
+          </p:cNvPr>
+          <p:cNvSpPr>
+            <a:spLocks noGrp="1"/>
+          </p:cNvSpPr>
+          <p:nvPr>
+            <p:ph type="ftr" sz="quarter" idx="11"/>
+          </p:nvPr>
+        </p:nvSpPr>
+        <p:spPr/>
+        <p:txBody>
+          <a:bodyPr/>
+          <a:lstStyle/>
+          <a:p>
+            <a:r>
+              <a:rPr lang="en-US"/>
+              <a:t>Marek Darsa</a:t>
+            </a:r>
+            <a:endParaRPr lang="en-US" dirty="0"/>
+          </a:p>
+        </p:txBody>
+      </p:sp>
+      <p:sp>
+        <p:nvSpPr>
+          <p:cNvPr id="6" name="Zástupný symbol pro číslo snímku 5">
+            <a:extLst>
+              <a:ext uri="{FF2B5EF4-FFF2-40B4-BE49-F238E27FC236}">
+                <a16:creationId xmlns:a16="http://schemas.microsoft.com/office/drawing/2014/main" id="{C12E0DB3-6C51-83C5-FE6F-53640E2F62BD}"/>
+              </a:ext>
+            </a:extLst>
+          </p:cNvPr>
+          <p:cNvSpPr>
+            <a:spLocks noGrp="1"/>
+          </p:cNvSpPr>
+          <p:nvPr>
+            <p:ph type="sldNum" sz="quarter" idx="12"/>
+          </p:nvPr>
+        </p:nvSpPr>
+        <p:spPr/>
+        <p:txBody>
+          <a:bodyPr/>
+          <a:lstStyle/>
+          <a:p>
+            <a:fld id="{34496689-AAC1-49FF-8CFC-AFE655D342DD}" type="slidenum">
+              <a:rPr lang="cs-CZ" smtClean="0"/>
+              <a:t>16</a:t>
+            </a:fld>
+            <a:endParaRPr lang="cs-CZ"/>
+          </a:p>
+        </p:txBody>
+      </p:sp>
+    </p:spTree>
+    <p:extLst>
+      <p:ext uri="{BB962C8B-B14F-4D97-AF65-F5344CB8AC3E}">
+        <p14:creationId xmlns:p14="http://schemas.microsoft.com/office/powerpoint/2010/main" val="956676482"/>
+      </p:ext>
+    </p:extLst>
+  </p:cSld>
+  <p:clrMapOvr>
+    <a:masterClrMapping/>
+  </p:clrMapOvr>
+</p:sld>
+</file>
+
+<file path=ppt/slides/slide17.xml><?xml version="1.0" encoding="utf-8"?>
+<p:sld xmlns:a="http://schemas.openxmlformats.org/drawingml/2006/main" xmlns:r="http://schemas.openxmlformats.org/officeDocument/2006/relationships" xmlns:p="http://schemas.openxmlformats.org/presentationml/2006/main">
+  <p:cSld>
+    <p:spTree>
+      <p:nvGrpSpPr>
+        <p:cNvPr id="1" name=""/>
+        <p:cNvGrpSpPr/>
+        <p:nvPr/>
+      </p:nvGrpSpPr>
+      <p:grpSpPr>
+        <a:xfrm>
+          <a:off x="0" y="0"/>
+          <a:ext cx="0" cy="0"/>
+          <a:chOff x="0" y="0"/>
+          <a:chExt cx="0" cy="0"/>
+        </a:xfrm>
+      </p:grpSpPr>
+      <p:sp>
+        <p:nvSpPr>
+          <p:cNvPr id="2" name="Nadpis 1">
+            <a:extLst>
+              <a:ext uri="{FF2B5EF4-FFF2-40B4-BE49-F238E27FC236}">
+                <a16:creationId xmlns:a16="http://schemas.microsoft.com/office/drawing/2014/main" id="{AF8DCEA7-4C3B-F45E-63A4-5CCABA3AFA06}"/>
+              </a:ext>
+            </a:extLst>
+          </p:cNvPr>
+          <p:cNvSpPr>
+            <a:spLocks noGrp="1"/>
+          </p:cNvSpPr>
+          <p:nvPr>
+            <p:ph type="title"/>
+          </p:nvPr>
+        </p:nvSpPr>
+        <p:spPr/>
+        <p:txBody>
+          <a:bodyPr/>
+          <a:lstStyle/>
+          <a:p>
+            <a:pPr algn="ctr"/>
+            <a:r>
+              <a:rPr lang="cs-CZ" dirty="0"/>
+              <a:t>Děkuji za pozornost</a:t>
+            </a:r>
+            <a:br>
+              <a:rPr lang="cs-CZ" dirty="0"/>
+            </a:br>
+            <a:r>
+              <a:rPr lang="cs-CZ" dirty="0"/>
+              <a:t>Dotazy?</a:t>
+            </a:r>
+          </a:p>
+        </p:txBody>
+      </p:sp>
+      <p:sp>
+        <p:nvSpPr>
+          <p:cNvPr id="3" name="Zástupný obsah 2">
+            <a:extLst>
+              <a:ext uri="{FF2B5EF4-FFF2-40B4-BE49-F238E27FC236}">
+                <a16:creationId xmlns:a16="http://schemas.microsoft.com/office/drawing/2014/main" id="{F17201D6-3DF7-B316-3165-3102B6D70960}"/>
+              </a:ext>
+            </a:extLst>
+          </p:cNvPr>
+          <p:cNvSpPr>
+            <a:spLocks noGrp="1"/>
+          </p:cNvSpPr>
+          <p:nvPr>
+            <p:ph idx="1"/>
+          </p:nvPr>
+        </p:nvSpPr>
+        <p:spPr/>
+        <p:txBody>
+          <a:bodyPr/>
+          <a:lstStyle/>
+          <a:p>
+            <a:endParaRPr lang="cs-CZ" dirty="0"/>
+          </a:p>
+        </p:txBody>
+      </p:sp>
+      <p:sp>
+        <p:nvSpPr>
+          <p:cNvPr id="4" name="Zástupný symbol pro datum 3">
+            <a:extLst>
+              <a:ext uri="{FF2B5EF4-FFF2-40B4-BE49-F238E27FC236}">
+                <a16:creationId xmlns:a16="http://schemas.microsoft.com/office/drawing/2014/main" id="{0EE8950E-C1CC-0285-39A0-BD89F8B48EC2}"/>
+              </a:ext>
+            </a:extLst>
+          </p:cNvPr>
+          <p:cNvSpPr>
+            <a:spLocks noGrp="1"/>
+          </p:cNvSpPr>
+          <p:nvPr>
+            <p:ph type="dt" sz="half" idx="10"/>
+          </p:nvPr>
+        </p:nvSpPr>
+        <p:spPr/>
+        <p:txBody>
+          <a:bodyPr/>
+          <a:lstStyle/>
+          <a:p>
+            <a:r>
+              <a:rPr lang="cs-CZ"/>
+              <a:t>12.06.2024</a:t>
+            </a:r>
+          </a:p>
+        </p:txBody>
+      </p:sp>
+      <p:sp>
+        <p:nvSpPr>
+          <p:cNvPr id="5" name="Zástupný symbol pro zápatí 4">
+            <a:extLst>
+              <a:ext uri="{FF2B5EF4-FFF2-40B4-BE49-F238E27FC236}">
+                <a16:creationId xmlns:a16="http://schemas.microsoft.com/office/drawing/2014/main" id="{3121C9DB-8628-C7E3-796D-9C784FC64C13}"/>
+              </a:ext>
+            </a:extLst>
+          </p:cNvPr>
+          <p:cNvSpPr>
+            <a:spLocks noGrp="1"/>
+          </p:cNvSpPr>
+          <p:nvPr>
+            <p:ph type="ftr" sz="quarter" idx="11"/>
+          </p:nvPr>
+        </p:nvSpPr>
+        <p:spPr/>
+        <p:txBody>
+          <a:bodyPr/>
+          <a:lstStyle/>
+          <a:p>
+            <a:r>
+              <a:rPr lang="en-US"/>
+              <a:t>Marek Darsa</a:t>
+            </a:r>
+            <a:endParaRPr lang="en-US" dirty="0"/>
+          </a:p>
+        </p:txBody>
+      </p:sp>
+      <p:sp>
+        <p:nvSpPr>
+          <p:cNvPr id="6" name="Zástupný symbol pro číslo snímku 5">
+            <a:extLst>
+              <a:ext uri="{FF2B5EF4-FFF2-40B4-BE49-F238E27FC236}">
+                <a16:creationId xmlns:a16="http://schemas.microsoft.com/office/drawing/2014/main" id="{A41800CD-58C5-F180-914C-4AD1F9D8242E}"/>
+              </a:ext>
+            </a:extLst>
+          </p:cNvPr>
+          <p:cNvSpPr>
+            <a:spLocks noGrp="1"/>
+          </p:cNvSpPr>
+          <p:nvPr>
+            <p:ph type="sldNum" sz="quarter" idx="12"/>
+          </p:nvPr>
+        </p:nvSpPr>
+        <p:spPr/>
+        <p:txBody>
+          <a:bodyPr/>
+          <a:lstStyle/>
+          <a:p>
+            <a:fld id="{34496689-AAC1-49FF-8CFC-AFE655D342DD}" type="slidenum">
+              <a:rPr lang="cs-CZ" smtClean="0"/>
+              <a:t>17</a:t>
+            </a:fld>
+            <a:endParaRPr lang="cs-CZ"/>
+          </a:p>
+        </p:txBody>
+      </p:sp>
+    </p:spTree>
+    <p:extLst>
+      <p:ext uri="{BB962C8B-B14F-4D97-AF65-F5344CB8AC3E}">
+        <p14:creationId xmlns:p14="http://schemas.microsoft.com/office/powerpoint/2010/main" val="2190753605"/>
+      </p:ext>
+    </p:extLst>
+  </p:cSld>
+  <p:clrMapOvr>
+    <a:masterClrMapping/>
+  </p:clrMapOvr>
+</p:sld>
+</file>
+
+<file path=ppt/slides/slide18.xml><?xml version="1.0" encoding="utf-8"?>
+<p:sld xmlns:a="http://schemas.openxmlformats.org/drawingml/2006/main" xmlns:r="http://schemas.openxmlformats.org/officeDocument/2006/relationships" xmlns:p="http://schemas.openxmlformats.org/presentationml/2006/main">
+  <p:cSld>
+    <p:spTree>
+      <p:nvGrpSpPr>
+        <p:cNvPr id="1" name=""/>
+        <p:cNvGrpSpPr/>
+        <p:nvPr/>
+      </p:nvGrpSpPr>
+      <p:grpSpPr>
+        <a:xfrm>
+          <a:off x="0" y="0"/>
+          <a:ext cx="0" cy="0"/>
+          <a:chOff x="0" y="0"/>
+          <a:chExt cx="0" cy="0"/>
+        </a:xfrm>
+      </p:grpSpPr>
+      <p:sp>
+        <p:nvSpPr>
+          <p:cNvPr id="2" name="Nadpis 1">
+            <a:extLst>
+              <a:ext uri="{FF2B5EF4-FFF2-40B4-BE49-F238E27FC236}">
+                <a16:creationId xmlns:a16="http://schemas.microsoft.com/office/drawing/2014/main" id="{34C66974-0CAF-902D-8D24-ED7988C473E7}"/>
+              </a:ext>
+            </a:extLst>
+          </p:cNvPr>
+          <p:cNvSpPr>
+            <a:spLocks noGrp="1"/>
+          </p:cNvSpPr>
+          <p:nvPr>
+            <p:ph type="title"/>
+          </p:nvPr>
+        </p:nvSpPr>
+        <p:spPr/>
+        <p:txBody>
+          <a:bodyPr/>
+          <a:lstStyle/>
+          <a:p>
+            <a:r>
+              <a:rPr lang="en-US" dirty="0" err="1"/>
+              <a:t>Zdroje</a:t>
+            </a:r>
+            <a:endParaRPr lang="cs-CZ" dirty="0"/>
+          </a:p>
+        </p:txBody>
+      </p:sp>
+      <p:sp>
+        <p:nvSpPr>
+          <p:cNvPr id="3" name="Zástupný obsah 2">
+            <a:extLst>
+              <a:ext uri="{FF2B5EF4-FFF2-40B4-BE49-F238E27FC236}">
+                <a16:creationId xmlns:a16="http://schemas.microsoft.com/office/drawing/2014/main" id="{69094F4A-4641-23B5-0B6A-C0CCE3995E0F}"/>
+              </a:ext>
+            </a:extLst>
+          </p:cNvPr>
+          <p:cNvSpPr>
+            <a:spLocks noGrp="1"/>
+          </p:cNvSpPr>
+          <p:nvPr>
+            <p:ph idx="1"/>
+          </p:nvPr>
+        </p:nvSpPr>
+        <p:spPr/>
+        <p:txBody>
+          <a:bodyPr/>
+          <a:lstStyle/>
+          <a:p>
+            <a:r>
+              <a:rPr lang="en-US" dirty="0" err="1"/>
+              <a:t>Obr</a:t>
+            </a:r>
+            <a:r>
+              <a:rPr lang="en-US" dirty="0"/>
+              <a:t>. 1 - </a:t>
+            </a:r>
+            <a:r>
+              <a:rPr lang="en-US" dirty="0">
+                <a:hlinkClick r:id="rId2"/>
+              </a:rPr>
+              <a:t>https://salisburyhealthcarehistory.uk/wp-content/uploads/2016.475_patient_dcanner.jpg</a:t>
+            </a:r>
+            <a:endParaRPr lang="en-US" dirty="0"/>
+          </a:p>
+          <a:p>
+            <a:endParaRPr lang="cs-CZ" dirty="0"/>
+          </a:p>
+        </p:txBody>
+      </p:sp>
+      <p:sp>
+        <p:nvSpPr>
+          <p:cNvPr id="4" name="Zástupný symbol pro datum 3">
+            <a:extLst>
+              <a:ext uri="{FF2B5EF4-FFF2-40B4-BE49-F238E27FC236}">
+                <a16:creationId xmlns:a16="http://schemas.microsoft.com/office/drawing/2014/main" id="{AAAA4DC2-F549-812B-E49C-24FB610B8CEF}"/>
+              </a:ext>
+            </a:extLst>
+          </p:cNvPr>
+          <p:cNvSpPr>
+            <a:spLocks noGrp="1"/>
+          </p:cNvSpPr>
+          <p:nvPr>
+            <p:ph type="dt" sz="half" idx="10"/>
+          </p:nvPr>
+        </p:nvSpPr>
+        <p:spPr/>
+        <p:txBody>
+          <a:bodyPr/>
+          <a:lstStyle/>
+          <a:p>
+            <a:r>
+              <a:rPr lang="cs-CZ"/>
+              <a:t>12.06.2024</a:t>
+            </a:r>
+          </a:p>
+        </p:txBody>
+      </p:sp>
+      <p:sp>
+        <p:nvSpPr>
+          <p:cNvPr id="5" name="Zástupný symbol pro zápatí 4">
+            <a:extLst>
+              <a:ext uri="{FF2B5EF4-FFF2-40B4-BE49-F238E27FC236}">
+                <a16:creationId xmlns:a16="http://schemas.microsoft.com/office/drawing/2014/main" id="{18180310-BA9E-3057-6185-5B3469DDD635}"/>
+              </a:ext>
+            </a:extLst>
+          </p:cNvPr>
+          <p:cNvSpPr>
+            <a:spLocks noGrp="1"/>
+          </p:cNvSpPr>
+          <p:nvPr>
+            <p:ph type="ftr" sz="quarter" idx="11"/>
+          </p:nvPr>
+        </p:nvSpPr>
+        <p:spPr/>
+        <p:txBody>
+          <a:bodyPr/>
+          <a:lstStyle/>
+          <a:p>
+            <a:r>
+              <a:rPr lang="en-US"/>
+              <a:t>Marek Darsa</a:t>
+            </a:r>
+            <a:endParaRPr lang="en-US" dirty="0"/>
+          </a:p>
+        </p:txBody>
+      </p:sp>
+      <p:sp>
+        <p:nvSpPr>
+          <p:cNvPr id="6" name="Zástupný symbol pro číslo snímku 5">
+            <a:extLst>
+              <a:ext uri="{FF2B5EF4-FFF2-40B4-BE49-F238E27FC236}">
+                <a16:creationId xmlns:a16="http://schemas.microsoft.com/office/drawing/2014/main" id="{FB60B863-9957-6F9A-6111-7728084952D5}"/>
+              </a:ext>
+            </a:extLst>
+          </p:cNvPr>
+          <p:cNvSpPr>
+            <a:spLocks noGrp="1"/>
+          </p:cNvSpPr>
+          <p:nvPr>
+            <p:ph type="sldNum" sz="quarter" idx="12"/>
+          </p:nvPr>
+        </p:nvSpPr>
+        <p:spPr/>
+        <p:txBody>
+          <a:bodyPr/>
+          <a:lstStyle/>
+          <a:p>
+            <a:fld id="{34496689-AAC1-49FF-8CFC-AFE655D342DD}" type="slidenum">
+              <a:rPr lang="cs-CZ" smtClean="0"/>
+              <a:t>18</a:t>
+            </a:fld>
+            <a:endParaRPr lang="cs-CZ"/>
+          </a:p>
+        </p:txBody>
+      </p:sp>
+    </p:spTree>
+    <p:extLst>
+      <p:ext uri="{BB962C8B-B14F-4D97-AF65-F5344CB8AC3E}">
+        <p14:creationId xmlns:p14="http://schemas.microsoft.com/office/powerpoint/2010/main" val="1677117700"/>
+      </p:ext>
+    </p:extLst>
+  </p:cSld>
+  <p:clrMapOvr>
+    <a:masterClrMapping/>
+  </p:clrMapOvr>
+</p:sld>
+</file>
+
 <file path=ppt/slides/slide2.xml><?xml version="1.0" encoding="utf-8"?>
 <p:sld xmlns:a="http://schemas.openxmlformats.org/drawingml/2006/main" xmlns:r="http://schemas.openxmlformats.org/officeDocument/2006/relationships" xmlns:p="http://schemas.openxmlformats.org/presentationml/2006/main">
   <p:cSld>
@@ -6153,7 +7888,7 @@
           <p:cNvPr id="2" name="Nadpis 1">
             <a:extLst>
               <a:ext uri="{FF2B5EF4-FFF2-40B4-BE49-F238E27FC236}">
-                <a16:creationId xmlns:a16="http://schemas.microsoft.com/office/drawing/2014/main" id="{34C66974-0CAF-902D-8D24-ED7988C473E7}"/>
+                <a16:creationId xmlns:a16="http://schemas.microsoft.com/office/drawing/2014/main" id="{C060388D-9734-0089-37B7-B5A35F87A37E}"/>
               </a:ext>
             </a:extLst>
           </p:cNvPr>
@@ -6170,52 +7905,9 @@
           <a:lstStyle/>
           <a:p>
             <a:r>
-              <a:rPr lang="en-US" dirty="0" err="1"/>
-              <a:t>Zdroje</a:t>
-            </a:r>
-            <a:endParaRPr lang="cs-CZ" dirty="0"/>
-          </a:p>
-        </p:txBody>
-      </p:sp>
-      <p:sp>
-        <p:nvSpPr>
-          <p:cNvPr id="3" name="Zástupný obsah 2">
-            <a:extLst>
-              <a:ext uri="{FF2B5EF4-FFF2-40B4-BE49-F238E27FC236}">
-                <a16:creationId xmlns:a16="http://schemas.microsoft.com/office/drawing/2014/main" id="{69094F4A-4641-23B5-0B6A-C0CCE3995E0F}"/>
-              </a:ext>
-            </a:extLst>
-          </p:cNvPr>
-          <p:cNvSpPr>
-            <a:spLocks noGrp="1"/>
-          </p:cNvSpPr>
-          <p:nvPr>
-            <p:ph idx="1"/>
-          </p:nvPr>
-        </p:nvSpPr>
-        <p:spPr/>
-        <p:txBody>
-          <a:bodyPr/>
-          <a:lstStyle/>
-          <a:p>
-            <a:r>
-              <a:rPr lang="en-US" dirty="0" err="1"/>
-              <a:t>Obr</a:t>
-            </a:r>
-            <a:r>
-              <a:rPr lang="en-US" dirty="0"/>
-              <a:t>. 1 - </a:t>
-            </a:r>
-            <a:r>
-              <a:rPr lang="en-US" dirty="0">
-                <a:hlinkClick r:id="rId2"/>
-              </a:rPr>
-              <a:t>https://salisburyhealthcarehistory.uk/wp-content/uploads/2016.475_patient_dcanner.jpg</a:t>
-            </a:r>
-            <a:endParaRPr lang="en-US" dirty="0"/>
-          </a:p>
-          <a:p>
-            <a:endParaRPr lang="cs-CZ" dirty="0"/>
+              <a:rPr lang="cs-CZ" dirty="0"/>
+              <a:t>Metodika</a:t>
+            </a:r>
           </a:p>
         </p:txBody>
       </p:sp>
@@ -6224,7 +7916,7 @@
           <p:cNvPr id="4" name="Zástupný symbol pro datum 3">
             <a:extLst>
               <a:ext uri="{FF2B5EF4-FFF2-40B4-BE49-F238E27FC236}">
-                <a16:creationId xmlns:a16="http://schemas.microsoft.com/office/drawing/2014/main" id="{AAAA4DC2-F549-812B-E49C-24FB610B8CEF}"/>
+                <a16:creationId xmlns:a16="http://schemas.microsoft.com/office/drawing/2014/main" id="{72E968E8-DA22-10A5-FA6B-1E3169FA105D}"/>
               </a:ext>
             </a:extLst>
           </p:cNvPr>
@@ -6252,7 +7944,7 @@
           <p:cNvPr id="5" name="Zástupný symbol pro zápatí 4">
             <a:extLst>
               <a:ext uri="{FF2B5EF4-FFF2-40B4-BE49-F238E27FC236}">
-                <a16:creationId xmlns:a16="http://schemas.microsoft.com/office/drawing/2014/main" id="{18180310-BA9E-3057-6185-5B3469DDD635}"/>
+                <a16:creationId xmlns:a16="http://schemas.microsoft.com/office/drawing/2014/main" id="{98446788-AFA0-1564-C50B-4B0AC4E042D6}"/>
               </a:ext>
             </a:extLst>
           </p:cNvPr>
@@ -6281,7 +7973,7 @@
           <p:cNvPr id="6" name="Zástupný symbol pro číslo snímku 5">
             <a:extLst>
               <a:ext uri="{FF2B5EF4-FFF2-40B4-BE49-F238E27FC236}">
-                <a16:creationId xmlns:a16="http://schemas.microsoft.com/office/drawing/2014/main" id="{FB60B863-9957-6F9A-6111-7728084952D5}"/>
+                <a16:creationId xmlns:a16="http://schemas.microsoft.com/office/drawing/2014/main" id="{0089854C-333F-54F6-9389-4BA620CA2C51}"/>
               </a:ext>
             </a:extLst>
           </p:cNvPr>
@@ -6305,10 +7997,759 @@
           </a:p>
         </p:txBody>
       </p:sp>
+      <p:pic>
+        <p:nvPicPr>
+          <p:cNvPr id="12" name="Zástupný obsah 11" descr="Obsah obrázku diagram, řada/pruh, snímek obrazovky, Plán&#10;&#10;Popis byl vytvořen automaticky">
+            <a:extLst>
+              <a:ext uri="{FF2B5EF4-FFF2-40B4-BE49-F238E27FC236}">
+                <a16:creationId xmlns:a16="http://schemas.microsoft.com/office/drawing/2014/main" id="{937E1A50-66C0-BF4B-F636-52A568576F74}"/>
+              </a:ext>
+            </a:extLst>
+          </p:cNvPr>
+          <p:cNvPicPr>
+            <a:picLocks noGrp="1" noChangeAspect="1"/>
+          </p:cNvPicPr>
+          <p:nvPr>
+            <p:ph idx="1"/>
+          </p:nvPr>
+        </p:nvPicPr>
+        <p:blipFill>
+          <a:blip r:embed="rId3">
+            <a:extLst>
+              <a:ext uri="{28A0092B-C50C-407E-A947-70E740481C1C}">
+                <a14:useLocalDpi xmlns:a14="http://schemas.microsoft.com/office/drawing/2010/main" val="0"/>
+              </a:ext>
+            </a:extLst>
+          </a:blip>
+          <a:stretch>
+            <a:fillRect/>
+          </a:stretch>
+        </p:blipFill>
+        <p:spPr>
+          <a:xfrm>
+            <a:off x="1517714" y="2544832"/>
+            <a:ext cx="9473939" cy="3575701"/>
+          </a:xfrm>
+        </p:spPr>
+      </p:pic>
+      <p:sp>
+        <p:nvSpPr>
+          <p:cNvPr id="13" name="Obdélník 12">
+            <a:extLst>
+              <a:ext uri="{FF2B5EF4-FFF2-40B4-BE49-F238E27FC236}">
+                <a16:creationId xmlns:a16="http://schemas.microsoft.com/office/drawing/2014/main" id="{5D4B8268-B173-53C7-FBE0-631369F28884}"/>
+              </a:ext>
+            </a:extLst>
+          </p:cNvPr>
+          <p:cNvSpPr/>
+          <p:nvPr/>
+        </p:nvSpPr>
+        <p:spPr>
+          <a:xfrm>
+            <a:off x="1136591" y="2271860"/>
+            <a:ext cx="4604333" cy="2658359"/>
+          </a:xfrm>
+          <a:prstGeom prst="rect">
+            <a:avLst/>
+          </a:prstGeom>
+          <a:noFill/>
+          <a:ln w="28575" cap="flat" cmpd="sng" algn="ctr">
+            <a:solidFill>
+              <a:schemeClr val="accent1"/>
+            </a:solidFill>
+            <a:prstDash val="solid"/>
+            <a:round/>
+            <a:headEnd type="none" w="med" len="med"/>
+            <a:tailEnd type="none" w="med" len="med"/>
+          </a:ln>
+        </p:spPr>
+        <p:style>
+          <a:lnRef idx="0">
+            <a:scrgbClr r="0" g="0" b="0"/>
+          </a:lnRef>
+          <a:fillRef idx="0">
+            <a:scrgbClr r="0" g="0" b="0"/>
+          </a:fillRef>
+          <a:effectRef idx="0">
+            <a:scrgbClr r="0" g="0" b="0"/>
+          </a:effectRef>
+          <a:fontRef idx="minor">
+            <a:schemeClr val="accent1"/>
+          </a:fontRef>
+        </p:style>
+        <p:txBody>
+          <a:bodyPr rtlCol="0" anchor="ctr"/>
+          <a:lstStyle/>
+          <a:p>
+            <a:pPr algn="ctr"/>
+            <a:endParaRPr lang="cs-CZ"/>
+          </a:p>
+        </p:txBody>
+      </p:sp>
+      <p:sp>
+        <p:nvSpPr>
+          <p:cNvPr id="14" name="Obdélník 13">
+            <a:extLst>
+              <a:ext uri="{FF2B5EF4-FFF2-40B4-BE49-F238E27FC236}">
+                <a16:creationId xmlns:a16="http://schemas.microsoft.com/office/drawing/2014/main" id="{D47EF4A2-1CA1-BB00-9B7C-815C6AB2CC5D}"/>
+              </a:ext>
+            </a:extLst>
+          </p:cNvPr>
+          <p:cNvSpPr/>
+          <p:nvPr/>
+        </p:nvSpPr>
+        <p:spPr>
+          <a:xfrm>
+            <a:off x="6045724" y="2254515"/>
+            <a:ext cx="5188333" cy="3950342"/>
+          </a:xfrm>
+          <a:prstGeom prst="rect">
+            <a:avLst/>
+          </a:prstGeom>
+          <a:noFill/>
+          <a:ln w="28575" cap="flat" cmpd="sng" algn="ctr">
+            <a:solidFill>
+              <a:schemeClr val="accent1"/>
+            </a:solidFill>
+            <a:prstDash val="solid"/>
+            <a:round/>
+            <a:headEnd type="none" w="med" len="med"/>
+            <a:tailEnd type="none" w="med" len="med"/>
+          </a:ln>
+        </p:spPr>
+        <p:style>
+          <a:lnRef idx="0">
+            <a:scrgbClr r="0" g="0" b="0"/>
+          </a:lnRef>
+          <a:fillRef idx="0">
+            <a:scrgbClr r="0" g="0" b="0"/>
+          </a:fillRef>
+          <a:effectRef idx="0">
+            <a:scrgbClr r="0" g="0" b="0"/>
+          </a:effectRef>
+          <a:fontRef idx="minor">
+            <a:schemeClr val="accent1"/>
+          </a:fontRef>
+        </p:style>
+        <p:txBody>
+          <a:bodyPr rtlCol="0" anchor="ctr"/>
+          <a:lstStyle/>
+          <a:p>
+            <a:pPr algn="ctr"/>
+            <a:endParaRPr lang="cs-CZ"/>
+          </a:p>
+        </p:txBody>
+      </p:sp>
+      <p:sp>
+        <p:nvSpPr>
+          <p:cNvPr id="15" name="TextovéPole 14">
+            <a:extLst>
+              <a:ext uri="{FF2B5EF4-FFF2-40B4-BE49-F238E27FC236}">
+                <a16:creationId xmlns:a16="http://schemas.microsoft.com/office/drawing/2014/main" id="{65161738-46D8-769C-498A-A583D316CE3B}"/>
+              </a:ext>
+            </a:extLst>
+          </p:cNvPr>
+          <p:cNvSpPr txBox="1"/>
+          <p:nvPr/>
+        </p:nvSpPr>
+        <p:spPr>
+          <a:xfrm>
+            <a:off x="7951432" y="1880413"/>
+            <a:ext cx="1318335" cy="369332"/>
+          </a:xfrm>
+          <a:prstGeom prst="rect">
+            <a:avLst/>
+          </a:prstGeom>
+          <a:noFill/>
+        </p:spPr>
+        <p:txBody>
+          <a:bodyPr wrap="square" rtlCol="0">
+            <a:spAutoFit/>
+          </a:bodyPr>
+          <a:lstStyle/>
+          <a:p>
+            <a:r>
+              <a:rPr lang="en-US" dirty="0"/>
+              <a:t>Moje </a:t>
+            </a:r>
+            <a:r>
+              <a:rPr lang="cs-CZ" dirty="0"/>
+              <a:t>práce</a:t>
+            </a:r>
+          </a:p>
+        </p:txBody>
+      </p:sp>
+      <p:sp>
+        <p:nvSpPr>
+          <p:cNvPr id="16" name="TextovéPole 15">
+            <a:extLst>
+              <a:ext uri="{FF2B5EF4-FFF2-40B4-BE49-F238E27FC236}">
+                <a16:creationId xmlns:a16="http://schemas.microsoft.com/office/drawing/2014/main" id="{D19A5135-6516-BE79-DABF-09B52B43FC06}"/>
+              </a:ext>
+            </a:extLst>
+          </p:cNvPr>
+          <p:cNvSpPr txBox="1"/>
+          <p:nvPr/>
+        </p:nvSpPr>
+        <p:spPr>
+          <a:xfrm>
+            <a:off x="2656216" y="1914543"/>
+            <a:ext cx="1924724" cy="400110"/>
+          </a:xfrm>
+          <a:prstGeom prst="rect">
+            <a:avLst/>
+          </a:prstGeom>
+          <a:noFill/>
+        </p:spPr>
+        <p:txBody>
+          <a:bodyPr wrap="square" rtlCol="0">
+            <a:spAutoFit/>
+          </a:bodyPr>
+          <a:lstStyle/>
+          <a:p>
+            <a:r>
+              <a:rPr lang="cs-CZ" sz="2000" dirty="0"/>
+              <a:t>Převzatá část</a:t>
+            </a:r>
+          </a:p>
+        </p:txBody>
+      </p:sp>
+      <p:sp>
+        <p:nvSpPr>
+          <p:cNvPr id="17" name="TextovéPole 16">
+            <a:extLst>
+              <a:ext uri="{FF2B5EF4-FFF2-40B4-BE49-F238E27FC236}">
+                <a16:creationId xmlns:a16="http://schemas.microsoft.com/office/drawing/2014/main" id="{789457C7-474B-17A1-E55E-1E853A9C08F4}"/>
+              </a:ext>
+            </a:extLst>
+          </p:cNvPr>
+          <p:cNvSpPr txBox="1"/>
+          <p:nvPr/>
+        </p:nvSpPr>
+        <p:spPr>
+          <a:xfrm>
+            <a:off x="1520795" y="5340710"/>
+            <a:ext cx="3835924" cy="369332"/>
+          </a:xfrm>
+          <a:prstGeom prst="rect">
+            <a:avLst/>
+          </a:prstGeom>
+          <a:noFill/>
+        </p:spPr>
+        <p:txBody>
+          <a:bodyPr wrap="square" rtlCol="0">
+            <a:spAutoFit/>
+          </a:bodyPr>
+          <a:lstStyle/>
+          <a:p>
+            <a:r>
+              <a:rPr lang="cs-CZ" dirty="0"/>
+              <a:t>Obr. 5 Komponent diagram soustavy</a:t>
+            </a:r>
+          </a:p>
+        </p:txBody>
+      </p:sp>
     </p:spTree>
     <p:extLst>
       <p:ext uri="{BB962C8B-B14F-4D97-AF65-F5344CB8AC3E}">
-        <p14:creationId xmlns:p14="http://schemas.microsoft.com/office/powerpoint/2010/main" val="1677117700"/>
+        <p14:creationId xmlns:p14="http://schemas.microsoft.com/office/powerpoint/2010/main" val="1235407753"/>
+      </p:ext>
+    </p:extLst>
+  </p:cSld>
+  <p:clrMapOvr>
+    <a:masterClrMapping/>
+  </p:clrMapOvr>
+  <p:extLst>
+    <p:ext uri="{6950BFC3-D8DA-4A85-94F7-54DA5524770B}">
+      <p188:commentRel xmlns:p188="http://schemas.microsoft.com/office/powerpoint/2018/8/main" r:id="rId2"/>
+    </p:ext>
+  </p:extLst>
+</p:sld>
+</file>
+
+<file path=ppt/slides/slide8.xml><?xml version="1.0" encoding="utf-8"?>
+<p:sld xmlns:a="http://schemas.openxmlformats.org/drawingml/2006/main" xmlns:r="http://schemas.openxmlformats.org/officeDocument/2006/relationships" xmlns:p="http://schemas.openxmlformats.org/presentationml/2006/main">
+  <p:cSld>
+    <p:spTree>
+      <p:nvGrpSpPr>
+        <p:cNvPr id="1" name=""/>
+        <p:cNvGrpSpPr/>
+        <p:nvPr/>
+      </p:nvGrpSpPr>
+      <p:grpSpPr>
+        <a:xfrm>
+          <a:off x="0" y="0"/>
+          <a:ext cx="0" cy="0"/>
+          <a:chOff x="0" y="0"/>
+          <a:chExt cx="0" cy="0"/>
+        </a:xfrm>
+      </p:grpSpPr>
+      <p:sp>
+        <p:nvSpPr>
+          <p:cNvPr id="2" name="Nadpis 1">
+            <a:extLst>
+              <a:ext uri="{FF2B5EF4-FFF2-40B4-BE49-F238E27FC236}">
+                <a16:creationId xmlns:a16="http://schemas.microsoft.com/office/drawing/2014/main" id="{F7C487D4-FB80-2C36-6759-BC64691A541F}"/>
+              </a:ext>
+            </a:extLst>
+          </p:cNvPr>
+          <p:cNvSpPr>
+            <a:spLocks noGrp="1"/>
+          </p:cNvSpPr>
+          <p:nvPr>
+            <p:ph type="title"/>
+          </p:nvPr>
+        </p:nvSpPr>
+        <p:spPr/>
+        <p:txBody>
+          <a:bodyPr/>
+          <a:lstStyle/>
+          <a:p>
+            <a:r>
+              <a:rPr lang="cs-CZ" dirty="0"/>
+              <a:t>Technické řešení</a:t>
+            </a:r>
+          </a:p>
+        </p:txBody>
+      </p:sp>
+      <p:sp>
+        <p:nvSpPr>
+          <p:cNvPr id="3" name="Zástupný obsah 2">
+            <a:extLst>
+              <a:ext uri="{FF2B5EF4-FFF2-40B4-BE49-F238E27FC236}">
+                <a16:creationId xmlns:a16="http://schemas.microsoft.com/office/drawing/2014/main" id="{852E47CB-D463-A081-73F8-7ED80A6B29FA}"/>
+              </a:ext>
+            </a:extLst>
+          </p:cNvPr>
+          <p:cNvSpPr>
+            <a:spLocks noGrp="1"/>
+          </p:cNvSpPr>
+          <p:nvPr>
+            <p:ph idx="1"/>
+          </p:nvPr>
+        </p:nvSpPr>
+        <p:spPr>
+          <a:xfrm>
+            <a:off x="1136591" y="2481943"/>
+            <a:ext cx="10647972" cy="3695020"/>
+          </a:xfrm>
+        </p:spPr>
+        <p:txBody>
+          <a:bodyPr/>
+          <a:lstStyle/>
+          <a:p>
+            <a:r>
+              <a:rPr lang="cs-CZ" dirty="0"/>
+              <a:t>Programovací jazyk Python</a:t>
+            </a:r>
+          </a:p>
+          <a:p>
+            <a:r>
+              <a:rPr lang="cs-CZ" dirty="0"/>
+              <a:t>Grafická knihovna Tkinter s uživatelskou nadstavbou </a:t>
+            </a:r>
+            <a:r>
+              <a:rPr lang="en-US" dirty="0"/>
+              <a:t>C</a:t>
+            </a:r>
+            <a:r>
+              <a:rPr lang="cs-CZ" dirty="0" err="1"/>
+              <a:t>ustom</a:t>
+            </a:r>
+            <a:r>
+              <a:rPr lang="en-US" dirty="0"/>
+              <a:t>T</a:t>
+            </a:r>
+            <a:r>
+              <a:rPr lang="cs-CZ" dirty="0" err="1"/>
+              <a:t>kiter</a:t>
+            </a:r>
+            <a:endParaRPr lang="en-US" dirty="0"/>
+          </a:p>
+          <a:p>
+            <a:r>
+              <a:rPr lang="cs-CZ" dirty="0"/>
+              <a:t>Databázová knihovna SQLite</a:t>
+            </a:r>
+          </a:p>
+          <a:p>
+            <a:r>
+              <a:rPr lang="cs-CZ" dirty="0"/>
+              <a:t>Další okna pomocí  metody </a:t>
+            </a:r>
+            <a:r>
+              <a:rPr lang="cs-CZ" dirty="0" err="1"/>
+              <a:t>CTkTopLevel</a:t>
+            </a:r>
+            <a:endParaRPr lang="cs-CZ" dirty="0"/>
+          </a:p>
+        </p:txBody>
+      </p:sp>
+      <p:sp>
+        <p:nvSpPr>
+          <p:cNvPr id="4" name="Zástupný symbol pro datum 3">
+            <a:extLst>
+              <a:ext uri="{FF2B5EF4-FFF2-40B4-BE49-F238E27FC236}">
+                <a16:creationId xmlns:a16="http://schemas.microsoft.com/office/drawing/2014/main" id="{A2E3BEE8-160F-35B1-4CD1-78E56B52B81E}"/>
+              </a:ext>
+            </a:extLst>
+          </p:cNvPr>
+          <p:cNvSpPr>
+            <a:spLocks noGrp="1"/>
+          </p:cNvSpPr>
+          <p:nvPr>
+            <p:ph type="dt" sz="half" idx="10"/>
+          </p:nvPr>
+        </p:nvSpPr>
+        <p:spPr/>
+        <p:txBody>
+          <a:bodyPr/>
+          <a:lstStyle/>
+          <a:p>
+            <a:r>
+              <a:rPr lang="cs-CZ"/>
+              <a:t>12.06.2024</a:t>
+            </a:r>
+          </a:p>
+        </p:txBody>
+      </p:sp>
+      <p:sp>
+        <p:nvSpPr>
+          <p:cNvPr id="5" name="Zástupný symbol pro zápatí 4">
+            <a:extLst>
+              <a:ext uri="{FF2B5EF4-FFF2-40B4-BE49-F238E27FC236}">
+                <a16:creationId xmlns:a16="http://schemas.microsoft.com/office/drawing/2014/main" id="{DF9093D4-0018-FC85-00D5-57E65B70ECCB}"/>
+              </a:ext>
+            </a:extLst>
+          </p:cNvPr>
+          <p:cNvSpPr>
+            <a:spLocks noGrp="1"/>
+          </p:cNvSpPr>
+          <p:nvPr>
+            <p:ph type="ftr" sz="quarter" idx="11"/>
+          </p:nvPr>
+        </p:nvSpPr>
+        <p:spPr/>
+        <p:txBody>
+          <a:bodyPr/>
+          <a:lstStyle/>
+          <a:p>
+            <a:r>
+              <a:rPr lang="en-US"/>
+              <a:t>Marek Darsa</a:t>
+            </a:r>
+            <a:endParaRPr lang="en-US" dirty="0"/>
+          </a:p>
+        </p:txBody>
+      </p:sp>
+      <p:sp>
+        <p:nvSpPr>
+          <p:cNvPr id="6" name="Zástupný symbol pro číslo snímku 5">
+            <a:extLst>
+              <a:ext uri="{FF2B5EF4-FFF2-40B4-BE49-F238E27FC236}">
+                <a16:creationId xmlns:a16="http://schemas.microsoft.com/office/drawing/2014/main" id="{CA2207AA-9E55-5204-5A5F-CEA2EA73AFDD}"/>
+              </a:ext>
+            </a:extLst>
+          </p:cNvPr>
+          <p:cNvSpPr>
+            <a:spLocks noGrp="1"/>
+          </p:cNvSpPr>
+          <p:nvPr>
+            <p:ph type="sldNum" sz="quarter" idx="12"/>
+          </p:nvPr>
+        </p:nvSpPr>
+        <p:spPr/>
+        <p:txBody>
+          <a:bodyPr/>
+          <a:lstStyle/>
+          <a:p>
+            <a:fld id="{34496689-AAC1-49FF-8CFC-AFE655D342DD}" type="slidenum">
+              <a:rPr lang="cs-CZ" smtClean="0"/>
+              <a:t>8</a:t>
+            </a:fld>
+            <a:endParaRPr lang="cs-CZ"/>
+          </a:p>
+        </p:txBody>
+      </p:sp>
+    </p:spTree>
+    <p:extLst>
+      <p:ext uri="{BB962C8B-B14F-4D97-AF65-F5344CB8AC3E}">
+        <p14:creationId xmlns:p14="http://schemas.microsoft.com/office/powerpoint/2010/main" val="2096117537"/>
+      </p:ext>
+    </p:extLst>
+  </p:cSld>
+  <p:clrMapOvr>
+    <a:masterClrMapping/>
+  </p:clrMapOvr>
+</p:sld>
+</file>
+
+<file path=ppt/slides/slide9.xml><?xml version="1.0" encoding="utf-8"?>
+<p:sld xmlns:a="http://schemas.openxmlformats.org/drawingml/2006/main" xmlns:r="http://schemas.openxmlformats.org/officeDocument/2006/relationships" xmlns:p="http://schemas.openxmlformats.org/presentationml/2006/main">
+  <p:cSld>
+    <p:spTree>
+      <p:nvGrpSpPr>
+        <p:cNvPr id="1" name=""/>
+        <p:cNvGrpSpPr/>
+        <p:nvPr/>
+      </p:nvGrpSpPr>
+      <p:grpSpPr>
+        <a:xfrm>
+          <a:off x="0" y="0"/>
+          <a:ext cx="0" cy="0"/>
+          <a:chOff x="0" y="0"/>
+          <a:chExt cx="0" cy="0"/>
+        </a:xfrm>
+      </p:grpSpPr>
+      <p:sp>
+        <p:nvSpPr>
+          <p:cNvPr id="4" name="Zástupný symbol pro datum 3">
+            <a:extLst>
+              <a:ext uri="{FF2B5EF4-FFF2-40B4-BE49-F238E27FC236}">
+                <a16:creationId xmlns:a16="http://schemas.microsoft.com/office/drawing/2014/main" id="{3EB96061-11E2-929E-1B23-F436FF1E07CB}"/>
+              </a:ext>
+            </a:extLst>
+          </p:cNvPr>
+          <p:cNvSpPr>
+            <a:spLocks noGrp="1"/>
+          </p:cNvSpPr>
+          <p:nvPr>
+            <p:ph type="dt" sz="half" idx="10"/>
+          </p:nvPr>
+        </p:nvSpPr>
+        <p:spPr/>
+        <p:txBody>
+          <a:bodyPr/>
+          <a:lstStyle/>
+          <a:p>
+            <a:r>
+              <a:rPr lang="cs-CZ"/>
+              <a:t>12.06.2024</a:t>
+            </a:r>
+          </a:p>
+        </p:txBody>
+      </p:sp>
+      <p:sp>
+        <p:nvSpPr>
+          <p:cNvPr id="5" name="Zástupný symbol pro zápatí 4">
+            <a:extLst>
+              <a:ext uri="{FF2B5EF4-FFF2-40B4-BE49-F238E27FC236}">
+                <a16:creationId xmlns:a16="http://schemas.microsoft.com/office/drawing/2014/main" id="{A6EEC864-3817-58E5-B366-B04D3446A32E}"/>
+              </a:ext>
+            </a:extLst>
+          </p:cNvPr>
+          <p:cNvSpPr>
+            <a:spLocks noGrp="1"/>
+          </p:cNvSpPr>
+          <p:nvPr>
+            <p:ph type="ftr" sz="quarter" idx="11"/>
+          </p:nvPr>
+        </p:nvSpPr>
+        <p:spPr/>
+        <p:txBody>
+          <a:bodyPr/>
+          <a:lstStyle/>
+          <a:p>
+            <a:r>
+              <a:rPr lang="en-US"/>
+              <a:t>Marek Darsa</a:t>
+            </a:r>
+            <a:endParaRPr lang="en-US" dirty="0"/>
+          </a:p>
+        </p:txBody>
+      </p:sp>
+      <p:sp>
+        <p:nvSpPr>
+          <p:cNvPr id="6" name="Zástupný symbol pro číslo snímku 5">
+            <a:extLst>
+              <a:ext uri="{FF2B5EF4-FFF2-40B4-BE49-F238E27FC236}">
+                <a16:creationId xmlns:a16="http://schemas.microsoft.com/office/drawing/2014/main" id="{E8E5B0DB-4CB0-5905-FFC0-07F8F40DEEAE}"/>
+              </a:ext>
+            </a:extLst>
+          </p:cNvPr>
+          <p:cNvSpPr>
+            <a:spLocks noGrp="1"/>
+          </p:cNvSpPr>
+          <p:nvPr>
+            <p:ph type="sldNum" sz="quarter" idx="12"/>
+          </p:nvPr>
+        </p:nvSpPr>
+        <p:spPr/>
+        <p:txBody>
+          <a:bodyPr/>
+          <a:lstStyle/>
+          <a:p>
+            <a:fld id="{34496689-AAC1-49FF-8CFC-AFE655D342DD}" type="slidenum">
+              <a:rPr lang="cs-CZ" smtClean="0"/>
+              <a:t>9</a:t>
+            </a:fld>
+            <a:endParaRPr lang="cs-CZ"/>
+          </a:p>
+        </p:txBody>
+      </p:sp>
+      <p:pic>
+        <p:nvPicPr>
+          <p:cNvPr id="7" name="Zástupný obsah 5" descr="Obsah obrázku text, snímek obrazovky, software&#10;&#10;Popis byl vytvořen automaticky">
+            <a:extLst>
+              <a:ext uri="{FF2B5EF4-FFF2-40B4-BE49-F238E27FC236}">
+                <a16:creationId xmlns:a16="http://schemas.microsoft.com/office/drawing/2014/main" id="{D791B4FD-B73D-B41A-15ED-24076390F863}"/>
+              </a:ext>
+            </a:extLst>
+          </p:cNvPr>
+          <p:cNvPicPr>
+            <a:picLocks noGrp="1" noChangeAspect="1"/>
+          </p:cNvPicPr>
+          <p:nvPr>
+            <p:ph idx="1"/>
+          </p:nvPr>
+        </p:nvPicPr>
+        <p:blipFill>
+          <a:blip r:embed="rId2">
+            <a:extLst>
+              <a:ext uri="{28A0092B-C50C-407E-A947-70E740481C1C}">
+                <a14:useLocalDpi xmlns:a14="http://schemas.microsoft.com/office/drawing/2010/main" val="0"/>
+              </a:ext>
+            </a:extLst>
+          </a:blip>
+          <a:stretch>
+            <a:fillRect/>
+          </a:stretch>
+        </p:blipFill>
+        <p:spPr>
+          <a:xfrm>
+            <a:off x="285651" y="1492898"/>
+            <a:ext cx="5591821" cy="3384523"/>
+          </a:xfrm>
+        </p:spPr>
+      </p:pic>
+      <p:pic>
+        <p:nvPicPr>
+          <p:cNvPr id="8" name="Zástupný obsah 7" descr="Obsah obrázku text, snímek obrazovky, software, Multimediální software&#10;&#10;Popis byl vytvořen automaticky">
+            <a:extLst>
+              <a:ext uri="{FF2B5EF4-FFF2-40B4-BE49-F238E27FC236}">
+                <a16:creationId xmlns:a16="http://schemas.microsoft.com/office/drawing/2014/main" id="{72AB24DD-D0B8-AE71-2F9C-C7B2C8A0795E}"/>
+              </a:ext>
+            </a:extLst>
+          </p:cNvPr>
+          <p:cNvPicPr>
+            <a:picLocks noChangeAspect="1"/>
+          </p:cNvPicPr>
+          <p:nvPr/>
+        </p:nvPicPr>
+        <p:blipFill>
+          <a:blip r:embed="rId3">
+            <a:extLst>
+              <a:ext uri="{28A0092B-C50C-407E-A947-70E740481C1C}">
+                <a14:useLocalDpi xmlns:a14="http://schemas.microsoft.com/office/drawing/2010/main" val="0"/>
+              </a:ext>
+            </a:extLst>
+          </a:blip>
+          <a:stretch>
+            <a:fillRect/>
+          </a:stretch>
+        </p:blipFill>
+        <p:spPr>
+          <a:xfrm>
+            <a:off x="6221846" y="1492897"/>
+            <a:ext cx="5683624" cy="3384000"/>
+          </a:xfrm>
+          <a:prstGeom prst="rect">
+            <a:avLst/>
+          </a:prstGeom>
+        </p:spPr>
+      </p:pic>
+      <p:sp>
+        <p:nvSpPr>
+          <p:cNvPr id="9" name="TextovéPole 8">
+            <a:extLst>
+              <a:ext uri="{FF2B5EF4-FFF2-40B4-BE49-F238E27FC236}">
+                <a16:creationId xmlns:a16="http://schemas.microsoft.com/office/drawing/2014/main" id="{4264FBF3-81DB-524F-43F8-D9595D6E2122}"/>
+              </a:ext>
+            </a:extLst>
+          </p:cNvPr>
+          <p:cNvSpPr txBox="1"/>
+          <p:nvPr/>
+        </p:nvSpPr>
+        <p:spPr>
+          <a:xfrm>
+            <a:off x="1182004" y="4992757"/>
+            <a:ext cx="3799114" cy="369332"/>
+          </a:xfrm>
+          <a:prstGeom prst="rect">
+            <a:avLst/>
+          </a:prstGeom>
+          <a:noFill/>
+        </p:spPr>
+        <p:txBody>
+          <a:bodyPr wrap="square" rtlCol="0">
+            <a:spAutoFit/>
+          </a:bodyPr>
+          <a:lstStyle/>
+          <a:p>
+            <a:r>
+              <a:rPr lang="cs-CZ" dirty="0"/>
+              <a:t>Obr. 6 Přihlašovací okno </a:t>
+            </a:r>
+            <a:r>
+              <a:rPr lang="en-US" dirty="0"/>
+              <a:t>– light mode </a:t>
+            </a:r>
+            <a:endParaRPr lang="cs-CZ" dirty="0"/>
+          </a:p>
+        </p:txBody>
+      </p:sp>
+      <p:sp>
+        <p:nvSpPr>
+          <p:cNvPr id="12" name="TextovéPole 11">
+            <a:extLst>
+              <a:ext uri="{FF2B5EF4-FFF2-40B4-BE49-F238E27FC236}">
+                <a16:creationId xmlns:a16="http://schemas.microsoft.com/office/drawing/2014/main" id="{FF8B6D7B-3E86-18D8-FF72-9EDF27A331DC}"/>
+              </a:ext>
+            </a:extLst>
+          </p:cNvPr>
+          <p:cNvSpPr txBox="1"/>
+          <p:nvPr/>
+        </p:nvSpPr>
+        <p:spPr>
+          <a:xfrm>
+            <a:off x="7121985" y="4995771"/>
+            <a:ext cx="3883345" cy="369332"/>
+          </a:xfrm>
+          <a:prstGeom prst="rect">
+            <a:avLst/>
+          </a:prstGeom>
+          <a:noFill/>
+        </p:spPr>
+        <p:txBody>
+          <a:bodyPr wrap="square" rtlCol="0">
+            <a:spAutoFit/>
+          </a:bodyPr>
+          <a:lstStyle/>
+          <a:p>
+            <a:r>
+              <a:rPr lang="cs-CZ" dirty="0"/>
+              <a:t>Obr. </a:t>
+            </a:r>
+            <a:r>
+              <a:rPr lang="en-US" dirty="0"/>
+              <a:t>7</a:t>
+            </a:r>
+            <a:r>
+              <a:rPr lang="cs-CZ" dirty="0"/>
+              <a:t> Přihlašovací okno </a:t>
+            </a:r>
+            <a:r>
+              <a:rPr lang="en-US" dirty="0"/>
+              <a:t>– Dark mode </a:t>
+            </a:r>
+            <a:endParaRPr lang="cs-CZ" dirty="0"/>
+          </a:p>
+        </p:txBody>
+      </p:sp>
+    </p:spTree>
+    <p:extLst>
+      <p:ext uri="{BB962C8B-B14F-4D97-AF65-F5344CB8AC3E}">
+        <p14:creationId xmlns:p14="http://schemas.microsoft.com/office/powerpoint/2010/main" val="334165956"/>
       </p:ext>
     </p:extLst>
   </p:cSld>

--- a/N_Obhajoba_darsamar.pptx
+++ b/N_Obhajoba_darsamar.pptx
@@ -597,6 +597,446 @@
       </p:grpSpPr>
       <p:sp>
         <p:nvSpPr>
+          <p:cNvPr id="2" name="Slide Image Placeholder 1"/>
+          <p:cNvSpPr>
+            <a:spLocks noGrp="1" noRot="1" noChangeAspect="1"/>
+          </p:cNvSpPr>
+          <p:nvPr>
+            <p:ph type="sldImg"/>
+          </p:nvPr>
+        </p:nvSpPr>
+        <p:spPr/>
+      </p:sp>
+      <p:sp>
+        <p:nvSpPr>
+          <p:cNvPr id="3" name="Notes Placeholder 2"/>
+          <p:cNvSpPr>
+            <a:spLocks noGrp="1"/>
+          </p:cNvSpPr>
+          <p:nvPr>
+            <p:ph type="body" idx="1"/>
+          </p:nvPr>
+        </p:nvSpPr>
+        <p:spPr/>
+        <p:txBody>
+          <a:bodyPr/>
+          <a:lstStyle/>
+          <a:p>
+            <a:r>
+              <a:rPr lang="en-US" dirty="0"/>
+              <a:t>0-0:20</a:t>
+            </a:r>
+            <a:endParaRPr lang="cs-CZ" dirty="0"/>
+          </a:p>
+        </p:txBody>
+      </p:sp>
+      <p:sp>
+        <p:nvSpPr>
+          <p:cNvPr id="4" name="Slide Number Placeholder 3"/>
+          <p:cNvSpPr>
+            <a:spLocks noGrp="1"/>
+          </p:cNvSpPr>
+          <p:nvPr>
+            <p:ph type="sldNum" sz="quarter" idx="5"/>
+          </p:nvPr>
+        </p:nvSpPr>
+        <p:spPr/>
+        <p:txBody>
+          <a:bodyPr/>
+          <a:lstStyle/>
+          <a:p>
+            <a:fld id="{B1477A6B-1536-4F7E-8CD5-4930B8A7F513}" type="slidenum">
+              <a:rPr lang="cs-CZ" smtClean="0"/>
+              <a:t>1</a:t>
+            </a:fld>
+            <a:endParaRPr lang="cs-CZ"/>
+          </a:p>
+        </p:txBody>
+      </p:sp>
+    </p:spTree>
+    <p:extLst>
+      <p:ext uri="{BB962C8B-B14F-4D97-AF65-F5344CB8AC3E}">
+        <p14:creationId xmlns:p14="http://schemas.microsoft.com/office/powerpoint/2010/main" val="439072843"/>
+      </p:ext>
+    </p:extLst>
+  </p:cSld>
+  <p:clrMapOvr>
+    <a:masterClrMapping/>
+  </p:clrMapOvr>
+</p:notes>
+</file>
+
+<file path=ppt/notesSlides/notesSlide10.xml><?xml version="1.0" encoding="utf-8"?>
+<p:notes xmlns:a="http://schemas.openxmlformats.org/drawingml/2006/main" xmlns:r="http://schemas.openxmlformats.org/officeDocument/2006/relationships" xmlns:p="http://schemas.openxmlformats.org/presentationml/2006/main">
+  <p:cSld>
+    <p:spTree>
+      <p:nvGrpSpPr>
+        <p:cNvPr id="1" name=""/>
+        <p:cNvGrpSpPr/>
+        <p:nvPr/>
+      </p:nvGrpSpPr>
+      <p:grpSpPr>
+        <a:xfrm>
+          <a:off x="0" y="0"/>
+          <a:ext cx="0" cy="0"/>
+          <a:chOff x="0" y="0"/>
+          <a:chExt cx="0" cy="0"/>
+        </a:xfrm>
+      </p:grpSpPr>
+      <p:sp>
+        <p:nvSpPr>
+          <p:cNvPr id="2" name="Slide Image Placeholder 1"/>
+          <p:cNvSpPr>
+            <a:spLocks noGrp="1" noRot="1" noChangeAspect="1"/>
+          </p:cNvSpPr>
+          <p:nvPr>
+            <p:ph type="sldImg"/>
+          </p:nvPr>
+        </p:nvSpPr>
+        <p:spPr/>
+      </p:sp>
+      <p:sp>
+        <p:nvSpPr>
+          <p:cNvPr id="3" name="Notes Placeholder 2"/>
+          <p:cNvSpPr>
+            <a:spLocks noGrp="1"/>
+          </p:cNvSpPr>
+          <p:nvPr>
+            <p:ph type="body" idx="1"/>
+          </p:nvPr>
+        </p:nvSpPr>
+        <p:spPr/>
+        <p:txBody>
+          <a:bodyPr/>
+          <a:lstStyle/>
+          <a:p>
+            <a:r>
+              <a:rPr lang="en-US" dirty="0"/>
+              <a:t>6:30-7:30</a:t>
+            </a:r>
+            <a:endParaRPr lang="cs-CZ" dirty="0"/>
+          </a:p>
+        </p:txBody>
+      </p:sp>
+      <p:sp>
+        <p:nvSpPr>
+          <p:cNvPr id="4" name="Slide Number Placeholder 3"/>
+          <p:cNvSpPr>
+            <a:spLocks noGrp="1"/>
+          </p:cNvSpPr>
+          <p:nvPr>
+            <p:ph type="sldNum" sz="quarter" idx="5"/>
+          </p:nvPr>
+        </p:nvSpPr>
+        <p:spPr/>
+        <p:txBody>
+          <a:bodyPr/>
+          <a:lstStyle/>
+          <a:p>
+            <a:fld id="{B1477A6B-1536-4F7E-8CD5-4930B8A7F513}" type="slidenum">
+              <a:rPr lang="cs-CZ" smtClean="0"/>
+              <a:t>12</a:t>
+            </a:fld>
+            <a:endParaRPr lang="cs-CZ"/>
+          </a:p>
+        </p:txBody>
+      </p:sp>
+    </p:spTree>
+    <p:extLst>
+      <p:ext uri="{BB962C8B-B14F-4D97-AF65-F5344CB8AC3E}">
+        <p14:creationId xmlns:p14="http://schemas.microsoft.com/office/powerpoint/2010/main" val="2396590842"/>
+      </p:ext>
+    </p:extLst>
+  </p:cSld>
+  <p:clrMapOvr>
+    <a:masterClrMapping/>
+  </p:clrMapOvr>
+</p:notes>
+</file>
+
+<file path=ppt/notesSlides/notesSlide11.xml><?xml version="1.0" encoding="utf-8"?>
+<p:notes xmlns:a="http://schemas.openxmlformats.org/drawingml/2006/main" xmlns:r="http://schemas.openxmlformats.org/officeDocument/2006/relationships" xmlns:p="http://schemas.openxmlformats.org/presentationml/2006/main">
+  <p:cSld>
+    <p:spTree>
+      <p:nvGrpSpPr>
+        <p:cNvPr id="1" name=""/>
+        <p:cNvGrpSpPr/>
+        <p:nvPr/>
+      </p:nvGrpSpPr>
+      <p:grpSpPr>
+        <a:xfrm>
+          <a:off x="0" y="0"/>
+          <a:ext cx="0" cy="0"/>
+          <a:chOff x="0" y="0"/>
+          <a:chExt cx="0" cy="0"/>
+        </a:xfrm>
+      </p:grpSpPr>
+      <p:sp>
+        <p:nvSpPr>
+          <p:cNvPr id="2" name="Slide Image Placeholder 1"/>
+          <p:cNvSpPr>
+            <a:spLocks noGrp="1" noRot="1" noChangeAspect="1"/>
+          </p:cNvSpPr>
+          <p:nvPr>
+            <p:ph type="sldImg"/>
+          </p:nvPr>
+        </p:nvSpPr>
+        <p:spPr/>
+      </p:sp>
+      <p:sp>
+        <p:nvSpPr>
+          <p:cNvPr id="3" name="Notes Placeholder 2"/>
+          <p:cNvSpPr>
+            <a:spLocks noGrp="1"/>
+          </p:cNvSpPr>
+          <p:nvPr>
+            <p:ph type="body" idx="1"/>
+          </p:nvPr>
+        </p:nvSpPr>
+        <p:spPr/>
+        <p:txBody>
+          <a:bodyPr/>
+          <a:lstStyle/>
+          <a:p>
+            <a:r>
+              <a:rPr lang="en-US" dirty="0"/>
+              <a:t>7:30-8:30</a:t>
+            </a:r>
+            <a:endParaRPr lang="cs-CZ" dirty="0"/>
+          </a:p>
+        </p:txBody>
+      </p:sp>
+      <p:sp>
+        <p:nvSpPr>
+          <p:cNvPr id="4" name="Slide Number Placeholder 3"/>
+          <p:cNvSpPr>
+            <a:spLocks noGrp="1"/>
+          </p:cNvSpPr>
+          <p:nvPr>
+            <p:ph type="sldNum" sz="quarter" idx="5"/>
+          </p:nvPr>
+        </p:nvSpPr>
+        <p:spPr/>
+        <p:txBody>
+          <a:bodyPr/>
+          <a:lstStyle/>
+          <a:p>
+            <a:fld id="{B1477A6B-1536-4F7E-8CD5-4930B8A7F513}" type="slidenum">
+              <a:rPr lang="cs-CZ" smtClean="0"/>
+              <a:t>14</a:t>
+            </a:fld>
+            <a:endParaRPr lang="cs-CZ"/>
+          </a:p>
+        </p:txBody>
+      </p:sp>
+    </p:spTree>
+    <p:extLst>
+      <p:ext uri="{BB962C8B-B14F-4D97-AF65-F5344CB8AC3E}">
+        <p14:creationId xmlns:p14="http://schemas.microsoft.com/office/powerpoint/2010/main" val="3616449572"/>
+      </p:ext>
+    </p:extLst>
+  </p:cSld>
+  <p:clrMapOvr>
+    <a:masterClrMapping/>
+  </p:clrMapOvr>
+</p:notes>
+</file>
+
+<file path=ppt/notesSlides/notesSlide12.xml><?xml version="1.0" encoding="utf-8"?>
+<p:notes xmlns:a="http://schemas.openxmlformats.org/drawingml/2006/main" xmlns:r="http://schemas.openxmlformats.org/officeDocument/2006/relationships" xmlns:p="http://schemas.openxmlformats.org/presentationml/2006/main">
+  <p:cSld>
+    <p:spTree>
+      <p:nvGrpSpPr>
+        <p:cNvPr id="1" name=""/>
+        <p:cNvGrpSpPr/>
+        <p:nvPr/>
+      </p:nvGrpSpPr>
+      <p:grpSpPr>
+        <a:xfrm>
+          <a:off x="0" y="0"/>
+          <a:ext cx="0" cy="0"/>
+          <a:chOff x="0" y="0"/>
+          <a:chExt cx="0" cy="0"/>
+        </a:xfrm>
+      </p:grpSpPr>
+      <p:sp>
+        <p:nvSpPr>
+          <p:cNvPr id="2" name="Slide Image Placeholder 1"/>
+          <p:cNvSpPr>
+            <a:spLocks noGrp="1" noRot="1" noChangeAspect="1"/>
+          </p:cNvSpPr>
+          <p:nvPr>
+            <p:ph type="sldImg"/>
+          </p:nvPr>
+        </p:nvSpPr>
+        <p:spPr/>
+      </p:sp>
+      <p:sp>
+        <p:nvSpPr>
+          <p:cNvPr id="3" name="Notes Placeholder 2"/>
+          <p:cNvSpPr>
+            <a:spLocks noGrp="1"/>
+          </p:cNvSpPr>
+          <p:nvPr>
+            <p:ph type="body" idx="1"/>
+          </p:nvPr>
+        </p:nvSpPr>
+        <p:spPr/>
+        <p:txBody>
+          <a:bodyPr/>
+          <a:lstStyle/>
+          <a:p>
+            <a:r>
+              <a:rPr lang="en-US" dirty="0"/>
+              <a:t>8:30-9:30</a:t>
+            </a:r>
+            <a:endParaRPr lang="cs-CZ" dirty="0"/>
+          </a:p>
+        </p:txBody>
+      </p:sp>
+      <p:sp>
+        <p:nvSpPr>
+          <p:cNvPr id="4" name="Slide Number Placeholder 3"/>
+          <p:cNvSpPr>
+            <a:spLocks noGrp="1"/>
+          </p:cNvSpPr>
+          <p:nvPr>
+            <p:ph type="sldNum" sz="quarter" idx="5"/>
+          </p:nvPr>
+        </p:nvSpPr>
+        <p:spPr/>
+        <p:txBody>
+          <a:bodyPr/>
+          <a:lstStyle/>
+          <a:p>
+            <a:fld id="{B1477A6B-1536-4F7E-8CD5-4930B8A7F513}" type="slidenum">
+              <a:rPr lang="cs-CZ" smtClean="0"/>
+              <a:t>15</a:t>
+            </a:fld>
+            <a:endParaRPr lang="cs-CZ"/>
+          </a:p>
+        </p:txBody>
+      </p:sp>
+    </p:spTree>
+    <p:extLst>
+      <p:ext uri="{BB962C8B-B14F-4D97-AF65-F5344CB8AC3E}">
+        <p14:creationId xmlns:p14="http://schemas.microsoft.com/office/powerpoint/2010/main" val="617848087"/>
+      </p:ext>
+    </p:extLst>
+  </p:cSld>
+  <p:clrMapOvr>
+    <a:masterClrMapping/>
+  </p:clrMapOvr>
+</p:notes>
+</file>
+
+<file path=ppt/notesSlides/notesSlide13.xml><?xml version="1.0" encoding="utf-8"?>
+<p:notes xmlns:a="http://schemas.openxmlformats.org/drawingml/2006/main" xmlns:r="http://schemas.openxmlformats.org/officeDocument/2006/relationships" xmlns:p="http://schemas.openxmlformats.org/presentationml/2006/main">
+  <p:cSld>
+    <p:spTree>
+      <p:nvGrpSpPr>
+        <p:cNvPr id="1" name=""/>
+        <p:cNvGrpSpPr/>
+        <p:nvPr/>
+      </p:nvGrpSpPr>
+      <p:grpSpPr>
+        <a:xfrm>
+          <a:off x="0" y="0"/>
+          <a:ext cx="0" cy="0"/>
+          <a:chOff x="0" y="0"/>
+          <a:chExt cx="0" cy="0"/>
+        </a:xfrm>
+      </p:grpSpPr>
+      <p:sp>
+        <p:nvSpPr>
+          <p:cNvPr id="2" name="Slide Image Placeholder 1"/>
+          <p:cNvSpPr>
+            <a:spLocks noGrp="1" noRot="1" noChangeAspect="1"/>
+          </p:cNvSpPr>
+          <p:nvPr>
+            <p:ph type="sldImg"/>
+          </p:nvPr>
+        </p:nvSpPr>
+        <p:spPr/>
+      </p:sp>
+      <p:sp>
+        <p:nvSpPr>
+          <p:cNvPr id="3" name="Notes Placeholder 2"/>
+          <p:cNvSpPr>
+            <a:spLocks noGrp="1"/>
+          </p:cNvSpPr>
+          <p:nvPr>
+            <p:ph type="body" idx="1"/>
+          </p:nvPr>
+        </p:nvSpPr>
+        <p:spPr/>
+        <p:txBody>
+          <a:bodyPr/>
+          <a:lstStyle/>
+          <a:p>
+            <a:r>
+              <a:rPr lang="en-US" dirty="0"/>
+              <a:t>9:30-10:00</a:t>
+            </a:r>
+            <a:endParaRPr lang="cs-CZ" dirty="0"/>
+          </a:p>
+        </p:txBody>
+      </p:sp>
+      <p:sp>
+        <p:nvSpPr>
+          <p:cNvPr id="4" name="Slide Number Placeholder 3"/>
+          <p:cNvSpPr>
+            <a:spLocks noGrp="1"/>
+          </p:cNvSpPr>
+          <p:nvPr>
+            <p:ph type="sldNum" sz="quarter" idx="5"/>
+          </p:nvPr>
+        </p:nvSpPr>
+        <p:spPr/>
+        <p:txBody>
+          <a:bodyPr/>
+          <a:lstStyle/>
+          <a:p>
+            <a:fld id="{B1477A6B-1536-4F7E-8CD5-4930B8A7F513}" type="slidenum">
+              <a:rPr lang="cs-CZ" smtClean="0"/>
+              <a:t>16</a:t>
+            </a:fld>
+            <a:endParaRPr lang="cs-CZ"/>
+          </a:p>
+        </p:txBody>
+      </p:sp>
+    </p:spTree>
+    <p:extLst>
+      <p:ext uri="{BB962C8B-B14F-4D97-AF65-F5344CB8AC3E}">
+        <p14:creationId xmlns:p14="http://schemas.microsoft.com/office/powerpoint/2010/main" val="1161814765"/>
+      </p:ext>
+    </p:extLst>
+  </p:cSld>
+  <p:clrMapOvr>
+    <a:masterClrMapping/>
+  </p:clrMapOvr>
+</p:notes>
+</file>
+
+<file path=ppt/notesSlides/notesSlide2.xml><?xml version="1.0" encoding="utf-8"?>
+<p:notes xmlns:a="http://schemas.openxmlformats.org/drawingml/2006/main" xmlns:r="http://schemas.openxmlformats.org/officeDocument/2006/relationships" xmlns:p="http://schemas.openxmlformats.org/presentationml/2006/main">
+  <p:cSld>
+    <p:spTree>
+      <p:nvGrpSpPr>
+        <p:cNvPr id="1" name=""/>
+        <p:cNvGrpSpPr/>
+        <p:nvPr/>
+      </p:nvGrpSpPr>
+      <p:grpSpPr>
+        <a:xfrm>
+          <a:off x="0" y="0"/>
+          <a:ext cx="0" cy="0"/>
+          <a:chOff x="0" y="0"/>
+          <a:chExt cx="0" cy="0"/>
+        </a:xfrm>
+      </p:grpSpPr>
+      <p:sp>
+        <p:nvSpPr>
           <p:cNvPr id="2" name="Zástupný symbol pro obrázek snímku 1"/>
           <p:cNvSpPr>
             <a:spLocks noGrp="1" noRot="1" noChangeAspect="1"/>
@@ -622,7 +1062,11 @@
           <a:bodyPr/>
           <a:lstStyle/>
           <a:p>
-            <a:endParaRPr lang="cs-CZ"/>
+            <a:r>
+              <a:rPr lang="en-US" dirty="0"/>
+              <a:t>0:20-1</a:t>
+            </a:r>
+            <a:endParaRPr lang="cs-CZ" dirty="0"/>
           </a:p>
         </p:txBody>
       </p:sp>
@@ -653,6 +1097,622 @@
     <p:extLst>
       <p:ext uri="{BB962C8B-B14F-4D97-AF65-F5344CB8AC3E}">
         <p14:creationId xmlns:p14="http://schemas.microsoft.com/office/powerpoint/2010/main" val="3440286525"/>
+      </p:ext>
+    </p:extLst>
+  </p:cSld>
+  <p:clrMapOvr>
+    <a:masterClrMapping/>
+  </p:clrMapOvr>
+</p:notes>
+</file>
+
+<file path=ppt/notesSlides/notesSlide3.xml><?xml version="1.0" encoding="utf-8"?>
+<p:notes xmlns:a="http://schemas.openxmlformats.org/drawingml/2006/main" xmlns:r="http://schemas.openxmlformats.org/officeDocument/2006/relationships" xmlns:p="http://schemas.openxmlformats.org/presentationml/2006/main">
+  <p:cSld>
+    <p:spTree>
+      <p:nvGrpSpPr>
+        <p:cNvPr id="1" name=""/>
+        <p:cNvGrpSpPr/>
+        <p:nvPr/>
+      </p:nvGrpSpPr>
+      <p:grpSpPr>
+        <a:xfrm>
+          <a:off x="0" y="0"/>
+          <a:ext cx="0" cy="0"/>
+          <a:chOff x="0" y="0"/>
+          <a:chExt cx="0" cy="0"/>
+        </a:xfrm>
+      </p:grpSpPr>
+      <p:sp>
+        <p:nvSpPr>
+          <p:cNvPr id="2" name="Slide Image Placeholder 1"/>
+          <p:cNvSpPr>
+            <a:spLocks noGrp="1" noRot="1" noChangeAspect="1"/>
+          </p:cNvSpPr>
+          <p:nvPr>
+            <p:ph type="sldImg"/>
+          </p:nvPr>
+        </p:nvSpPr>
+        <p:spPr/>
+      </p:sp>
+      <p:sp>
+        <p:nvSpPr>
+          <p:cNvPr id="3" name="Notes Placeholder 2"/>
+          <p:cNvSpPr>
+            <a:spLocks noGrp="1"/>
+          </p:cNvSpPr>
+          <p:nvPr>
+            <p:ph type="body" idx="1"/>
+          </p:nvPr>
+        </p:nvSpPr>
+        <p:spPr/>
+        <p:txBody>
+          <a:bodyPr/>
+          <a:lstStyle/>
+          <a:p>
+            <a:r>
+              <a:rPr lang="en-US" dirty="0"/>
+              <a:t>1-1:40</a:t>
+            </a:r>
+            <a:endParaRPr lang="cs-CZ" dirty="0"/>
+          </a:p>
+        </p:txBody>
+      </p:sp>
+      <p:sp>
+        <p:nvSpPr>
+          <p:cNvPr id="4" name="Slide Number Placeholder 3"/>
+          <p:cNvSpPr>
+            <a:spLocks noGrp="1"/>
+          </p:cNvSpPr>
+          <p:nvPr>
+            <p:ph type="sldNum" sz="quarter" idx="5"/>
+          </p:nvPr>
+        </p:nvSpPr>
+        <p:spPr/>
+        <p:txBody>
+          <a:bodyPr/>
+          <a:lstStyle/>
+          <a:p>
+            <a:fld id="{B1477A6B-1536-4F7E-8CD5-4930B8A7F513}" type="slidenum">
+              <a:rPr lang="cs-CZ" smtClean="0"/>
+              <a:t>3</a:t>
+            </a:fld>
+            <a:endParaRPr lang="cs-CZ"/>
+          </a:p>
+        </p:txBody>
+      </p:sp>
+    </p:spTree>
+    <p:extLst>
+      <p:ext uri="{BB962C8B-B14F-4D97-AF65-F5344CB8AC3E}">
+        <p14:creationId xmlns:p14="http://schemas.microsoft.com/office/powerpoint/2010/main" val="1508645544"/>
+      </p:ext>
+    </p:extLst>
+  </p:cSld>
+  <p:clrMapOvr>
+    <a:masterClrMapping/>
+  </p:clrMapOvr>
+</p:notes>
+</file>
+
+<file path=ppt/notesSlides/notesSlide4.xml><?xml version="1.0" encoding="utf-8"?>
+<p:notes xmlns:a="http://schemas.openxmlformats.org/drawingml/2006/main" xmlns:r="http://schemas.openxmlformats.org/officeDocument/2006/relationships" xmlns:p="http://schemas.openxmlformats.org/presentationml/2006/main">
+  <p:cSld>
+    <p:spTree>
+      <p:nvGrpSpPr>
+        <p:cNvPr id="1" name=""/>
+        <p:cNvGrpSpPr/>
+        <p:nvPr/>
+      </p:nvGrpSpPr>
+      <p:grpSpPr>
+        <a:xfrm>
+          <a:off x="0" y="0"/>
+          <a:ext cx="0" cy="0"/>
+          <a:chOff x="0" y="0"/>
+          <a:chExt cx="0" cy="0"/>
+        </a:xfrm>
+      </p:grpSpPr>
+      <p:sp>
+        <p:nvSpPr>
+          <p:cNvPr id="2" name="Slide Image Placeholder 1"/>
+          <p:cNvSpPr>
+            <a:spLocks noGrp="1" noRot="1" noChangeAspect="1"/>
+          </p:cNvSpPr>
+          <p:nvPr>
+            <p:ph type="sldImg"/>
+          </p:nvPr>
+        </p:nvSpPr>
+        <p:spPr/>
+      </p:sp>
+      <p:sp>
+        <p:nvSpPr>
+          <p:cNvPr id="3" name="Notes Placeholder 2"/>
+          <p:cNvSpPr>
+            <a:spLocks noGrp="1"/>
+          </p:cNvSpPr>
+          <p:nvPr>
+            <p:ph type="body" idx="1"/>
+          </p:nvPr>
+        </p:nvSpPr>
+        <p:spPr/>
+        <p:txBody>
+          <a:bodyPr/>
+          <a:lstStyle/>
+          <a:p>
+            <a:r>
+              <a:rPr lang="en-US" dirty="0"/>
+              <a:t>1:40-2:40</a:t>
+            </a:r>
+            <a:endParaRPr lang="cs-CZ" dirty="0"/>
+          </a:p>
+        </p:txBody>
+      </p:sp>
+      <p:sp>
+        <p:nvSpPr>
+          <p:cNvPr id="4" name="Slide Number Placeholder 3"/>
+          <p:cNvSpPr>
+            <a:spLocks noGrp="1"/>
+          </p:cNvSpPr>
+          <p:nvPr>
+            <p:ph type="sldNum" sz="quarter" idx="5"/>
+          </p:nvPr>
+        </p:nvSpPr>
+        <p:spPr/>
+        <p:txBody>
+          <a:bodyPr/>
+          <a:lstStyle/>
+          <a:p>
+            <a:fld id="{B1477A6B-1536-4F7E-8CD5-4930B8A7F513}" type="slidenum">
+              <a:rPr lang="cs-CZ" smtClean="0"/>
+              <a:t>4</a:t>
+            </a:fld>
+            <a:endParaRPr lang="cs-CZ"/>
+          </a:p>
+        </p:txBody>
+      </p:sp>
+    </p:spTree>
+    <p:extLst>
+      <p:ext uri="{BB962C8B-B14F-4D97-AF65-F5344CB8AC3E}">
+        <p14:creationId xmlns:p14="http://schemas.microsoft.com/office/powerpoint/2010/main" val="4020977530"/>
+      </p:ext>
+    </p:extLst>
+  </p:cSld>
+  <p:clrMapOvr>
+    <a:masterClrMapping/>
+  </p:clrMapOvr>
+</p:notes>
+</file>
+
+<file path=ppt/notesSlides/notesSlide5.xml><?xml version="1.0" encoding="utf-8"?>
+<p:notes xmlns:a="http://schemas.openxmlformats.org/drawingml/2006/main" xmlns:r="http://schemas.openxmlformats.org/officeDocument/2006/relationships" xmlns:p="http://schemas.openxmlformats.org/presentationml/2006/main">
+  <p:cSld>
+    <p:spTree>
+      <p:nvGrpSpPr>
+        <p:cNvPr id="1" name=""/>
+        <p:cNvGrpSpPr/>
+        <p:nvPr/>
+      </p:nvGrpSpPr>
+      <p:grpSpPr>
+        <a:xfrm>
+          <a:off x="0" y="0"/>
+          <a:ext cx="0" cy="0"/>
+          <a:chOff x="0" y="0"/>
+          <a:chExt cx="0" cy="0"/>
+        </a:xfrm>
+      </p:grpSpPr>
+      <p:sp>
+        <p:nvSpPr>
+          <p:cNvPr id="2" name="Slide Image Placeholder 1"/>
+          <p:cNvSpPr>
+            <a:spLocks noGrp="1" noRot="1" noChangeAspect="1"/>
+          </p:cNvSpPr>
+          <p:nvPr>
+            <p:ph type="sldImg"/>
+          </p:nvPr>
+        </p:nvSpPr>
+        <p:spPr/>
+      </p:sp>
+      <p:sp>
+        <p:nvSpPr>
+          <p:cNvPr id="3" name="Notes Placeholder 2"/>
+          <p:cNvSpPr>
+            <a:spLocks noGrp="1"/>
+          </p:cNvSpPr>
+          <p:nvPr>
+            <p:ph type="body" idx="1"/>
+          </p:nvPr>
+        </p:nvSpPr>
+        <p:spPr/>
+        <p:txBody>
+          <a:bodyPr/>
+          <a:lstStyle/>
+          <a:p>
+            <a:r>
+              <a:rPr lang="en-US" dirty="0"/>
+              <a:t>2:40-3:10</a:t>
+            </a:r>
+            <a:endParaRPr lang="cs-CZ" dirty="0"/>
+          </a:p>
+        </p:txBody>
+      </p:sp>
+      <p:sp>
+        <p:nvSpPr>
+          <p:cNvPr id="4" name="Slide Number Placeholder 3"/>
+          <p:cNvSpPr>
+            <a:spLocks noGrp="1"/>
+          </p:cNvSpPr>
+          <p:nvPr>
+            <p:ph type="sldNum" sz="quarter" idx="5"/>
+          </p:nvPr>
+        </p:nvSpPr>
+        <p:spPr/>
+        <p:txBody>
+          <a:bodyPr/>
+          <a:lstStyle/>
+          <a:p>
+            <a:fld id="{B1477A6B-1536-4F7E-8CD5-4930B8A7F513}" type="slidenum">
+              <a:rPr lang="cs-CZ" smtClean="0"/>
+              <a:t>5</a:t>
+            </a:fld>
+            <a:endParaRPr lang="cs-CZ"/>
+          </a:p>
+        </p:txBody>
+      </p:sp>
+    </p:spTree>
+    <p:extLst>
+      <p:ext uri="{BB962C8B-B14F-4D97-AF65-F5344CB8AC3E}">
+        <p14:creationId xmlns:p14="http://schemas.microsoft.com/office/powerpoint/2010/main" val="3837952919"/>
+      </p:ext>
+    </p:extLst>
+  </p:cSld>
+  <p:clrMapOvr>
+    <a:masterClrMapping/>
+  </p:clrMapOvr>
+</p:notes>
+</file>
+
+<file path=ppt/notesSlides/notesSlide6.xml><?xml version="1.0" encoding="utf-8"?>
+<p:notes xmlns:a="http://schemas.openxmlformats.org/drawingml/2006/main" xmlns:r="http://schemas.openxmlformats.org/officeDocument/2006/relationships" xmlns:p="http://schemas.openxmlformats.org/presentationml/2006/main">
+  <p:cSld>
+    <p:spTree>
+      <p:nvGrpSpPr>
+        <p:cNvPr id="1" name=""/>
+        <p:cNvGrpSpPr/>
+        <p:nvPr/>
+      </p:nvGrpSpPr>
+      <p:grpSpPr>
+        <a:xfrm>
+          <a:off x="0" y="0"/>
+          <a:ext cx="0" cy="0"/>
+          <a:chOff x="0" y="0"/>
+          <a:chExt cx="0" cy="0"/>
+        </a:xfrm>
+      </p:grpSpPr>
+      <p:sp>
+        <p:nvSpPr>
+          <p:cNvPr id="2" name="Slide Image Placeholder 1"/>
+          <p:cNvSpPr>
+            <a:spLocks noGrp="1" noRot="1" noChangeAspect="1"/>
+          </p:cNvSpPr>
+          <p:nvPr>
+            <p:ph type="sldImg"/>
+          </p:nvPr>
+        </p:nvSpPr>
+        <p:spPr/>
+      </p:sp>
+      <p:sp>
+        <p:nvSpPr>
+          <p:cNvPr id="3" name="Notes Placeholder 2"/>
+          <p:cNvSpPr>
+            <a:spLocks noGrp="1"/>
+          </p:cNvSpPr>
+          <p:nvPr>
+            <p:ph type="body" idx="1"/>
+          </p:nvPr>
+        </p:nvSpPr>
+        <p:spPr/>
+        <p:txBody>
+          <a:bodyPr/>
+          <a:lstStyle/>
+          <a:p>
+            <a:r>
+              <a:rPr lang="en-US" dirty="0"/>
+              <a:t>3:10-4:10</a:t>
+            </a:r>
+            <a:endParaRPr lang="cs-CZ" dirty="0"/>
+          </a:p>
+        </p:txBody>
+      </p:sp>
+      <p:sp>
+        <p:nvSpPr>
+          <p:cNvPr id="4" name="Slide Number Placeholder 3"/>
+          <p:cNvSpPr>
+            <a:spLocks noGrp="1"/>
+          </p:cNvSpPr>
+          <p:nvPr>
+            <p:ph type="sldNum" sz="quarter" idx="5"/>
+          </p:nvPr>
+        </p:nvSpPr>
+        <p:spPr/>
+        <p:txBody>
+          <a:bodyPr/>
+          <a:lstStyle/>
+          <a:p>
+            <a:fld id="{B1477A6B-1536-4F7E-8CD5-4930B8A7F513}" type="slidenum">
+              <a:rPr lang="cs-CZ" smtClean="0"/>
+              <a:t>6</a:t>
+            </a:fld>
+            <a:endParaRPr lang="cs-CZ"/>
+          </a:p>
+        </p:txBody>
+      </p:sp>
+    </p:spTree>
+    <p:extLst>
+      <p:ext uri="{BB962C8B-B14F-4D97-AF65-F5344CB8AC3E}">
+        <p14:creationId xmlns:p14="http://schemas.microsoft.com/office/powerpoint/2010/main" val="3581412156"/>
+      </p:ext>
+    </p:extLst>
+  </p:cSld>
+  <p:clrMapOvr>
+    <a:masterClrMapping/>
+  </p:clrMapOvr>
+</p:notes>
+</file>
+
+<file path=ppt/notesSlides/notesSlide7.xml><?xml version="1.0" encoding="utf-8"?>
+<p:notes xmlns:a="http://schemas.openxmlformats.org/drawingml/2006/main" xmlns:r="http://schemas.openxmlformats.org/officeDocument/2006/relationships" xmlns:p="http://schemas.openxmlformats.org/presentationml/2006/main">
+  <p:cSld>
+    <p:spTree>
+      <p:nvGrpSpPr>
+        <p:cNvPr id="1" name=""/>
+        <p:cNvGrpSpPr/>
+        <p:nvPr/>
+      </p:nvGrpSpPr>
+      <p:grpSpPr>
+        <a:xfrm>
+          <a:off x="0" y="0"/>
+          <a:ext cx="0" cy="0"/>
+          <a:chOff x="0" y="0"/>
+          <a:chExt cx="0" cy="0"/>
+        </a:xfrm>
+      </p:grpSpPr>
+      <p:sp>
+        <p:nvSpPr>
+          <p:cNvPr id="2" name="Slide Image Placeholder 1"/>
+          <p:cNvSpPr>
+            <a:spLocks noGrp="1" noRot="1" noChangeAspect="1"/>
+          </p:cNvSpPr>
+          <p:nvPr>
+            <p:ph type="sldImg"/>
+          </p:nvPr>
+        </p:nvSpPr>
+        <p:spPr/>
+      </p:sp>
+      <p:sp>
+        <p:nvSpPr>
+          <p:cNvPr id="3" name="Notes Placeholder 2"/>
+          <p:cNvSpPr>
+            <a:spLocks noGrp="1"/>
+          </p:cNvSpPr>
+          <p:nvPr>
+            <p:ph type="body" idx="1"/>
+          </p:nvPr>
+        </p:nvSpPr>
+        <p:spPr/>
+        <p:txBody>
+          <a:bodyPr/>
+          <a:lstStyle/>
+          <a:p>
+            <a:r>
+              <a:rPr lang="en-US" dirty="0"/>
+              <a:t>4:10-5:10</a:t>
+            </a:r>
+            <a:endParaRPr lang="cs-CZ" dirty="0"/>
+          </a:p>
+        </p:txBody>
+      </p:sp>
+      <p:sp>
+        <p:nvSpPr>
+          <p:cNvPr id="4" name="Slide Number Placeholder 3"/>
+          <p:cNvSpPr>
+            <a:spLocks noGrp="1"/>
+          </p:cNvSpPr>
+          <p:nvPr>
+            <p:ph type="sldNum" sz="quarter" idx="5"/>
+          </p:nvPr>
+        </p:nvSpPr>
+        <p:spPr/>
+        <p:txBody>
+          <a:bodyPr/>
+          <a:lstStyle/>
+          <a:p>
+            <a:fld id="{B1477A6B-1536-4F7E-8CD5-4930B8A7F513}" type="slidenum">
+              <a:rPr lang="cs-CZ" smtClean="0"/>
+              <a:t>7</a:t>
+            </a:fld>
+            <a:endParaRPr lang="cs-CZ"/>
+          </a:p>
+        </p:txBody>
+      </p:sp>
+    </p:spTree>
+    <p:extLst>
+      <p:ext uri="{BB962C8B-B14F-4D97-AF65-F5344CB8AC3E}">
+        <p14:creationId xmlns:p14="http://schemas.microsoft.com/office/powerpoint/2010/main" val="2637222962"/>
+      </p:ext>
+    </p:extLst>
+  </p:cSld>
+  <p:clrMapOvr>
+    <a:masterClrMapping/>
+  </p:clrMapOvr>
+</p:notes>
+</file>
+
+<file path=ppt/notesSlides/notesSlide8.xml><?xml version="1.0" encoding="utf-8"?>
+<p:notes xmlns:a="http://schemas.openxmlformats.org/drawingml/2006/main" xmlns:r="http://schemas.openxmlformats.org/officeDocument/2006/relationships" xmlns:p="http://schemas.openxmlformats.org/presentationml/2006/main">
+  <p:cSld>
+    <p:spTree>
+      <p:nvGrpSpPr>
+        <p:cNvPr id="1" name=""/>
+        <p:cNvGrpSpPr/>
+        <p:nvPr/>
+      </p:nvGrpSpPr>
+      <p:grpSpPr>
+        <a:xfrm>
+          <a:off x="0" y="0"/>
+          <a:ext cx="0" cy="0"/>
+          <a:chOff x="0" y="0"/>
+          <a:chExt cx="0" cy="0"/>
+        </a:xfrm>
+      </p:grpSpPr>
+      <p:sp>
+        <p:nvSpPr>
+          <p:cNvPr id="2" name="Slide Image Placeholder 1"/>
+          <p:cNvSpPr>
+            <a:spLocks noGrp="1" noRot="1" noChangeAspect="1"/>
+          </p:cNvSpPr>
+          <p:nvPr>
+            <p:ph type="sldImg"/>
+          </p:nvPr>
+        </p:nvSpPr>
+        <p:spPr/>
+      </p:sp>
+      <p:sp>
+        <p:nvSpPr>
+          <p:cNvPr id="3" name="Notes Placeholder 2"/>
+          <p:cNvSpPr>
+            <a:spLocks noGrp="1"/>
+          </p:cNvSpPr>
+          <p:nvPr>
+            <p:ph type="body" idx="1"/>
+          </p:nvPr>
+        </p:nvSpPr>
+        <p:spPr/>
+        <p:txBody>
+          <a:bodyPr/>
+          <a:lstStyle/>
+          <a:p>
+            <a:r>
+              <a:rPr lang="en-US" dirty="0"/>
+              <a:t>5:10-6</a:t>
+            </a:r>
+            <a:endParaRPr lang="cs-CZ" dirty="0"/>
+          </a:p>
+        </p:txBody>
+      </p:sp>
+      <p:sp>
+        <p:nvSpPr>
+          <p:cNvPr id="4" name="Slide Number Placeholder 3"/>
+          <p:cNvSpPr>
+            <a:spLocks noGrp="1"/>
+          </p:cNvSpPr>
+          <p:nvPr>
+            <p:ph type="sldNum" sz="quarter" idx="5"/>
+          </p:nvPr>
+        </p:nvSpPr>
+        <p:spPr/>
+        <p:txBody>
+          <a:bodyPr/>
+          <a:lstStyle/>
+          <a:p>
+            <a:fld id="{B1477A6B-1536-4F7E-8CD5-4930B8A7F513}" type="slidenum">
+              <a:rPr lang="cs-CZ" smtClean="0"/>
+              <a:t>8</a:t>
+            </a:fld>
+            <a:endParaRPr lang="cs-CZ"/>
+          </a:p>
+        </p:txBody>
+      </p:sp>
+    </p:spTree>
+    <p:extLst>
+      <p:ext uri="{BB962C8B-B14F-4D97-AF65-F5344CB8AC3E}">
+        <p14:creationId xmlns:p14="http://schemas.microsoft.com/office/powerpoint/2010/main" val="2817561939"/>
+      </p:ext>
+    </p:extLst>
+  </p:cSld>
+  <p:clrMapOvr>
+    <a:masterClrMapping/>
+  </p:clrMapOvr>
+</p:notes>
+</file>
+
+<file path=ppt/notesSlides/notesSlide9.xml><?xml version="1.0" encoding="utf-8"?>
+<p:notes xmlns:a="http://schemas.openxmlformats.org/drawingml/2006/main" xmlns:r="http://schemas.openxmlformats.org/officeDocument/2006/relationships" xmlns:p="http://schemas.openxmlformats.org/presentationml/2006/main">
+  <p:cSld>
+    <p:spTree>
+      <p:nvGrpSpPr>
+        <p:cNvPr id="1" name=""/>
+        <p:cNvGrpSpPr/>
+        <p:nvPr/>
+      </p:nvGrpSpPr>
+      <p:grpSpPr>
+        <a:xfrm>
+          <a:off x="0" y="0"/>
+          <a:ext cx="0" cy="0"/>
+          <a:chOff x="0" y="0"/>
+          <a:chExt cx="0" cy="0"/>
+        </a:xfrm>
+      </p:grpSpPr>
+      <p:sp>
+        <p:nvSpPr>
+          <p:cNvPr id="2" name="Slide Image Placeholder 1"/>
+          <p:cNvSpPr>
+            <a:spLocks noGrp="1" noRot="1" noChangeAspect="1"/>
+          </p:cNvSpPr>
+          <p:nvPr>
+            <p:ph type="sldImg"/>
+          </p:nvPr>
+        </p:nvSpPr>
+        <p:spPr/>
+      </p:sp>
+      <p:sp>
+        <p:nvSpPr>
+          <p:cNvPr id="3" name="Notes Placeholder 2"/>
+          <p:cNvSpPr>
+            <a:spLocks noGrp="1"/>
+          </p:cNvSpPr>
+          <p:nvPr>
+            <p:ph type="body" idx="1"/>
+          </p:nvPr>
+        </p:nvSpPr>
+        <p:spPr/>
+        <p:txBody>
+          <a:bodyPr/>
+          <a:lstStyle/>
+          <a:p>
+            <a:r>
+              <a:rPr lang="en-US" dirty="0"/>
+              <a:t>6-6:30</a:t>
+            </a:r>
+            <a:endParaRPr lang="cs-CZ" dirty="0"/>
+          </a:p>
+        </p:txBody>
+      </p:sp>
+      <p:sp>
+        <p:nvSpPr>
+          <p:cNvPr id="4" name="Slide Number Placeholder 3"/>
+          <p:cNvSpPr>
+            <a:spLocks noGrp="1"/>
+          </p:cNvSpPr>
+          <p:nvPr>
+            <p:ph type="sldNum" sz="quarter" idx="5"/>
+          </p:nvPr>
+        </p:nvSpPr>
+        <p:spPr/>
+        <p:txBody>
+          <a:bodyPr/>
+          <a:lstStyle/>
+          <a:p>
+            <a:fld id="{B1477A6B-1536-4F7E-8CD5-4930B8A7F513}" type="slidenum">
+              <a:rPr lang="cs-CZ" smtClean="0"/>
+              <a:t>9</a:t>
+            </a:fld>
+            <a:endParaRPr lang="cs-CZ"/>
+          </a:p>
+        </p:txBody>
+      </p:sp>
+    </p:spTree>
+    <p:extLst>
+      <p:ext uri="{BB962C8B-B14F-4D97-AF65-F5344CB8AC3E}">
+        <p14:creationId xmlns:p14="http://schemas.microsoft.com/office/powerpoint/2010/main" val="1691952097"/>
       </p:ext>
     </p:extLst>
   </p:cSld>
@@ -1485,9 +2545,14 @@
           <a:p>
             <a:fld id="{34496689-AAC1-49FF-8CFC-AFE655D342DD}" type="slidenum">
               <a:rPr lang="cs-CZ" smtClean="0"/>
+              <a:pPr/>
               <a:t>‹#›</a:t>
             </a:fld>
-            <a:endParaRPr lang="cs-CZ"/>
+            <a:r>
+              <a:rPr lang="en-US" dirty="0"/>
+              <a:t>/17</a:t>
+            </a:r>
+            <a:endParaRPr lang="cs-CZ" dirty="0"/>
           </a:p>
         </p:txBody>
       </p:sp>
@@ -4701,7 +5766,7 @@
           <p:nvPr/>
         </p:nvPicPr>
         <p:blipFill>
-          <a:blip r:embed="rId2" cstate="print">
+          <a:blip r:embed="rId3" cstate="print">
             <a:extLst>
               <a:ext uri="{28A0092B-C50C-407E-A947-70E740481C1C}">
                 <a14:useLocalDpi xmlns:a14="http://schemas.microsoft.com/office/drawing/2010/main" val="0"/>
@@ -5211,7 +6276,7 @@
           </p:nvPr>
         </p:nvPicPr>
         <p:blipFill>
-          <a:blip r:embed="rId2">
+          <a:blip r:embed="rId3">
             <a:extLst>
               <a:ext uri="{28A0092B-C50C-407E-A947-70E740481C1C}">
                 <a14:useLocalDpi xmlns:a14="http://schemas.microsoft.com/office/drawing/2010/main" val="0"/>
@@ -5585,7 +6650,7 @@
           </p:nvPr>
         </p:nvPicPr>
         <p:blipFill>
-          <a:blip r:embed="rId2">
+          <a:blip r:embed="rId3">
             <a:extLst>
               <a:ext uri="{28A0092B-C50C-407E-A947-70E740481C1C}">
                 <a14:useLocalDpi xmlns:a14="http://schemas.microsoft.com/office/drawing/2010/main" val="0"/>
@@ -5771,7 +6836,7 @@
           </p:nvPr>
         </p:nvPicPr>
         <p:blipFill>
-          <a:blip r:embed="rId2">
+          <a:blip r:embed="rId3">
             <a:extLst>
               <a:ext uri="{28A0092B-C50C-407E-A947-70E740481C1C}">
                 <a14:useLocalDpi xmlns:a14="http://schemas.microsoft.com/office/drawing/2010/main" val="0"/>
@@ -6891,7 +7956,7 @@
           <p:nvPr/>
         </p:nvPicPr>
         <p:blipFill>
-          <a:blip r:embed="rId3">
+          <a:blip r:embed="rId4">
             <a:extLst>
               <a:ext uri="{28A0092B-C50C-407E-A947-70E740481C1C}">
                 <a14:useLocalDpi xmlns:a14="http://schemas.microsoft.com/office/drawing/2010/main" val="0"/>
@@ -6967,7 +8032,7 @@
   </p:clrMapOvr>
   <p:extLst>
     <p:ext uri="{6950BFC3-D8DA-4A85-94F7-54DA5524770B}">
-      <p188:commentRel xmlns:p188="http://schemas.microsoft.com/office/powerpoint/2018/8/main" r:id="rId2"/>
+      <p188:commentRel xmlns:p188="http://schemas.microsoft.com/office/powerpoint/2018/8/main" r:id="rId3"/>
     </p:ext>
   </p:extLst>
 </p:sld>
@@ -7215,7 +8280,7 @@
           <p:nvPr/>
         </p:nvPicPr>
         <p:blipFill rotWithShape="1">
-          <a:blip r:embed="rId2" cstate="print">
+          <a:blip r:embed="rId3" cstate="print">
             <a:extLst>
               <a:ext uri="{28A0092B-C50C-407E-A947-70E740481C1C}">
                 <a14:useLocalDpi xmlns:a14="http://schemas.microsoft.com/office/drawing/2010/main" val="0"/>
@@ -7485,7 +8550,7 @@
           <p:nvPr/>
         </p:nvPicPr>
         <p:blipFill>
-          <a:blip r:embed="rId2">
+          <a:blip r:embed="rId3">
             <a:extLst>
               <a:ext uri="{28A0092B-C50C-407E-A947-70E740481C1C}">
                 <a14:useLocalDpi xmlns:a14="http://schemas.microsoft.com/office/drawing/2010/main" val="0"/>
@@ -7521,7 +8586,7 @@
           <p:nvPr/>
         </p:nvPicPr>
         <p:blipFill>
-          <a:blip r:embed="rId3">
+          <a:blip r:embed="rId4">
             <a:extLst>
               <a:ext uri="{28A0092B-C50C-407E-A947-70E740481C1C}">
                 <a14:useLocalDpi xmlns:a14="http://schemas.microsoft.com/office/drawing/2010/main" val="0"/>
@@ -8014,7 +9079,7 @@
           </p:nvPr>
         </p:nvPicPr>
         <p:blipFill>
-          <a:blip r:embed="rId3">
+          <a:blip r:embed="rId4">
             <a:extLst>
               <a:ext uri="{28A0092B-C50C-407E-A947-70E740481C1C}">
                 <a14:useLocalDpi xmlns:a14="http://schemas.microsoft.com/office/drawing/2010/main" val="0"/>
@@ -8261,7 +9326,7 @@
   </p:clrMapOvr>
   <p:extLst>
     <p:ext uri="{6950BFC3-D8DA-4A85-94F7-54DA5524770B}">
-      <p188:commentRel xmlns:p188="http://schemas.microsoft.com/office/powerpoint/2018/8/main" r:id="rId2"/>
+      <p188:commentRel xmlns:p188="http://schemas.microsoft.com/office/powerpoint/2018/8/main" r:id="rId3"/>
     </p:ext>
   </p:extLst>
 </p:sld>
@@ -8369,18 +9434,21 @@
           <a:p>
             <a:r>
               <a:rPr lang="cs-CZ" dirty="0"/>
-              <a:t>Databázová knihovna SQLite</a:t>
-            </a:r>
-          </a:p>
-          <a:p>
-            <a:r>
-              <a:rPr lang="cs-CZ" dirty="0"/>
               <a:t>Další okna pomocí  metody </a:t>
             </a:r>
             <a:r>
               <a:rPr lang="cs-CZ" dirty="0" err="1"/>
               <a:t>CTkTopLevel</a:t>
             </a:r>
+            <a:endParaRPr lang="en-US" dirty="0"/>
+          </a:p>
+          <a:p>
+            <a:r>
+              <a:rPr lang="cs-CZ" dirty="0"/>
+              <a:t>Databázová knihovna SQLite</a:t>
+            </a:r>
+          </a:p>
+          <a:p>
             <a:endParaRPr lang="cs-CZ" dirty="0"/>
           </a:p>
         </p:txBody>
@@ -8604,7 +9672,7 @@
           </p:nvPr>
         </p:nvPicPr>
         <p:blipFill>
-          <a:blip r:embed="rId2">
+          <a:blip r:embed="rId3">
             <a:extLst>
               <a:ext uri="{28A0092B-C50C-407E-A947-70E740481C1C}">
                 <a14:useLocalDpi xmlns:a14="http://schemas.microsoft.com/office/drawing/2010/main" val="0"/>
@@ -8637,7 +9705,7 @@
           <p:nvPr/>
         </p:nvPicPr>
         <p:blipFill>
-          <a:blip r:embed="rId3">
+          <a:blip r:embed="rId4">
             <a:extLst>
               <a:ext uri="{28A0092B-C50C-407E-A947-70E740481C1C}">
                 <a14:useLocalDpi xmlns:a14="http://schemas.microsoft.com/office/drawing/2010/main" val="0"/>
